--- a/pin configuration.pptx
+++ b/pin configuration.pptx
@@ -6,6 +6,7 @@
   </p:sldMasterIdLst>
   <p:sldIdLst>
     <p:sldId id="305" r:id="rId2"/>
+    <p:sldId id="306" r:id="rId3"/>
   </p:sldIdLst>
   <p:sldSz cx="12192000" cy="6858000"/>
   <p:notesSz cx="6858000" cy="9144000"/>
@@ -104,7 +105,209 @@
       </a:defRPr>
     </a:lvl9pPr>
   </p:defaultTextStyle>
+  <p:extLst>
+    <p:ext uri="{EFAFB233-063F-42B5-8137-9DF3F51BA10A}">
+      <p15:sldGuideLst xmlns:p15="http://schemas.microsoft.com/office/powerpoint/2012/main"/>
+    </p:ext>
+  </p:extLst>
 </p:presentation>
+</file>
+
+<file path=ppt/revisionInfo.xml><?xml version="1.0" encoding="utf-8"?>
+<p1510:revInfo xmlns:a="http://schemas.openxmlformats.org/drawingml/2006/main" xmlns:r="http://schemas.openxmlformats.org/officeDocument/2006/relationships" xmlns:p1510="http://schemas.microsoft.com/office/powerpoint/2015/10/main">
+  <p1510:revLst>
+    <p1510:client id="{8F6B606E-6D3D-4A83-9CEF-517CA2C8863C}" v="1" dt="2024-12-16T15:08:32.522"/>
+  </p1510:revLst>
+</p1510:revInfo>
+</file>
+
+<file path=ppt/changesInfos/changesInfo1.xml><?xml version="1.0" encoding="utf-8"?>
+<pc:chgInfo xmlns:a="http://schemas.openxmlformats.org/drawingml/2006/main" xmlns:r="http://schemas.openxmlformats.org/officeDocument/2006/relationships" xmlns:ac="http://schemas.microsoft.com/office/drawing/2013/main/command" xmlns:pc="http://schemas.microsoft.com/office/powerpoint/2013/main/command">
+  <pc:docChgLst>
+    <pc:chgData name="Mirco Mongilli" userId="19960ad70dfbbeae" providerId="LiveId" clId="{8F6B606E-6D3D-4A83-9CEF-517CA2C8863C}"/>
+    <pc:docChg chg="custSel addSld modSld">
+      <pc:chgData name="Mirco Mongilli" userId="19960ad70dfbbeae" providerId="LiveId" clId="{8F6B606E-6D3D-4A83-9CEF-517CA2C8863C}" dt="2024-12-16T15:08:32.522" v="10" actId="5736"/>
+      <pc:docMkLst>
+        <pc:docMk/>
+      </pc:docMkLst>
+      <pc:sldChg chg="addSp delSp modSp add mod">
+        <pc:chgData name="Mirco Mongilli" userId="19960ad70dfbbeae" providerId="LiveId" clId="{8F6B606E-6D3D-4A83-9CEF-517CA2C8863C}" dt="2024-12-16T15:08:32.522" v="10" actId="5736"/>
+        <pc:sldMkLst>
+          <pc:docMk/>
+          <pc:sldMk cId="4259179272" sldId="306"/>
+        </pc:sldMkLst>
+        <pc:spChg chg="del">
+          <ac:chgData name="Mirco Mongilli" userId="19960ad70dfbbeae" providerId="LiveId" clId="{8F6B606E-6D3D-4A83-9CEF-517CA2C8863C}" dt="2024-12-16T15:07:33.502" v="1" actId="478"/>
+          <ac:spMkLst>
+            <pc:docMk/>
+            <pc:sldMk cId="4259179272" sldId="306"/>
+            <ac:spMk id="2" creationId="{1C2B4E67-8008-8DCF-F8DC-B1A634D531F8}"/>
+          </ac:spMkLst>
+        </pc:spChg>
+        <pc:spChg chg="mod">
+          <ac:chgData name="Mirco Mongilli" userId="19960ad70dfbbeae" providerId="LiveId" clId="{8F6B606E-6D3D-4A83-9CEF-517CA2C8863C}" dt="2024-12-16T15:08:32.522" v="10" actId="5736"/>
+          <ac:spMkLst>
+            <pc:docMk/>
+            <pc:sldMk cId="4259179272" sldId="306"/>
+            <ac:spMk id="3" creationId="{3C7D1CD0-D4E3-907F-428E-744C5572BBE0}"/>
+          </ac:spMkLst>
+        </pc:spChg>
+        <pc:spChg chg="mod">
+          <ac:chgData name="Mirco Mongilli" userId="19960ad70dfbbeae" providerId="LiveId" clId="{8F6B606E-6D3D-4A83-9CEF-517CA2C8863C}" dt="2024-12-16T15:08:32.522" v="10" actId="5736"/>
+          <ac:spMkLst>
+            <pc:docMk/>
+            <pc:sldMk cId="4259179272" sldId="306"/>
+            <ac:spMk id="5" creationId="{17DFCDA4-5B73-7F8F-A438-1AA4574925BD}"/>
+          </ac:spMkLst>
+        </pc:spChg>
+        <pc:spChg chg="mod">
+          <ac:chgData name="Mirco Mongilli" userId="19960ad70dfbbeae" providerId="LiveId" clId="{8F6B606E-6D3D-4A83-9CEF-517CA2C8863C}" dt="2024-12-16T15:08:32.522" v="10" actId="5736"/>
+          <ac:spMkLst>
+            <pc:docMk/>
+            <pc:sldMk cId="4259179272" sldId="306"/>
+            <ac:spMk id="8" creationId="{8D1531F3-7014-961C-72AE-3B58D80F81F7}"/>
+          </ac:spMkLst>
+        </pc:spChg>
+        <pc:spChg chg="mod">
+          <ac:chgData name="Mirco Mongilli" userId="19960ad70dfbbeae" providerId="LiveId" clId="{8F6B606E-6D3D-4A83-9CEF-517CA2C8863C}" dt="2024-12-16T15:08:32.522" v="10" actId="5736"/>
+          <ac:spMkLst>
+            <pc:docMk/>
+            <pc:sldMk cId="4259179272" sldId="306"/>
+            <ac:spMk id="10" creationId="{68AC0D9A-9C7A-85E0-ADAB-82B8DBB25715}"/>
+          </ac:spMkLst>
+        </pc:spChg>
+        <pc:spChg chg="add del mod">
+          <ac:chgData name="Mirco Mongilli" userId="19960ad70dfbbeae" providerId="LiveId" clId="{8F6B606E-6D3D-4A83-9CEF-517CA2C8863C}" dt="2024-12-16T15:08:06.157" v="9" actId="478"/>
+          <ac:spMkLst>
+            <pc:docMk/>
+            <pc:sldMk cId="4259179272" sldId="306"/>
+            <ac:spMk id="11" creationId="{5F6A49B4-5830-5008-099E-8D9F81A278B9}"/>
+          </ac:spMkLst>
+        </pc:spChg>
+        <pc:spChg chg="add mod ord">
+          <ac:chgData name="Mirco Mongilli" userId="19960ad70dfbbeae" providerId="LiveId" clId="{8F6B606E-6D3D-4A83-9CEF-517CA2C8863C}" dt="2024-12-16T15:08:32.522" v="10" actId="5736"/>
+          <ac:spMkLst>
+            <pc:docMk/>
+            <pc:sldMk cId="4259179272" sldId="306"/>
+            <ac:spMk id="13" creationId="{9BBA9CF3-851F-F731-FFDD-4EFCFE339027}"/>
+          </ac:spMkLst>
+        </pc:spChg>
+        <pc:graphicFrameChg chg="mod">
+          <ac:chgData name="Mirco Mongilli" userId="19960ad70dfbbeae" providerId="LiveId" clId="{8F6B606E-6D3D-4A83-9CEF-517CA2C8863C}" dt="2024-12-16T15:08:32.522" v="10" actId="5736"/>
+          <ac:graphicFrameMkLst>
+            <pc:docMk/>
+            <pc:sldMk cId="4259179272" sldId="306"/>
+            <ac:graphicFrameMk id="4" creationId="{0CF54339-6408-9CE0-68BB-3C454D24A16B}"/>
+          </ac:graphicFrameMkLst>
+        </pc:graphicFrameChg>
+        <pc:graphicFrameChg chg="mod">
+          <ac:chgData name="Mirco Mongilli" userId="19960ad70dfbbeae" providerId="LiveId" clId="{8F6B606E-6D3D-4A83-9CEF-517CA2C8863C}" dt="2024-12-16T15:08:32.522" v="10" actId="5736"/>
+          <ac:graphicFrameMkLst>
+            <pc:docMk/>
+            <pc:sldMk cId="4259179272" sldId="306"/>
+            <ac:graphicFrameMk id="7" creationId="{7498D74E-6DC4-9145-C075-63638C6A2A39}"/>
+          </ac:graphicFrameMkLst>
+        </pc:graphicFrameChg>
+        <pc:graphicFrameChg chg="mod">
+          <ac:chgData name="Mirco Mongilli" userId="19960ad70dfbbeae" providerId="LiveId" clId="{8F6B606E-6D3D-4A83-9CEF-517CA2C8863C}" dt="2024-12-16T15:08:32.522" v="10" actId="5736"/>
+          <ac:graphicFrameMkLst>
+            <pc:docMk/>
+            <pc:sldMk cId="4259179272" sldId="306"/>
+            <ac:graphicFrameMk id="9" creationId="{B47A0793-8996-9A65-C3C6-EE920DA0FFB9}"/>
+          </ac:graphicFrameMkLst>
+        </pc:graphicFrameChg>
+        <pc:picChg chg="mod">
+          <ac:chgData name="Mirco Mongilli" userId="19960ad70dfbbeae" providerId="LiveId" clId="{8F6B606E-6D3D-4A83-9CEF-517CA2C8863C}" dt="2024-12-16T15:08:32.522" v="10" actId="5736"/>
+          <ac:picMkLst>
+            <pc:docMk/>
+            <pc:sldMk cId="4259179272" sldId="306"/>
+            <ac:picMk id="17" creationId="{9461D687-C95A-DDD0-A77C-F2695089E05F}"/>
+          </ac:picMkLst>
+        </pc:picChg>
+        <pc:cxnChg chg="mod">
+          <ac:chgData name="Mirco Mongilli" userId="19960ad70dfbbeae" providerId="LiveId" clId="{8F6B606E-6D3D-4A83-9CEF-517CA2C8863C}" dt="2024-12-16T15:08:32.522" v="10" actId="5736"/>
+          <ac:cxnSpMkLst>
+            <pc:docMk/>
+            <pc:sldMk cId="4259179272" sldId="306"/>
+            <ac:cxnSpMk id="12" creationId="{04E8B748-1026-1712-C5A9-CE3DE7286D31}"/>
+          </ac:cxnSpMkLst>
+        </pc:cxnChg>
+        <pc:cxnChg chg="mod">
+          <ac:chgData name="Mirco Mongilli" userId="19960ad70dfbbeae" providerId="LiveId" clId="{8F6B606E-6D3D-4A83-9CEF-517CA2C8863C}" dt="2024-12-16T15:08:32.522" v="10" actId="5736"/>
+          <ac:cxnSpMkLst>
+            <pc:docMk/>
+            <pc:sldMk cId="4259179272" sldId="306"/>
+            <ac:cxnSpMk id="14" creationId="{51B1181A-18BB-80D0-ABDC-070972FCE237}"/>
+          </ac:cxnSpMkLst>
+        </pc:cxnChg>
+        <pc:cxnChg chg="mod">
+          <ac:chgData name="Mirco Mongilli" userId="19960ad70dfbbeae" providerId="LiveId" clId="{8F6B606E-6D3D-4A83-9CEF-517CA2C8863C}" dt="2024-12-16T15:08:32.522" v="10" actId="5736"/>
+          <ac:cxnSpMkLst>
+            <pc:docMk/>
+            <pc:sldMk cId="4259179272" sldId="306"/>
+            <ac:cxnSpMk id="19" creationId="{36E04355-C794-2B8B-AE7E-7E55114386D4}"/>
+          </ac:cxnSpMkLst>
+        </pc:cxnChg>
+        <pc:cxnChg chg="mod">
+          <ac:chgData name="Mirco Mongilli" userId="19960ad70dfbbeae" providerId="LiveId" clId="{8F6B606E-6D3D-4A83-9CEF-517CA2C8863C}" dt="2024-12-16T15:08:32.522" v="10" actId="5736"/>
+          <ac:cxnSpMkLst>
+            <pc:docMk/>
+            <pc:sldMk cId="4259179272" sldId="306"/>
+            <ac:cxnSpMk id="21" creationId="{7D1A46BE-0007-48C4-CA83-763CE50CBFE0}"/>
+          </ac:cxnSpMkLst>
+        </pc:cxnChg>
+        <pc:cxnChg chg="mod">
+          <ac:chgData name="Mirco Mongilli" userId="19960ad70dfbbeae" providerId="LiveId" clId="{8F6B606E-6D3D-4A83-9CEF-517CA2C8863C}" dt="2024-12-16T15:08:32.522" v="10" actId="5736"/>
+          <ac:cxnSpMkLst>
+            <pc:docMk/>
+            <pc:sldMk cId="4259179272" sldId="306"/>
+            <ac:cxnSpMk id="23" creationId="{CDB5E3A7-DD3A-BF7C-7083-6A2825F6510A}"/>
+          </ac:cxnSpMkLst>
+        </pc:cxnChg>
+        <pc:cxnChg chg="mod">
+          <ac:chgData name="Mirco Mongilli" userId="19960ad70dfbbeae" providerId="LiveId" clId="{8F6B606E-6D3D-4A83-9CEF-517CA2C8863C}" dt="2024-12-16T15:08:32.522" v="10" actId="5736"/>
+          <ac:cxnSpMkLst>
+            <pc:docMk/>
+            <pc:sldMk cId="4259179272" sldId="306"/>
+            <ac:cxnSpMk id="25" creationId="{9D0FF731-A944-5854-7D38-949D43B61659}"/>
+          </ac:cxnSpMkLst>
+        </pc:cxnChg>
+        <pc:cxnChg chg="mod">
+          <ac:chgData name="Mirco Mongilli" userId="19960ad70dfbbeae" providerId="LiveId" clId="{8F6B606E-6D3D-4A83-9CEF-517CA2C8863C}" dt="2024-12-16T15:08:32.522" v="10" actId="5736"/>
+          <ac:cxnSpMkLst>
+            <pc:docMk/>
+            <pc:sldMk cId="4259179272" sldId="306"/>
+            <ac:cxnSpMk id="30" creationId="{2984A0E0-99E4-1A23-67FB-11E8D4988CE5}"/>
+          </ac:cxnSpMkLst>
+        </pc:cxnChg>
+        <pc:cxnChg chg="mod">
+          <ac:chgData name="Mirco Mongilli" userId="19960ad70dfbbeae" providerId="LiveId" clId="{8F6B606E-6D3D-4A83-9CEF-517CA2C8863C}" dt="2024-12-16T15:08:32.522" v="10" actId="5736"/>
+          <ac:cxnSpMkLst>
+            <pc:docMk/>
+            <pc:sldMk cId="4259179272" sldId="306"/>
+            <ac:cxnSpMk id="32" creationId="{FC75D727-0D96-E8FB-9D15-3AB8F044D9D4}"/>
+          </ac:cxnSpMkLst>
+        </pc:cxnChg>
+        <pc:cxnChg chg="mod">
+          <ac:chgData name="Mirco Mongilli" userId="19960ad70dfbbeae" providerId="LiveId" clId="{8F6B606E-6D3D-4A83-9CEF-517CA2C8863C}" dt="2024-12-16T15:08:32.522" v="10" actId="5736"/>
+          <ac:cxnSpMkLst>
+            <pc:docMk/>
+            <pc:sldMk cId="4259179272" sldId="306"/>
+            <ac:cxnSpMk id="43" creationId="{017AA427-D430-59E3-1E9D-4C0D6CD0BC68}"/>
+          </ac:cxnSpMkLst>
+        </pc:cxnChg>
+        <pc:cxnChg chg="mod">
+          <ac:chgData name="Mirco Mongilli" userId="19960ad70dfbbeae" providerId="LiveId" clId="{8F6B606E-6D3D-4A83-9CEF-517CA2C8863C}" dt="2024-12-16T15:08:32.522" v="10" actId="5736"/>
+          <ac:cxnSpMkLst>
+            <pc:docMk/>
+            <pc:sldMk cId="4259179272" sldId="306"/>
+            <ac:cxnSpMk id="48" creationId="{0D2429CC-1E9A-12F7-850A-52746D0D324B}"/>
+          </ac:cxnSpMkLst>
+        </pc:cxnChg>
+      </pc:sldChg>
+    </pc:docChg>
+  </pc:docChgLst>
+</pc:chgInfo>
 </file>
 
 <file path=ppt/slideLayouts/slideLayout1.xml><?xml version="1.0" encoding="utf-8"?>
@@ -256,7 +459,7 @@
           <a:p>
             <a:fld id="{7A3C6720-8F74-4E26-A384-D88810CC02C3}" type="datetimeFigureOut">
               <a:rPr lang="en-GB" smtClean="0"/>
-              <a:t>04/11/2024</a:t>
+              <a:t>16/12/2024</a:t>
             </a:fld>
             <a:endParaRPr lang="en-GB"/>
           </a:p>
@@ -456,7 +659,7 @@
           <a:p>
             <a:fld id="{7A3C6720-8F74-4E26-A384-D88810CC02C3}" type="datetimeFigureOut">
               <a:rPr lang="en-GB" smtClean="0"/>
-              <a:t>04/11/2024</a:t>
+              <a:t>16/12/2024</a:t>
             </a:fld>
             <a:endParaRPr lang="en-GB"/>
           </a:p>
@@ -666,7 +869,7 @@
           <a:p>
             <a:fld id="{7A3C6720-8F74-4E26-A384-D88810CC02C3}" type="datetimeFigureOut">
               <a:rPr lang="en-GB" smtClean="0"/>
-              <a:t>04/11/2024</a:t>
+              <a:t>16/12/2024</a:t>
             </a:fld>
             <a:endParaRPr lang="en-GB"/>
           </a:p>
@@ -866,7 +1069,7 @@
           <a:p>
             <a:fld id="{7A3C6720-8F74-4E26-A384-D88810CC02C3}" type="datetimeFigureOut">
               <a:rPr lang="en-GB" smtClean="0"/>
-              <a:t>04/11/2024</a:t>
+              <a:t>16/12/2024</a:t>
             </a:fld>
             <a:endParaRPr lang="en-GB"/>
           </a:p>
@@ -1142,7 +1345,7 @@
           <a:p>
             <a:fld id="{7A3C6720-8F74-4E26-A384-D88810CC02C3}" type="datetimeFigureOut">
               <a:rPr lang="en-GB" smtClean="0"/>
-              <a:t>04/11/2024</a:t>
+              <a:t>16/12/2024</a:t>
             </a:fld>
             <a:endParaRPr lang="en-GB"/>
           </a:p>
@@ -1410,7 +1613,7 @@
           <a:p>
             <a:fld id="{7A3C6720-8F74-4E26-A384-D88810CC02C3}" type="datetimeFigureOut">
               <a:rPr lang="en-GB" smtClean="0"/>
-              <a:t>04/11/2024</a:t>
+              <a:t>16/12/2024</a:t>
             </a:fld>
             <a:endParaRPr lang="en-GB"/>
           </a:p>
@@ -1825,7 +2028,7 @@
           <a:p>
             <a:fld id="{7A3C6720-8F74-4E26-A384-D88810CC02C3}" type="datetimeFigureOut">
               <a:rPr lang="en-GB" smtClean="0"/>
-              <a:t>04/11/2024</a:t>
+              <a:t>16/12/2024</a:t>
             </a:fld>
             <a:endParaRPr lang="en-GB"/>
           </a:p>
@@ -1967,7 +2170,7 @@
           <a:p>
             <a:fld id="{7A3C6720-8F74-4E26-A384-D88810CC02C3}" type="datetimeFigureOut">
               <a:rPr lang="en-GB" smtClean="0"/>
-              <a:t>04/11/2024</a:t>
+              <a:t>16/12/2024</a:t>
             </a:fld>
             <a:endParaRPr lang="en-GB"/>
           </a:p>
@@ -2080,7 +2283,7 @@
           <a:p>
             <a:fld id="{7A3C6720-8F74-4E26-A384-D88810CC02C3}" type="datetimeFigureOut">
               <a:rPr lang="en-GB" smtClean="0"/>
-              <a:t>04/11/2024</a:t>
+              <a:t>16/12/2024</a:t>
             </a:fld>
             <a:endParaRPr lang="en-GB"/>
           </a:p>
@@ -2393,7 +2596,7 @@
           <a:p>
             <a:fld id="{7A3C6720-8F74-4E26-A384-D88810CC02C3}" type="datetimeFigureOut">
               <a:rPr lang="en-GB" smtClean="0"/>
-              <a:t>04/11/2024</a:t>
+              <a:t>16/12/2024</a:t>
             </a:fld>
             <a:endParaRPr lang="en-GB"/>
           </a:p>
@@ -2682,7 +2885,7 @@
           <a:p>
             <a:fld id="{7A3C6720-8F74-4E26-A384-D88810CC02C3}" type="datetimeFigureOut">
               <a:rPr lang="en-GB" smtClean="0"/>
-              <a:t>04/11/2024</a:t>
+              <a:t>16/12/2024</a:t>
             </a:fld>
             <a:endParaRPr lang="en-GB"/>
           </a:p>
@@ -2925,7 +3128,7 @@
           <a:p>
             <a:fld id="{7A3C6720-8F74-4E26-A384-D88810CC02C3}" type="datetimeFigureOut">
               <a:rPr lang="en-GB" smtClean="0"/>
-              <a:t>04/11/2024</a:t>
+              <a:t>16/12/2024</a:t>
             </a:fld>
             <a:endParaRPr lang="en-GB"/>
           </a:p>
@@ -7913,6 +8116,4608 @@
 </p:sld>
 </file>
 
+<file path=ppt/slides/slide2.xml><?xml version="1.0" encoding="utf-8"?>
+<p:sld xmlns:a="http://schemas.openxmlformats.org/drawingml/2006/main" xmlns:r="http://schemas.openxmlformats.org/officeDocument/2006/relationships" xmlns:p="http://schemas.openxmlformats.org/presentationml/2006/main">
+  <p:cSld>
+    <p:spTree>
+      <p:nvGrpSpPr>
+        <p:cNvPr id="1" name="">
+          <a:extLst>
+            <a:ext uri="{FF2B5EF4-FFF2-40B4-BE49-F238E27FC236}">
+              <a16:creationId xmlns:a16="http://schemas.microsoft.com/office/drawing/2014/main" id="{13452902-3B32-2A2A-4BC5-D0CC1C15C0CE}"/>
+            </a:ext>
+          </a:extLst>
+        </p:cNvPr>
+        <p:cNvGrpSpPr/>
+        <p:nvPr/>
+      </p:nvGrpSpPr>
+      <p:grpSpPr>
+        <a:xfrm>
+          <a:off x="0" y="0"/>
+          <a:ext cx="0" cy="0"/>
+          <a:chOff x="0" y="0"/>
+          <a:chExt cx="0" cy="0"/>
+        </a:xfrm>
+      </p:grpSpPr>
+      <p:sp>
+        <p:nvSpPr>
+          <p:cNvPr id="13" name="Rettangolo 12">
+            <a:extLst>
+              <a:ext uri="{FF2B5EF4-FFF2-40B4-BE49-F238E27FC236}">
+                <a16:creationId xmlns:a16="http://schemas.microsoft.com/office/drawing/2014/main" id="{9BBA9CF3-851F-F731-FFDD-4EFCFE339027}"/>
+              </a:ext>
+            </a:extLst>
+          </p:cNvPr>
+          <p:cNvSpPr/>
+          <p:nvPr/>
+        </p:nvSpPr>
+        <p:spPr>
+          <a:xfrm>
+            <a:off x="511277" y="68826"/>
+            <a:ext cx="11444749" cy="6287524"/>
+          </a:xfrm>
+          <a:prstGeom prst="rect">
+            <a:avLst/>
+          </a:prstGeom>
+          <a:solidFill>
+            <a:schemeClr val="bg1"/>
+          </a:solidFill>
+          <a:ln>
+            <a:noFill/>
+          </a:ln>
+        </p:spPr>
+        <p:style>
+          <a:lnRef idx="2">
+            <a:schemeClr val="accent1">
+              <a:shade val="15000"/>
+            </a:schemeClr>
+          </a:lnRef>
+          <a:fillRef idx="1">
+            <a:schemeClr val="accent1"/>
+          </a:fillRef>
+          <a:effectRef idx="0">
+            <a:schemeClr val="accent1"/>
+          </a:effectRef>
+          <a:fontRef idx="minor">
+            <a:schemeClr val="lt1"/>
+          </a:fontRef>
+        </p:style>
+        <p:txBody>
+          <a:bodyPr rtlCol="0" anchor="ctr"/>
+          <a:lstStyle/>
+          <a:p>
+            <a:pPr algn="ctr"/>
+            <a:endParaRPr lang="en-GB">
+              <a:solidFill>
+                <a:schemeClr val="bg1"/>
+              </a:solidFill>
+            </a:endParaRPr>
+          </a:p>
+        </p:txBody>
+      </p:sp>
+      <p:sp>
+        <p:nvSpPr>
+          <p:cNvPr id="3" name="Segnaposto numero diapositiva 2">
+            <a:extLst>
+              <a:ext uri="{FF2B5EF4-FFF2-40B4-BE49-F238E27FC236}">
+                <a16:creationId xmlns:a16="http://schemas.microsoft.com/office/drawing/2014/main" id="{3C7D1CD0-D4E3-907F-428E-744C5572BBE0}"/>
+              </a:ext>
+            </a:extLst>
+          </p:cNvPr>
+          <p:cNvSpPr>
+            <a:spLocks noGrp="1"/>
+          </p:cNvSpPr>
+          <p:nvPr>
+            <p:ph type="sldNum" sz="quarter" idx="12"/>
+          </p:nvPr>
+        </p:nvSpPr>
+        <p:spPr/>
+        <p:txBody>
+          <a:bodyPr/>
+          <a:lstStyle/>
+          <a:p>
+            <a:fld id="{D6BD06CD-B145-4B85-923B-7109E1F5ABEC}" type="slidenum">
+              <a:rPr lang="en-GB" smtClean="0"/>
+              <a:t>2</a:t>
+            </a:fld>
+            <a:endParaRPr lang="en-GB"/>
+          </a:p>
+        </p:txBody>
+      </p:sp>
+      <p:graphicFrame>
+        <p:nvGraphicFramePr>
+          <p:cNvPr id="4" name="Segnaposto contenuto 3">
+            <a:extLst>
+              <a:ext uri="{FF2B5EF4-FFF2-40B4-BE49-F238E27FC236}">
+                <a16:creationId xmlns:a16="http://schemas.microsoft.com/office/drawing/2014/main" id="{0CF54339-6408-9CE0-68BB-3C454D24A16B}"/>
+              </a:ext>
+            </a:extLst>
+          </p:cNvPr>
+          <p:cNvGraphicFramePr>
+            <a:graphicFrameLocks noGrp="1"/>
+          </p:cNvGraphicFramePr>
+          <p:nvPr>
+            <p:ph idx="1"/>
+            <p:extLst>
+              <p:ext uri="{D42A27DB-BD31-4B8C-83A1-F6EECF244321}">
+                <p14:modId xmlns:p14="http://schemas.microsoft.com/office/powerpoint/2010/main" val="3417700635"/>
+              </p:ext>
+            </p:extLst>
+          </p:nvPr>
+        </p:nvGraphicFramePr>
+        <p:xfrm>
+          <a:off x="838200" y="3297084"/>
+          <a:ext cx="1914940" cy="1854200"/>
+        </p:xfrm>
+        <a:graphic>
+          <a:graphicData uri="http://schemas.openxmlformats.org/drawingml/2006/table">
+            <a:tbl>
+              <a:tblPr firstRow="1" bandRow="1">
+                <a:tableStyleId>{5C22544A-7EE6-4342-B048-85BDC9FD1C3A}</a:tableStyleId>
+              </a:tblPr>
+              <a:tblGrid>
+                <a:gridCol w="1437861">
+                  <a:extLst>
+                    <a:ext uri="{9D8B030D-6E8A-4147-A177-3AD203B41FA5}">
+                      <a16:colId xmlns:a16="http://schemas.microsoft.com/office/drawing/2014/main" val="3363426028"/>
+                    </a:ext>
+                  </a:extLst>
+                </a:gridCol>
+                <a:gridCol w="477079">
+                  <a:extLst>
+                    <a:ext uri="{9D8B030D-6E8A-4147-A177-3AD203B41FA5}">
+                      <a16:colId xmlns:a16="http://schemas.microsoft.com/office/drawing/2014/main" val="888482125"/>
+                    </a:ext>
+                  </a:extLst>
+                </a:gridCol>
+              </a:tblGrid>
+              <a:tr h="370840">
+                <a:tc>
+                  <a:txBody>
+                    <a:bodyPr/>
+                    <a:lstStyle/>
+                    <a:p>
+                      <a:pPr algn="ctr"/>
+                      <a:r>
+                        <a:rPr lang="it-IT" b="1" dirty="0">
+                          <a:solidFill>
+                            <a:schemeClr val="tx1"/>
+                          </a:solidFill>
+                        </a:rPr>
+                        <a:t>D27</a:t>
+                      </a:r>
+                      <a:endParaRPr lang="en-GB" b="1" dirty="0">
+                        <a:solidFill>
+                          <a:schemeClr val="tx1"/>
+                        </a:solidFill>
+                      </a:endParaRPr>
+                    </a:p>
+                  </a:txBody>
+                  <a:tcPr>
+                    <a:lnL w="12700" cap="flat" cmpd="sng" algn="ctr">
+                      <a:solidFill>
+                        <a:schemeClr val="tx1"/>
+                      </a:solidFill>
+                      <a:prstDash val="solid"/>
+                      <a:round/>
+                      <a:headEnd type="none" w="med" len="med"/>
+                      <a:tailEnd type="none" w="med" len="med"/>
+                    </a:lnL>
+                    <a:lnR w="12700" cap="flat" cmpd="sng" algn="ctr">
+                      <a:solidFill>
+                        <a:schemeClr val="tx1"/>
+                      </a:solidFill>
+                      <a:prstDash val="solid"/>
+                      <a:round/>
+                      <a:headEnd type="none" w="med" len="med"/>
+                      <a:tailEnd type="none" w="med" len="med"/>
+                    </a:lnR>
+                    <a:lnT w="12700" cap="flat" cmpd="sng" algn="ctr">
+                      <a:solidFill>
+                        <a:schemeClr val="tx1"/>
+                      </a:solidFill>
+                      <a:prstDash val="solid"/>
+                      <a:round/>
+                      <a:headEnd type="none" w="med" len="med"/>
+                      <a:tailEnd type="none" w="med" len="med"/>
+                    </a:lnT>
+                    <a:lnB w="12700" cap="flat" cmpd="sng" algn="ctr">
+                      <a:solidFill>
+                        <a:schemeClr val="tx1"/>
+                      </a:solidFill>
+                      <a:prstDash val="solid"/>
+                      <a:round/>
+                      <a:headEnd type="none" w="med" len="med"/>
+                      <a:tailEnd type="none" w="med" len="med"/>
+                    </a:lnB>
+                    <a:noFill/>
+                  </a:tcPr>
+                </a:tc>
+                <a:tc>
+                  <a:txBody>
+                    <a:bodyPr/>
+                    <a:lstStyle/>
+                    <a:p>
+                      <a:pPr algn="ctr"/>
+                      <a:endParaRPr lang="en-GB" b="1">
+                        <a:solidFill>
+                          <a:schemeClr val="tx1"/>
+                        </a:solidFill>
+                      </a:endParaRPr>
+                    </a:p>
+                  </a:txBody>
+                  <a:tcPr>
+                    <a:lnL w="12700" cap="flat" cmpd="sng" algn="ctr">
+                      <a:solidFill>
+                        <a:schemeClr val="tx1"/>
+                      </a:solidFill>
+                      <a:prstDash val="solid"/>
+                      <a:round/>
+                      <a:headEnd type="none" w="med" len="med"/>
+                      <a:tailEnd type="none" w="med" len="med"/>
+                    </a:lnL>
+                    <a:lnR w="12700" cap="flat" cmpd="sng" algn="ctr">
+                      <a:solidFill>
+                        <a:schemeClr val="tx1"/>
+                      </a:solidFill>
+                      <a:prstDash val="solid"/>
+                      <a:round/>
+                      <a:headEnd type="none" w="med" len="med"/>
+                      <a:tailEnd type="none" w="med" len="med"/>
+                    </a:lnR>
+                    <a:lnT w="12700" cap="flat" cmpd="sng" algn="ctr">
+                      <a:solidFill>
+                        <a:schemeClr val="tx1"/>
+                      </a:solidFill>
+                      <a:prstDash val="solid"/>
+                      <a:round/>
+                      <a:headEnd type="none" w="med" len="med"/>
+                      <a:tailEnd type="none" w="med" len="med"/>
+                    </a:lnT>
+                    <a:lnB w="12700" cap="flat" cmpd="sng" algn="ctr">
+                      <a:solidFill>
+                        <a:schemeClr val="tx1"/>
+                      </a:solidFill>
+                      <a:prstDash val="solid"/>
+                      <a:round/>
+                      <a:headEnd type="none" w="med" len="med"/>
+                      <a:tailEnd type="none" w="med" len="med"/>
+                    </a:lnB>
+                    <a:noFill/>
+                  </a:tcPr>
+                </a:tc>
+                <a:extLst>
+                  <a:ext uri="{0D108BD9-81ED-4DB2-BD59-A6C34878D82A}">
+                    <a16:rowId xmlns:a16="http://schemas.microsoft.com/office/drawing/2014/main" val="3552436575"/>
+                  </a:ext>
+                </a:extLst>
+              </a:tr>
+              <a:tr h="370840">
+                <a:tc>
+                  <a:txBody>
+                    <a:bodyPr/>
+                    <a:lstStyle/>
+                    <a:p>
+                      <a:pPr algn="ctr"/>
+                      <a:r>
+                        <a:rPr lang="it-IT" b="1" dirty="0">
+                          <a:solidFill>
+                            <a:schemeClr val="tx1"/>
+                          </a:solidFill>
+                        </a:rPr>
+                        <a:t>RX2 or D16</a:t>
+                      </a:r>
+                    </a:p>
+                  </a:txBody>
+                  <a:tcPr>
+                    <a:lnL w="12700" cap="flat" cmpd="sng" algn="ctr">
+                      <a:solidFill>
+                        <a:schemeClr val="tx1"/>
+                      </a:solidFill>
+                      <a:prstDash val="solid"/>
+                      <a:round/>
+                      <a:headEnd type="none" w="med" len="med"/>
+                      <a:tailEnd type="none" w="med" len="med"/>
+                    </a:lnL>
+                    <a:lnR w="12700" cap="flat" cmpd="sng" algn="ctr">
+                      <a:solidFill>
+                        <a:schemeClr val="tx1"/>
+                      </a:solidFill>
+                      <a:prstDash val="solid"/>
+                      <a:round/>
+                      <a:headEnd type="none" w="med" len="med"/>
+                      <a:tailEnd type="none" w="med" len="med"/>
+                    </a:lnR>
+                    <a:lnT w="12700" cap="flat" cmpd="sng" algn="ctr">
+                      <a:solidFill>
+                        <a:schemeClr val="tx1"/>
+                      </a:solidFill>
+                      <a:prstDash val="solid"/>
+                      <a:round/>
+                      <a:headEnd type="none" w="med" len="med"/>
+                      <a:tailEnd type="none" w="med" len="med"/>
+                    </a:lnT>
+                    <a:lnB w="12700" cap="flat" cmpd="sng" algn="ctr">
+                      <a:solidFill>
+                        <a:schemeClr val="tx1"/>
+                      </a:solidFill>
+                      <a:prstDash val="solid"/>
+                      <a:round/>
+                      <a:headEnd type="none" w="med" len="med"/>
+                      <a:tailEnd type="none" w="med" len="med"/>
+                    </a:lnB>
+                    <a:noFill/>
+                  </a:tcPr>
+                </a:tc>
+                <a:tc>
+                  <a:txBody>
+                    <a:bodyPr/>
+                    <a:lstStyle/>
+                    <a:p>
+                      <a:pPr algn="ctr"/>
+                      <a:endParaRPr lang="en-GB" b="1">
+                        <a:solidFill>
+                          <a:schemeClr val="tx1"/>
+                        </a:solidFill>
+                      </a:endParaRPr>
+                    </a:p>
+                  </a:txBody>
+                  <a:tcPr>
+                    <a:lnL w="12700" cap="flat" cmpd="sng" algn="ctr">
+                      <a:solidFill>
+                        <a:schemeClr val="tx1"/>
+                      </a:solidFill>
+                      <a:prstDash val="solid"/>
+                      <a:round/>
+                      <a:headEnd type="none" w="med" len="med"/>
+                      <a:tailEnd type="none" w="med" len="med"/>
+                    </a:lnL>
+                    <a:lnR w="12700" cap="flat" cmpd="sng" algn="ctr">
+                      <a:solidFill>
+                        <a:schemeClr val="tx1"/>
+                      </a:solidFill>
+                      <a:prstDash val="solid"/>
+                      <a:round/>
+                      <a:headEnd type="none" w="med" len="med"/>
+                      <a:tailEnd type="none" w="med" len="med"/>
+                    </a:lnR>
+                    <a:lnT w="12700" cap="flat" cmpd="sng" algn="ctr">
+                      <a:solidFill>
+                        <a:schemeClr val="tx1"/>
+                      </a:solidFill>
+                      <a:prstDash val="solid"/>
+                      <a:round/>
+                      <a:headEnd type="none" w="med" len="med"/>
+                      <a:tailEnd type="none" w="med" len="med"/>
+                    </a:lnT>
+                    <a:lnB w="12700" cap="flat" cmpd="sng" algn="ctr">
+                      <a:solidFill>
+                        <a:schemeClr val="tx1"/>
+                      </a:solidFill>
+                      <a:prstDash val="solid"/>
+                      <a:round/>
+                      <a:headEnd type="none" w="med" len="med"/>
+                      <a:tailEnd type="none" w="med" len="med"/>
+                    </a:lnB>
+                    <a:noFill/>
+                  </a:tcPr>
+                </a:tc>
+                <a:extLst>
+                  <a:ext uri="{0D108BD9-81ED-4DB2-BD59-A6C34878D82A}">
+                    <a16:rowId xmlns:a16="http://schemas.microsoft.com/office/drawing/2014/main" val="2858923362"/>
+                  </a:ext>
+                </a:extLst>
+              </a:tr>
+              <a:tr h="370840">
+                <a:tc>
+                  <a:txBody>
+                    <a:bodyPr/>
+                    <a:lstStyle/>
+                    <a:p>
+                      <a:pPr algn="ctr"/>
+                      <a:r>
+                        <a:rPr lang="it-IT" b="1" dirty="0">
+                          <a:solidFill>
+                            <a:schemeClr val="tx1"/>
+                          </a:solidFill>
+                        </a:rPr>
+                        <a:t>TX2 or D17</a:t>
+                      </a:r>
+                      <a:endParaRPr lang="en-GB" b="1" dirty="0">
+                        <a:solidFill>
+                          <a:schemeClr val="tx1"/>
+                        </a:solidFill>
+                      </a:endParaRPr>
+                    </a:p>
+                  </a:txBody>
+                  <a:tcPr>
+                    <a:lnL w="12700" cap="flat" cmpd="sng" algn="ctr">
+                      <a:solidFill>
+                        <a:schemeClr val="tx1"/>
+                      </a:solidFill>
+                      <a:prstDash val="solid"/>
+                      <a:round/>
+                      <a:headEnd type="none" w="med" len="med"/>
+                      <a:tailEnd type="none" w="med" len="med"/>
+                    </a:lnL>
+                    <a:lnR w="12700" cap="flat" cmpd="sng" algn="ctr">
+                      <a:solidFill>
+                        <a:schemeClr val="tx1"/>
+                      </a:solidFill>
+                      <a:prstDash val="solid"/>
+                      <a:round/>
+                      <a:headEnd type="none" w="med" len="med"/>
+                      <a:tailEnd type="none" w="med" len="med"/>
+                    </a:lnR>
+                    <a:lnT w="12700" cap="flat" cmpd="sng" algn="ctr">
+                      <a:solidFill>
+                        <a:schemeClr val="tx1"/>
+                      </a:solidFill>
+                      <a:prstDash val="solid"/>
+                      <a:round/>
+                      <a:headEnd type="none" w="med" len="med"/>
+                      <a:tailEnd type="none" w="med" len="med"/>
+                    </a:lnT>
+                    <a:lnB w="12700" cap="flat" cmpd="sng" algn="ctr">
+                      <a:solidFill>
+                        <a:schemeClr val="tx1"/>
+                      </a:solidFill>
+                      <a:prstDash val="solid"/>
+                      <a:round/>
+                      <a:headEnd type="none" w="med" len="med"/>
+                      <a:tailEnd type="none" w="med" len="med"/>
+                    </a:lnB>
+                    <a:noFill/>
+                  </a:tcPr>
+                </a:tc>
+                <a:tc>
+                  <a:txBody>
+                    <a:bodyPr/>
+                    <a:lstStyle/>
+                    <a:p>
+                      <a:pPr algn="ctr"/>
+                      <a:endParaRPr lang="en-GB" b="1" dirty="0">
+                        <a:solidFill>
+                          <a:schemeClr val="tx1"/>
+                        </a:solidFill>
+                      </a:endParaRPr>
+                    </a:p>
+                  </a:txBody>
+                  <a:tcPr>
+                    <a:lnL w="12700" cap="flat" cmpd="sng" algn="ctr">
+                      <a:solidFill>
+                        <a:schemeClr val="tx1"/>
+                      </a:solidFill>
+                      <a:prstDash val="solid"/>
+                      <a:round/>
+                      <a:headEnd type="none" w="med" len="med"/>
+                      <a:tailEnd type="none" w="med" len="med"/>
+                    </a:lnL>
+                    <a:lnR w="12700" cap="flat" cmpd="sng" algn="ctr">
+                      <a:solidFill>
+                        <a:schemeClr val="tx1"/>
+                      </a:solidFill>
+                      <a:prstDash val="solid"/>
+                      <a:round/>
+                      <a:headEnd type="none" w="med" len="med"/>
+                      <a:tailEnd type="none" w="med" len="med"/>
+                    </a:lnR>
+                    <a:lnT w="12700" cap="flat" cmpd="sng" algn="ctr">
+                      <a:solidFill>
+                        <a:schemeClr val="tx1"/>
+                      </a:solidFill>
+                      <a:prstDash val="solid"/>
+                      <a:round/>
+                      <a:headEnd type="none" w="med" len="med"/>
+                      <a:tailEnd type="none" w="med" len="med"/>
+                    </a:lnT>
+                    <a:lnB w="12700" cap="flat" cmpd="sng" algn="ctr">
+                      <a:solidFill>
+                        <a:schemeClr val="tx1"/>
+                      </a:solidFill>
+                      <a:prstDash val="solid"/>
+                      <a:round/>
+                      <a:headEnd type="none" w="med" len="med"/>
+                      <a:tailEnd type="none" w="med" len="med"/>
+                    </a:lnB>
+                    <a:noFill/>
+                  </a:tcPr>
+                </a:tc>
+                <a:extLst>
+                  <a:ext uri="{0D108BD9-81ED-4DB2-BD59-A6C34878D82A}">
+                    <a16:rowId xmlns:a16="http://schemas.microsoft.com/office/drawing/2014/main" val="4111031725"/>
+                  </a:ext>
+                </a:extLst>
+              </a:tr>
+              <a:tr h="370840">
+                <a:tc>
+                  <a:txBody>
+                    <a:bodyPr/>
+                    <a:lstStyle/>
+                    <a:p>
+                      <a:pPr algn="ctr"/>
+                      <a:r>
+                        <a:rPr lang="it-IT" b="1" dirty="0">
+                          <a:solidFill>
+                            <a:schemeClr val="tx1"/>
+                          </a:solidFill>
+                        </a:rPr>
+                        <a:t>5V or Vin</a:t>
+                      </a:r>
+                      <a:endParaRPr lang="en-GB" b="1" dirty="0">
+                        <a:solidFill>
+                          <a:schemeClr val="tx1"/>
+                        </a:solidFill>
+                      </a:endParaRPr>
+                    </a:p>
+                  </a:txBody>
+                  <a:tcPr>
+                    <a:lnL w="12700" cap="flat" cmpd="sng" algn="ctr">
+                      <a:solidFill>
+                        <a:schemeClr val="tx1"/>
+                      </a:solidFill>
+                      <a:prstDash val="solid"/>
+                      <a:round/>
+                      <a:headEnd type="none" w="med" len="med"/>
+                      <a:tailEnd type="none" w="med" len="med"/>
+                    </a:lnL>
+                    <a:lnR w="12700" cap="flat" cmpd="sng" algn="ctr">
+                      <a:solidFill>
+                        <a:schemeClr val="tx1"/>
+                      </a:solidFill>
+                      <a:prstDash val="solid"/>
+                      <a:round/>
+                      <a:headEnd type="none" w="med" len="med"/>
+                      <a:tailEnd type="none" w="med" len="med"/>
+                    </a:lnR>
+                    <a:lnT w="12700" cap="flat" cmpd="sng" algn="ctr">
+                      <a:solidFill>
+                        <a:schemeClr val="tx1"/>
+                      </a:solidFill>
+                      <a:prstDash val="solid"/>
+                      <a:round/>
+                      <a:headEnd type="none" w="med" len="med"/>
+                      <a:tailEnd type="none" w="med" len="med"/>
+                    </a:lnT>
+                    <a:lnB w="12700" cap="flat" cmpd="sng" algn="ctr">
+                      <a:solidFill>
+                        <a:schemeClr val="tx1"/>
+                      </a:solidFill>
+                      <a:prstDash val="solid"/>
+                      <a:round/>
+                      <a:headEnd type="none" w="med" len="med"/>
+                      <a:tailEnd type="none" w="med" len="med"/>
+                    </a:lnB>
+                    <a:noFill/>
+                  </a:tcPr>
+                </a:tc>
+                <a:tc>
+                  <a:txBody>
+                    <a:bodyPr/>
+                    <a:lstStyle/>
+                    <a:p>
+                      <a:pPr algn="ctr"/>
+                      <a:endParaRPr lang="en-GB" b="1" dirty="0">
+                        <a:solidFill>
+                          <a:schemeClr val="tx1"/>
+                        </a:solidFill>
+                      </a:endParaRPr>
+                    </a:p>
+                  </a:txBody>
+                  <a:tcPr>
+                    <a:lnL w="12700" cap="flat" cmpd="sng" algn="ctr">
+                      <a:solidFill>
+                        <a:schemeClr val="tx1"/>
+                      </a:solidFill>
+                      <a:prstDash val="solid"/>
+                      <a:round/>
+                      <a:headEnd type="none" w="med" len="med"/>
+                      <a:tailEnd type="none" w="med" len="med"/>
+                    </a:lnL>
+                    <a:lnR w="12700" cap="flat" cmpd="sng" algn="ctr">
+                      <a:solidFill>
+                        <a:schemeClr val="tx1"/>
+                      </a:solidFill>
+                      <a:prstDash val="solid"/>
+                      <a:round/>
+                      <a:headEnd type="none" w="med" len="med"/>
+                      <a:tailEnd type="none" w="med" len="med"/>
+                    </a:lnR>
+                    <a:lnT w="12700" cap="flat" cmpd="sng" algn="ctr">
+                      <a:solidFill>
+                        <a:schemeClr val="tx1"/>
+                      </a:solidFill>
+                      <a:prstDash val="solid"/>
+                      <a:round/>
+                      <a:headEnd type="none" w="med" len="med"/>
+                      <a:tailEnd type="none" w="med" len="med"/>
+                    </a:lnT>
+                    <a:lnB w="12700" cap="flat" cmpd="sng" algn="ctr">
+                      <a:solidFill>
+                        <a:schemeClr val="tx1"/>
+                      </a:solidFill>
+                      <a:prstDash val="solid"/>
+                      <a:round/>
+                      <a:headEnd type="none" w="med" len="med"/>
+                      <a:tailEnd type="none" w="med" len="med"/>
+                    </a:lnB>
+                    <a:noFill/>
+                  </a:tcPr>
+                </a:tc>
+                <a:extLst>
+                  <a:ext uri="{0D108BD9-81ED-4DB2-BD59-A6C34878D82A}">
+                    <a16:rowId xmlns:a16="http://schemas.microsoft.com/office/drawing/2014/main" val="2496144482"/>
+                  </a:ext>
+                </a:extLst>
+              </a:tr>
+              <a:tr h="370840">
+                <a:tc>
+                  <a:txBody>
+                    <a:bodyPr/>
+                    <a:lstStyle/>
+                    <a:p>
+                      <a:pPr algn="ctr"/>
+                      <a:r>
+                        <a:rPr lang="it-IT" b="1" dirty="0">
+                          <a:solidFill>
+                            <a:schemeClr val="tx1"/>
+                          </a:solidFill>
+                        </a:rPr>
+                        <a:t>GND</a:t>
+                      </a:r>
+                      <a:endParaRPr lang="en-GB" b="1" dirty="0">
+                        <a:solidFill>
+                          <a:schemeClr val="tx1"/>
+                        </a:solidFill>
+                      </a:endParaRPr>
+                    </a:p>
+                  </a:txBody>
+                  <a:tcPr>
+                    <a:lnL w="12700" cap="flat" cmpd="sng" algn="ctr">
+                      <a:solidFill>
+                        <a:schemeClr val="tx1"/>
+                      </a:solidFill>
+                      <a:prstDash val="solid"/>
+                      <a:round/>
+                      <a:headEnd type="none" w="med" len="med"/>
+                      <a:tailEnd type="none" w="med" len="med"/>
+                    </a:lnL>
+                    <a:lnR w="12700" cap="flat" cmpd="sng" algn="ctr">
+                      <a:solidFill>
+                        <a:schemeClr val="tx1"/>
+                      </a:solidFill>
+                      <a:prstDash val="solid"/>
+                      <a:round/>
+                      <a:headEnd type="none" w="med" len="med"/>
+                      <a:tailEnd type="none" w="med" len="med"/>
+                    </a:lnR>
+                    <a:lnT w="12700" cap="flat" cmpd="sng" algn="ctr">
+                      <a:solidFill>
+                        <a:schemeClr val="tx1"/>
+                      </a:solidFill>
+                      <a:prstDash val="solid"/>
+                      <a:round/>
+                      <a:headEnd type="none" w="med" len="med"/>
+                      <a:tailEnd type="none" w="med" len="med"/>
+                    </a:lnT>
+                    <a:lnB w="12700" cap="flat" cmpd="sng" algn="ctr">
+                      <a:solidFill>
+                        <a:schemeClr val="tx1"/>
+                      </a:solidFill>
+                      <a:prstDash val="solid"/>
+                      <a:round/>
+                      <a:headEnd type="none" w="med" len="med"/>
+                      <a:tailEnd type="none" w="med" len="med"/>
+                    </a:lnB>
+                    <a:noFill/>
+                  </a:tcPr>
+                </a:tc>
+                <a:tc>
+                  <a:txBody>
+                    <a:bodyPr/>
+                    <a:lstStyle/>
+                    <a:p>
+                      <a:pPr algn="ctr"/>
+                      <a:endParaRPr lang="en-GB" b="1" dirty="0">
+                        <a:solidFill>
+                          <a:schemeClr val="tx1"/>
+                        </a:solidFill>
+                      </a:endParaRPr>
+                    </a:p>
+                  </a:txBody>
+                  <a:tcPr>
+                    <a:lnL w="12700" cap="flat" cmpd="sng" algn="ctr">
+                      <a:solidFill>
+                        <a:schemeClr val="tx1"/>
+                      </a:solidFill>
+                      <a:prstDash val="solid"/>
+                      <a:round/>
+                      <a:headEnd type="none" w="med" len="med"/>
+                      <a:tailEnd type="none" w="med" len="med"/>
+                    </a:lnL>
+                    <a:lnR w="12700" cap="flat" cmpd="sng" algn="ctr">
+                      <a:solidFill>
+                        <a:schemeClr val="tx1"/>
+                      </a:solidFill>
+                      <a:prstDash val="solid"/>
+                      <a:round/>
+                      <a:headEnd type="none" w="med" len="med"/>
+                      <a:tailEnd type="none" w="med" len="med"/>
+                    </a:lnR>
+                    <a:lnT w="12700" cap="flat" cmpd="sng" algn="ctr">
+                      <a:solidFill>
+                        <a:schemeClr val="tx1"/>
+                      </a:solidFill>
+                      <a:prstDash val="solid"/>
+                      <a:round/>
+                      <a:headEnd type="none" w="med" len="med"/>
+                      <a:tailEnd type="none" w="med" len="med"/>
+                    </a:lnT>
+                    <a:lnB w="12700" cap="flat" cmpd="sng" algn="ctr">
+                      <a:solidFill>
+                        <a:schemeClr val="tx1"/>
+                      </a:solidFill>
+                      <a:prstDash val="solid"/>
+                      <a:round/>
+                      <a:headEnd type="none" w="med" len="med"/>
+                      <a:tailEnd type="none" w="med" len="med"/>
+                    </a:lnB>
+                    <a:noFill/>
+                  </a:tcPr>
+                </a:tc>
+                <a:extLst>
+                  <a:ext uri="{0D108BD9-81ED-4DB2-BD59-A6C34878D82A}">
+                    <a16:rowId xmlns:a16="http://schemas.microsoft.com/office/drawing/2014/main" val="527210598"/>
+                  </a:ext>
+                </a:extLst>
+              </a:tr>
+            </a:tbl>
+          </a:graphicData>
+        </a:graphic>
+      </p:graphicFrame>
+      <p:sp>
+        <p:nvSpPr>
+          <p:cNvPr id="5" name="CasellaDiTesto 4">
+            <a:extLst>
+              <a:ext uri="{FF2B5EF4-FFF2-40B4-BE49-F238E27FC236}">
+                <a16:creationId xmlns:a16="http://schemas.microsoft.com/office/drawing/2014/main" id="{17DFCDA4-5B73-7F8F-A438-1AA4574925BD}"/>
+              </a:ext>
+            </a:extLst>
+          </p:cNvPr>
+          <p:cNvSpPr txBox="1"/>
+          <p:nvPr/>
+        </p:nvSpPr>
+        <p:spPr>
+          <a:xfrm>
+            <a:off x="838200" y="2916432"/>
+            <a:ext cx="1779104" cy="369332"/>
+          </a:xfrm>
+          <a:prstGeom prst="rect">
+            <a:avLst/>
+          </a:prstGeom>
+          <a:noFill/>
+        </p:spPr>
+        <p:txBody>
+          <a:bodyPr wrap="square" rtlCol="0">
+            <a:spAutoFit/>
+          </a:bodyPr>
+          <a:lstStyle/>
+          <a:p>
+            <a:pPr algn="ctr"/>
+            <a:r>
+              <a:rPr lang="it-IT" dirty="0"/>
+              <a:t>ESP 32</a:t>
+            </a:r>
+            <a:endParaRPr lang="en-GB" dirty="0"/>
+          </a:p>
+        </p:txBody>
+      </p:sp>
+      <p:graphicFrame>
+        <p:nvGraphicFramePr>
+          <p:cNvPr id="7" name="Segnaposto contenuto 3">
+            <a:extLst>
+              <a:ext uri="{FF2B5EF4-FFF2-40B4-BE49-F238E27FC236}">
+                <a16:creationId xmlns:a16="http://schemas.microsoft.com/office/drawing/2014/main" id="{7498D74E-6DC4-9145-C075-63638C6A2A39}"/>
+              </a:ext>
+            </a:extLst>
+          </p:cNvPr>
+          <p:cNvGraphicFramePr>
+            <a:graphicFrameLocks/>
+          </p:cNvGraphicFramePr>
+          <p:nvPr>
+            <p:extLst>
+              <p:ext uri="{D42A27DB-BD31-4B8C-83A1-F6EECF244321}">
+                <p14:modId xmlns:p14="http://schemas.microsoft.com/office/powerpoint/2010/main" val="2765509657"/>
+              </p:ext>
+            </p:extLst>
+          </p:nvPr>
+        </p:nvGraphicFramePr>
+        <p:xfrm>
+          <a:off x="5138530" y="2740824"/>
+          <a:ext cx="1914940" cy="2966720"/>
+        </p:xfrm>
+        <a:graphic>
+          <a:graphicData uri="http://schemas.openxmlformats.org/drawingml/2006/table">
+            <a:tbl>
+              <a:tblPr firstRow="1" bandRow="1">
+                <a:tableStyleId>{5C22544A-7EE6-4342-B048-85BDC9FD1C3A}</a:tableStyleId>
+              </a:tblPr>
+              <a:tblGrid>
+                <a:gridCol w="506896">
+                  <a:extLst>
+                    <a:ext uri="{9D8B030D-6E8A-4147-A177-3AD203B41FA5}">
+                      <a16:colId xmlns:a16="http://schemas.microsoft.com/office/drawing/2014/main" val="929489795"/>
+                    </a:ext>
+                  </a:extLst>
+                </a:gridCol>
+                <a:gridCol w="914400">
+                  <a:extLst>
+                    <a:ext uri="{9D8B030D-6E8A-4147-A177-3AD203B41FA5}">
+                      <a16:colId xmlns:a16="http://schemas.microsoft.com/office/drawing/2014/main" val="3363426028"/>
+                    </a:ext>
+                  </a:extLst>
+                </a:gridCol>
+                <a:gridCol w="493644">
+                  <a:extLst>
+                    <a:ext uri="{9D8B030D-6E8A-4147-A177-3AD203B41FA5}">
+                      <a16:colId xmlns:a16="http://schemas.microsoft.com/office/drawing/2014/main" val="888482125"/>
+                    </a:ext>
+                  </a:extLst>
+                </a:gridCol>
+              </a:tblGrid>
+              <a:tr h="370840">
+                <a:tc>
+                  <a:txBody>
+                    <a:bodyPr/>
+                    <a:lstStyle/>
+                    <a:p>
+                      <a:pPr marL="0" algn="ctr" defTabSz="914400" rtl="0" eaLnBrk="1" latinLnBrk="0" hangingPunct="1"/>
+                      <a:endParaRPr lang="en-GB" sz="1800" b="1" kern="1200" dirty="0">
+                        <a:solidFill>
+                          <a:schemeClr val="tx1"/>
+                        </a:solidFill>
+                        <a:latin typeface="+mn-lt"/>
+                        <a:ea typeface="+mn-ea"/>
+                        <a:cs typeface="+mn-cs"/>
+                      </a:endParaRPr>
+                    </a:p>
+                  </a:txBody>
+                  <a:tcPr>
+                    <a:lnL w="12700" cap="flat" cmpd="sng" algn="ctr">
+                      <a:solidFill>
+                        <a:schemeClr val="tx1"/>
+                      </a:solidFill>
+                      <a:prstDash val="solid"/>
+                      <a:round/>
+                      <a:headEnd type="none" w="med" len="med"/>
+                      <a:tailEnd type="none" w="med" len="med"/>
+                    </a:lnL>
+                    <a:lnR w="12700" cap="flat" cmpd="sng" algn="ctr">
+                      <a:solidFill>
+                        <a:schemeClr val="tx1"/>
+                      </a:solidFill>
+                      <a:prstDash val="solid"/>
+                      <a:round/>
+                      <a:headEnd type="none" w="med" len="med"/>
+                      <a:tailEnd type="none" w="med" len="med"/>
+                    </a:lnR>
+                    <a:lnT w="12700" cap="flat" cmpd="sng" algn="ctr">
+                      <a:solidFill>
+                        <a:schemeClr val="tx1"/>
+                      </a:solidFill>
+                      <a:prstDash val="solid"/>
+                      <a:round/>
+                      <a:headEnd type="none" w="med" len="med"/>
+                      <a:tailEnd type="none" w="med" len="med"/>
+                    </a:lnT>
+                    <a:lnB w="12700" cap="flat" cmpd="sng" algn="ctr">
+                      <a:solidFill>
+                        <a:schemeClr val="tx1"/>
+                      </a:solidFill>
+                      <a:prstDash val="solid"/>
+                      <a:round/>
+                      <a:headEnd type="none" w="med" len="med"/>
+                      <a:tailEnd type="none" w="med" len="med"/>
+                    </a:lnB>
+                    <a:noFill/>
+                  </a:tcPr>
+                </a:tc>
+                <a:tc>
+                  <a:txBody>
+                    <a:bodyPr/>
+                    <a:lstStyle/>
+                    <a:p>
+                      <a:pPr marL="0" algn="ctr" defTabSz="914400" rtl="0" eaLnBrk="1" latinLnBrk="0" hangingPunct="1"/>
+                      <a:r>
+                        <a:rPr lang="it-IT" sz="1800" b="1" kern="1200" dirty="0">
+                          <a:solidFill>
+                            <a:schemeClr val="tx1"/>
+                          </a:solidFill>
+                          <a:latin typeface="+mn-lt"/>
+                          <a:ea typeface="+mn-ea"/>
+                          <a:cs typeface="+mn-cs"/>
+                        </a:rPr>
+                        <a:t>DE</a:t>
+                      </a:r>
+                    </a:p>
+                  </a:txBody>
+                  <a:tcPr>
+                    <a:lnL w="12700" cap="flat" cmpd="sng" algn="ctr">
+                      <a:solidFill>
+                        <a:schemeClr val="tx1"/>
+                      </a:solidFill>
+                      <a:prstDash val="solid"/>
+                      <a:round/>
+                      <a:headEnd type="none" w="med" len="med"/>
+                      <a:tailEnd type="none" w="med" len="med"/>
+                    </a:lnL>
+                    <a:lnR w="12700" cap="flat" cmpd="sng" algn="ctr">
+                      <a:solidFill>
+                        <a:schemeClr val="tx1"/>
+                      </a:solidFill>
+                      <a:prstDash val="solid"/>
+                      <a:round/>
+                      <a:headEnd type="none" w="med" len="med"/>
+                      <a:tailEnd type="none" w="med" len="med"/>
+                    </a:lnR>
+                    <a:lnT w="12700" cap="flat" cmpd="sng" algn="ctr">
+                      <a:solidFill>
+                        <a:schemeClr val="tx1"/>
+                      </a:solidFill>
+                      <a:prstDash val="solid"/>
+                      <a:round/>
+                      <a:headEnd type="none" w="med" len="med"/>
+                      <a:tailEnd type="none" w="med" len="med"/>
+                    </a:lnT>
+                    <a:lnB w="12700" cap="flat" cmpd="sng" algn="ctr">
+                      <a:solidFill>
+                        <a:schemeClr val="tx1"/>
+                      </a:solidFill>
+                      <a:prstDash val="solid"/>
+                      <a:round/>
+                      <a:headEnd type="none" w="med" len="med"/>
+                      <a:tailEnd type="none" w="med" len="med"/>
+                    </a:lnB>
+                    <a:noFill/>
+                  </a:tcPr>
+                </a:tc>
+                <a:tc>
+                  <a:txBody>
+                    <a:bodyPr/>
+                    <a:lstStyle/>
+                    <a:p>
+                      <a:pPr marL="0" algn="ctr" defTabSz="914400" rtl="0" eaLnBrk="1" latinLnBrk="0" hangingPunct="1"/>
+                      <a:endParaRPr lang="en-GB" sz="1800" b="1" kern="1200">
+                        <a:solidFill>
+                          <a:schemeClr val="tx1"/>
+                        </a:solidFill>
+                        <a:latin typeface="+mn-lt"/>
+                        <a:ea typeface="+mn-ea"/>
+                        <a:cs typeface="+mn-cs"/>
+                      </a:endParaRPr>
+                    </a:p>
+                  </a:txBody>
+                  <a:tcPr>
+                    <a:lnL w="12700" cap="flat" cmpd="sng" algn="ctr">
+                      <a:solidFill>
+                        <a:schemeClr val="tx1"/>
+                      </a:solidFill>
+                      <a:prstDash val="solid"/>
+                      <a:round/>
+                      <a:headEnd type="none" w="med" len="med"/>
+                      <a:tailEnd type="none" w="med" len="med"/>
+                    </a:lnL>
+                    <a:lnR w="12700" cap="flat" cmpd="sng" algn="ctr">
+                      <a:solidFill>
+                        <a:schemeClr val="tx1"/>
+                      </a:solidFill>
+                      <a:prstDash val="solid"/>
+                      <a:round/>
+                      <a:headEnd type="none" w="med" len="med"/>
+                      <a:tailEnd type="none" w="med" len="med"/>
+                    </a:lnR>
+                    <a:lnT w="12700" cap="flat" cmpd="sng" algn="ctr">
+                      <a:solidFill>
+                        <a:schemeClr val="tx1"/>
+                      </a:solidFill>
+                      <a:prstDash val="solid"/>
+                      <a:round/>
+                      <a:headEnd type="none" w="med" len="med"/>
+                      <a:tailEnd type="none" w="med" len="med"/>
+                    </a:lnT>
+                    <a:lnB w="12700" cap="flat" cmpd="sng" algn="ctr">
+                      <a:solidFill>
+                        <a:schemeClr val="tx1"/>
+                      </a:solidFill>
+                      <a:prstDash val="solid"/>
+                      <a:round/>
+                      <a:headEnd type="none" w="med" len="med"/>
+                      <a:tailEnd type="none" w="med" len="med"/>
+                    </a:lnB>
+                    <a:noFill/>
+                  </a:tcPr>
+                </a:tc>
+                <a:extLst>
+                  <a:ext uri="{0D108BD9-81ED-4DB2-BD59-A6C34878D82A}">
+                    <a16:rowId xmlns:a16="http://schemas.microsoft.com/office/drawing/2014/main" val="3552436575"/>
+                  </a:ext>
+                </a:extLst>
+              </a:tr>
+              <a:tr h="370840">
+                <a:tc>
+                  <a:txBody>
+                    <a:bodyPr/>
+                    <a:lstStyle/>
+                    <a:p>
+                      <a:pPr marL="0" algn="ctr" defTabSz="914400" rtl="0" eaLnBrk="1" latinLnBrk="0" hangingPunct="1"/>
+                      <a:endParaRPr lang="en-GB" sz="1800" b="1" kern="1200">
+                        <a:solidFill>
+                          <a:schemeClr val="tx1"/>
+                        </a:solidFill>
+                        <a:latin typeface="+mn-lt"/>
+                        <a:ea typeface="+mn-ea"/>
+                        <a:cs typeface="+mn-cs"/>
+                      </a:endParaRPr>
+                    </a:p>
+                  </a:txBody>
+                  <a:tcPr>
+                    <a:lnL w="12700" cap="flat" cmpd="sng" algn="ctr">
+                      <a:solidFill>
+                        <a:schemeClr val="tx1"/>
+                      </a:solidFill>
+                      <a:prstDash val="solid"/>
+                      <a:round/>
+                      <a:headEnd type="none" w="med" len="med"/>
+                      <a:tailEnd type="none" w="med" len="med"/>
+                    </a:lnL>
+                    <a:lnR w="12700" cap="flat" cmpd="sng" algn="ctr">
+                      <a:solidFill>
+                        <a:schemeClr val="tx1"/>
+                      </a:solidFill>
+                      <a:prstDash val="solid"/>
+                      <a:round/>
+                      <a:headEnd type="none" w="med" len="med"/>
+                      <a:tailEnd type="none" w="med" len="med"/>
+                    </a:lnR>
+                    <a:lnT w="12700" cap="flat" cmpd="sng" algn="ctr">
+                      <a:solidFill>
+                        <a:schemeClr val="tx1"/>
+                      </a:solidFill>
+                      <a:prstDash val="solid"/>
+                      <a:round/>
+                      <a:headEnd type="none" w="med" len="med"/>
+                      <a:tailEnd type="none" w="med" len="med"/>
+                    </a:lnT>
+                    <a:lnB w="12700" cap="flat" cmpd="sng" algn="ctr">
+                      <a:solidFill>
+                        <a:schemeClr val="tx1"/>
+                      </a:solidFill>
+                      <a:prstDash val="solid"/>
+                      <a:round/>
+                      <a:headEnd type="none" w="med" len="med"/>
+                      <a:tailEnd type="none" w="med" len="med"/>
+                    </a:lnB>
+                    <a:noFill/>
+                  </a:tcPr>
+                </a:tc>
+                <a:tc>
+                  <a:txBody>
+                    <a:bodyPr/>
+                    <a:lstStyle/>
+                    <a:p>
+                      <a:pPr marL="0" algn="ctr" defTabSz="914400" rtl="0" eaLnBrk="1" latinLnBrk="0" hangingPunct="1"/>
+                      <a:r>
+                        <a:rPr lang="it-IT" sz="1800" b="1" kern="1200" dirty="0">
+                          <a:solidFill>
+                            <a:schemeClr val="tx1"/>
+                          </a:solidFill>
+                          <a:latin typeface="+mn-lt"/>
+                          <a:ea typeface="+mn-ea"/>
+                          <a:cs typeface="+mn-cs"/>
+                        </a:rPr>
+                        <a:t>RE</a:t>
+                      </a:r>
+                      <a:endParaRPr lang="en-GB" sz="1800" b="1" kern="1200" dirty="0">
+                        <a:solidFill>
+                          <a:schemeClr val="tx1"/>
+                        </a:solidFill>
+                        <a:latin typeface="+mn-lt"/>
+                        <a:ea typeface="+mn-ea"/>
+                        <a:cs typeface="+mn-cs"/>
+                      </a:endParaRPr>
+                    </a:p>
+                  </a:txBody>
+                  <a:tcPr>
+                    <a:lnL w="12700" cap="flat" cmpd="sng" algn="ctr">
+                      <a:solidFill>
+                        <a:schemeClr val="tx1"/>
+                      </a:solidFill>
+                      <a:prstDash val="solid"/>
+                      <a:round/>
+                      <a:headEnd type="none" w="med" len="med"/>
+                      <a:tailEnd type="none" w="med" len="med"/>
+                    </a:lnL>
+                    <a:lnR w="12700" cap="flat" cmpd="sng" algn="ctr">
+                      <a:solidFill>
+                        <a:schemeClr val="tx1"/>
+                      </a:solidFill>
+                      <a:prstDash val="solid"/>
+                      <a:round/>
+                      <a:headEnd type="none" w="med" len="med"/>
+                      <a:tailEnd type="none" w="med" len="med"/>
+                    </a:lnR>
+                    <a:lnT w="12700" cap="flat" cmpd="sng" algn="ctr">
+                      <a:solidFill>
+                        <a:schemeClr val="tx1"/>
+                      </a:solidFill>
+                      <a:prstDash val="solid"/>
+                      <a:round/>
+                      <a:headEnd type="none" w="med" len="med"/>
+                      <a:tailEnd type="none" w="med" len="med"/>
+                    </a:lnT>
+                    <a:lnB w="12700" cap="flat" cmpd="sng" algn="ctr">
+                      <a:solidFill>
+                        <a:schemeClr val="tx1"/>
+                      </a:solidFill>
+                      <a:prstDash val="solid"/>
+                      <a:round/>
+                      <a:headEnd type="none" w="med" len="med"/>
+                      <a:tailEnd type="none" w="med" len="med"/>
+                    </a:lnB>
+                    <a:noFill/>
+                  </a:tcPr>
+                </a:tc>
+                <a:tc>
+                  <a:txBody>
+                    <a:bodyPr/>
+                    <a:lstStyle/>
+                    <a:p>
+                      <a:pPr marL="0" algn="ctr" defTabSz="914400" rtl="0" eaLnBrk="1" latinLnBrk="0" hangingPunct="1"/>
+                      <a:endParaRPr lang="en-GB" sz="1800" b="1" kern="1200">
+                        <a:solidFill>
+                          <a:schemeClr val="tx1"/>
+                        </a:solidFill>
+                        <a:latin typeface="+mn-lt"/>
+                        <a:ea typeface="+mn-ea"/>
+                        <a:cs typeface="+mn-cs"/>
+                      </a:endParaRPr>
+                    </a:p>
+                  </a:txBody>
+                  <a:tcPr>
+                    <a:lnL w="12700" cap="flat" cmpd="sng" algn="ctr">
+                      <a:solidFill>
+                        <a:schemeClr val="tx1"/>
+                      </a:solidFill>
+                      <a:prstDash val="solid"/>
+                      <a:round/>
+                      <a:headEnd type="none" w="med" len="med"/>
+                      <a:tailEnd type="none" w="med" len="med"/>
+                    </a:lnL>
+                    <a:lnR w="12700" cap="flat" cmpd="sng" algn="ctr">
+                      <a:solidFill>
+                        <a:schemeClr val="tx1"/>
+                      </a:solidFill>
+                      <a:prstDash val="solid"/>
+                      <a:round/>
+                      <a:headEnd type="none" w="med" len="med"/>
+                      <a:tailEnd type="none" w="med" len="med"/>
+                    </a:lnR>
+                    <a:lnT w="12700" cap="flat" cmpd="sng" algn="ctr">
+                      <a:solidFill>
+                        <a:schemeClr val="tx1"/>
+                      </a:solidFill>
+                      <a:prstDash val="solid"/>
+                      <a:round/>
+                      <a:headEnd type="none" w="med" len="med"/>
+                      <a:tailEnd type="none" w="med" len="med"/>
+                    </a:lnT>
+                    <a:lnB w="12700" cap="flat" cmpd="sng" algn="ctr">
+                      <a:solidFill>
+                        <a:schemeClr val="tx1"/>
+                      </a:solidFill>
+                      <a:prstDash val="solid"/>
+                      <a:round/>
+                      <a:headEnd type="none" w="med" len="med"/>
+                      <a:tailEnd type="none" w="med" len="med"/>
+                    </a:lnB>
+                    <a:noFill/>
+                  </a:tcPr>
+                </a:tc>
+                <a:extLst>
+                  <a:ext uri="{0D108BD9-81ED-4DB2-BD59-A6C34878D82A}">
+                    <a16:rowId xmlns:a16="http://schemas.microsoft.com/office/drawing/2014/main" val="2858923362"/>
+                  </a:ext>
+                </a:extLst>
+              </a:tr>
+              <a:tr h="370840">
+                <a:tc>
+                  <a:txBody>
+                    <a:bodyPr/>
+                    <a:lstStyle/>
+                    <a:p>
+                      <a:pPr marL="0" algn="ctr" defTabSz="914400" rtl="0" eaLnBrk="1" latinLnBrk="0" hangingPunct="1"/>
+                      <a:endParaRPr lang="en-GB" sz="1800" b="1" kern="1200" dirty="0">
+                        <a:solidFill>
+                          <a:schemeClr val="tx1"/>
+                        </a:solidFill>
+                        <a:latin typeface="+mn-lt"/>
+                        <a:ea typeface="+mn-ea"/>
+                        <a:cs typeface="+mn-cs"/>
+                      </a:endParaRPr>
+                    </a:p>
+                  </a:txBody>
+                  <a:tcPr>
+                    <a:lnL w="12700" cap="flat" cmpd="sng" algn="ctr">
+                      <a:solidFill>
+                        <a:schemeClr val="tx1"/>
+                      </a:solidFill>
+                      <a:prstDash val="solid"/>
+                      <a:round/>
+                      <a:headEnd type="none" w="med" len="med"/>
+                      <a:tailEnd type="none" w="med" len="med"/>
+                    </a:lnL>
+                    <a:lnR w="12700" cap="flat" cmpd="sng" algn="ctr">
+                      <a:solidFill>
+                        <a:schemeClr val="tx1"/>
+                      </a:solidFill>
+                      <a:prstDash val="solid"/>
+                      <a:round/>
+                      <a:headEnd type="none" w="med" len="med"/>
+                      <a:tailEnd type="none" w="med" len="med"/>
+                    </a:lnR>
+                    <a:lnT w="12700" cap="flat" cmpd="sng" algn="ctr">
+                      <a:solidFill>
+                        <a:schemeClr val="tx1"/>
+                      </a:solidFill>
+                      <a:prstDash val="solid"/>
+                      <a:round/>
+                      <a:headEnd type="none" w="med" len="med"/>
+                      <a:tailEnd type="none" w="med" len="med"/>
+                    </a:lnT>
+                    <a:lnB w="12700" cap="flat" cmpd="sng" algn="ctr">
+                      <a:solidFill>
+                        <a:schemeClr val="tx1"/>
+                      </a:solidFill>
+                      <a:prstDash val="solid"/>
+                      <a:round/>
+                      <a:headEnd type="none" w="med" len="med"/>
+                      <a:tailEnd type="none" w="med" len="med"/>
+                    </a:lnB>
+                    <a:noFill/>
+                  </a:tcPr>
+                </a:tc>
+                <a:tc>
+                  <a:txBody>
+                    <a:bodyPr/>
+                    <a:lstStyle/>
+                    <a:p>
+                      <a:pPr marL="0" algn="ctr" defTabSz="914400" rtl="0" eaLnBrk="1" latinLnBrk="0" hangingPunct="1"/>
+                      <a:r>
+                        <a:rPr lang="it-IT" sz="1800" b="1" kern="1200" dirty="0">
+                          <a:solidFill>
+                            <a:schemeClr val="tx1"/>
+                          </a:solidFill>
+                          <a:latin typeface="+mn-lt"/>
+                          <a:ea typeface="+mn-ea"/>
+                          <a:cs typeface="+mn-cs"/>
+                        </a:rPr>
+                        <a:t>RO</a:t>
+                      </a:r>
+                      <a:endParaRPr lang="en-GB" sz="1800" b="1" kern="1200" dirty="0">
+                        <a:solidFill>
+                          <a:schemeClr val="tx1"/>
+                        </a:solidFill>
+                        <a:latin typeface="+mn-lt"/>
+                        <a:ea typeface="+mn-ea"/>
+                        <a:cs typeface="+mn-cs"/>
+                      </a:endParaRPr>
+                    </a:p>
+                  </a:txBody>
+                  <a:tcPr>
+                    <a:lnL w="12700" cap="flat" cmpd="sng" algn="ctr">
+                      <a:solidFill>
+                        <a:schemeClr val="tx1"/>
+                      </a:solidFill>
+                      <a:prstDash val="solid"/>
+                      <a:round/>
+                      <a:headEnd type="none" w="med" len="med"/>
+                      <a:tailEnd type="none" w="med" len="med"/>
+                    </a:lnL>
+                    <a:lnR w="12700" cap="flat" cmpd="sng" algn="ctr">
+                      <a:solidFill>
+                        <a:schemeClr val="tx1"/>
+                      </a:solidFill>
+                      <a:prstDash val="solid"/>
+                      <a:round/>
+                      <a:headEnd type="none" w="med" len="med"/>
+                      <a:tailEnd type="none" w="med" len="med"/>
+                    </a:lnR>
+                    <a:lnT w="12700" cap="flat" cmpd="sng" algn="ctr">
+                      <a:solidFill>
+                        <a:schemeClr val="tx1"/>
+                      </a:solidFill>
+                      <a:prstDash val="solid"/>
+                      <a:round/>
+                      <a:headEnd type="none" w="med" len="med"/>
+                      <a:tailEnd type="none" w="med" len="med"/>
+                    </a:lnT>
+                    <a:lnB w="12700" cap="flat" cmpd="sng" algn="ctr">
+                      <a:solidFill>
+                        <a:schemeClr val="tx1"/>
+                      </a:solidFill>
+                      <a:prstDash val="solid"/>
+                      <a:round/>
+                      <a:headEnd type="none" w="med" len="med"/>
+                      <a:tailEnd type="none" w="med" len="med"/>
+                    </a:lnB>
+                    <a:noFill/>
+                  </a:tcPr>
+                </a:tc>
+                <a:tc>
+                  <a:txBody>
+                    <a:bodyPr/>
+                    <a:lstStyle/>
+                    <a:p>
+                      <a:pPr marL="0" algn="ctr" defTabSz="914400" rtl="0" eaLnBrk="1" latinLnBrk="0" hangingPunct="1"/>
+                      <a:endParaRPr lang="en-GB" sz="1800" b="1" kern="1200">
+                        <a:solidFill>
+                          <a:schemeClr val="tx1"/>
+                        </a:solidFill>
+                        <a:latin typeface="+mn-lt"/>
+                        <a:ea typeface="+mn-ea"/>
+                        <a:cs typeface="+mn-cs"/>
+                      </a:endParaRPr>
+                    </a:p>
+                  </a:txBody>
+                  <a:tcPr>
+                    <a:lnL w="12700" cap="flat" cmpd="sng" algn="ctr">
+                      <a:solidFill>
+                        <a:schemeClr val="tx1"/>
+                      </a:solidFill>
+                      <a:prstDash val="solid"/>
+                      <a:round/>
+                      <a:headEnd type="none" w="med" len="med"/>
+                      <a:tailEnd type="none" w="med" len="med"/>
+                    </a:lnL>
+                    <a:lnR w="12700" cap="flat" cmpd="sng" algn="ctr">
+                      <a:solidFill>
+                        <a:schemeClr val="tx1"/>
+                      </a:solidFill>
+                      <a:prstDash val="solid"/>
+                      <a:round/>
+                      <a:headEnd type="none" w="med" len="med"/>
+                      <a:tailEnd type="none" w="med" len="med"/>
+                    </a:lnR>
+                    <a:lnT w="12700" cap="flat" cmpd="sng" algn="ctr">
+                      <a:solidFill>
+                        <a:schemeClr val="tx1"/>
+                      </a:solidFill>
+                      <a:prstDash val="solid"/>
+                      <a:round/>
+                      <a:headEnd type="none" w="med" len="med"/>
+                      <a:tailEnd type="none" w="med" len="med"/>
+                    </a:lnT>
+                    <a:lnB w="12700" cap="flat" cmpd="sng" algn="ctr">
+                      <a:solidFill>
+                        <a:schemeClr val="tx1"/>
+                      </a:solidFill>
+                      <a:prstDash val="solid"/>
+                      <a:round/>
+                      <a:headEnd type="none" w="med" len="med"/>
+                      <a:tailEnd type="none" w="med" len="med"/>
+                    </a:lnB>
+                    <a:noFill/>
+                  </a:tcPr>
+                </a:tc>
+                <a:extLst>
+                  <a:ext uri="{0D108BD9-81ED-4DB2-BD59-A6C34878D82A}">
+                    <a16:rowId xmlns:a16="http://schemas.microsoft.com/office/drawing/2014/main" val="4111031725"/>
+                  </a:ext>
+                </a:extLst>
+              </a:tr>
+              <a:tr h="370840">
+                <a:tc>
+                  <a:txBody>
+                    <a:bodyPr/>
+                    <a:lstStyle/>
+                    <a:p>
+                      <a:pPr marL="0" algn="ctr" defTabSz="914400" rtl="0" eaLnBrk="1" latinLnBrk="0" hangingPunct="1"/>
+                      <a:endParaRPr lang="en-GB" sz="1800" b="1" kern="1200" dirty="0">
+                        <a:solidFill>
+                          <a:schemeClr val="tx1"/>
+                        </a:solidFill>
+                        <a:latin typeface="+mn-lt"/>
+                        <a:ea typeface="+mn-ea"/>
+                        <a:cs typeface="+mn-cs"/>
+                      </a:endParaRPr>
+                    </a:p>
+                  </a:txBody>
+                  <a:tcPr>
+                    <a:lnL w="12700" cap="flat" cmpd="sng" algn="ctr">
+                      <a:solidFill>
+                        <a:schemeClr val="tx1"/>
+                      </a:solidFill>
+                      <a:prstDash val="solid"/>
+                      <a:round/>
+                      <a:headEnd type="none" w="med" len="med"/>
+                      <a:tailEnd type="none" w="med" len="med"/>
+                    </a:lnL>
+                    <a:lnR w="12700" cap="flat" cmpd="sng" algn="ctr">
+                      <a:solidFill>
+                        <a:schemeClr val="tx1"/>
+                      </a:solidFill>
+                      <a:prstDash val="solid"/>
+                      <a:round/>
+                      <a:headEnd type="none" w="med" len="med"/>
+                      <a:tailEnd type="none" w="med" len="med"/>
+                    </a:lnR>
+                    <a:lnT w="12700" cap="flat" cmpd="sng" algn="ctr">
+                      <a:solidFill>
+                        <a:schemeClr val="tx1"/>
+                      </a:solidFill>
+                      <a:prstDash val="solid"/>
+                      <a:round/>
+                      <a:headEnd type="none" w="med" len="med"/>
+                      <a:tailEnd type="none" w="med" len="med"/>
+                    </a:lnT>
+                    <a:lnB w="12700" cap="flat" cmpd="sng" algn="ctr">
+                      <a:solidFill>
+                        <a:schemeClr val="tx1"/>
+                      </a:solidFill>
+                      <a:prstDash val="solid"/>
+                      <a:round/>
+                      <a:headEnd type="none" w="med" len="med"/>
+                      <a:tailEnd type="none" w="med" len="med"/>
+                    </a:lnB>
+                    <a:noFill/>
+                  </a:tcPr>
+                </a:tc>
+                <a:tc>
+                  <a:txBody>
+                    <a:bodyPr/>
+                    <a:lstStyle/>
+                    <a:p>
+                      <a:pPr marL="0" algn="ctr" defTabSz="914400" rtl="0" eaLnBrk="1" latinLnBrk="0" hangingPunct="1"/>
+                      <a:r>
+                        <a:rPr lang="it-IT" sz="1800" b="1" kern="1200" dirty="0">
+                          <a:solidFill>
+                            <a:schemeClr val="tx1"/>
+                          </a:solidFill>
+                          <a:latin typeface="+mn-lt"/>
+                          <a:ea typeface="+mn-ea"/>
+                          <a:cs typeface="+mn-cs"/>
+                        </a:rPr>
+                        <a:t>DI</a:t>
+                      </a:r>
+                      <a:endParaRPr lang="en-GB" sz="1800" b="1" kern="1200" dirty="0">
+                        <a:solidFill>
+                          <a:schemeClr val="tx1"/>
+                        </a:solidFill>
+                        <a:latin typeface="+mn-lt"/>
+                        <a:ea typeface="+mn-ea"/>
+                        <a:cs typeface="+mn-cs"/>
+                      </a:endParaRPr>
+                    </a:p>
+                  </a:txBody>
+                  <a:tcPr>
+                    <a:lnL w="12700" cap="flat" cmpd="sng" algn="ctr">
+                      <a:solidFill>
+                        <a:schemeClr val="tx1"/>
+                      </a:solidFill>
+                      <a:prstDash val="solid"/>
+                      <a:round/>
+                      <a:headEnd type="none" w="med" len="med"/>
+                      <a:tailEnd type="none" w="med" len="med"/>
+                    </a:lnL>
+                    <a:lnR w="12700" cap="flat" cmpd="sng" algn="ctr">
+                      <a:solidFill>
+                        <a:schemeClr val="tx1"/>
+                      </a:solidFill>
+                      <a:prstDash val="solid"/>
+                      <a:round/>
+                      <a:headEnd type="none" w="med" len="med"/>
+                      <a:tailEnd type="none" w="med" len="med"/>
+                    </a:lnR>
+                    <a:lnT w="12700" cap="flat" cmpd="sng" algn="ctr">
+                      <a:solidFill>
+                        <a:schemeClr val="tx1"/>
+                      </a:solidFill>
+                      <a:prstDash val="solid"/>
+                      <a:round/>
+                      <a:headEnd type="none" w="med" len="med"/>
+                      <a:tailEnd type="none" w="med" len="med"/>
+                    </a:lnT>
+                    <a:lnB w="12700" cap="flat" cmpd="sng" algn="ctr">
+                      <a:solidFill>
+                        <a:schemeClr val="tx1"/>
+                      </a:solidFill>
+                      <a:prstDash val="solid"/>
+                      <a:round/>
+                      <a:headEnd type="none" w="med" len="med"/>
+                      <a:tailEnd type="none" w="med" len="med"/>
+                    </a:lnB>
+                    <a:noFill/>
+                  </a:tcPr>
+                </a:tc>
+                <a:tc>
+                  <a:txBody>
+                    <a:bodyPr/>
+                    <a:lstStyle/>
+                    <a:p>
+                      <a:pPr marL="0" algn="ctr" defTabSz="914400" rtl="0" eaLnBrk="1" latinLnBrk="0" hangingPunct="1"/>
+                      <a:endParaRPr lang="en-GB" sz="1800" b="1" kern="1200">
+                        <a:solidFill>
+                          <a:schemeClr val="tx1"/>
+                        </a:solidFill>
+                        <a:latin typeface="+mn-lt"/>
+                        <a:ea typeface="+mn-ea"/>
+                        <a:cs typeface="+mn-cs"/>
+                      </a:endParaRPr>
+                    </a:p>
+                  </a:txBody>
+                  <a:tcPr>
+                    <a:lnL w="12700" cap="flat" cmpd="sng" algn="ctr">
+                      <a:solidFill>
+                        <a:schemeClr val="tx1"/>
+                      </a:solidFill>
+                      <a:prstDash val="solid"/>
+                      <a:round/>
+                      <a:headEnd type="none" w="med" len="med"/>
+                      <a:tailEnd type="none" w="med" len="med"/>
+                    </a:lnL>
+                    <a:lnR w="12700" cap="flat" cmpd="sng" algn="ctr">
+                      <a:solidFill>
+                        <a:schemeClr val="tx1"/>
+                      </a:solidFill>
+                      <a:prstDash val="solid"/>
+                      <a:round/>
+                      <a:headEnd type="none" w="med" len="med"/>
+                      <a:tailEnd type="none" w="med" len="med"/>
+                    </a:lnR>
+                    <a:lnT w="12700" cap="flat" cmpd="sng" algn="ctr">
+                      <a:solidFill>
+                        <a:schemeClr val="tx1"/>
+                      </a:solidFill>
+                      <a:prstDash val="solid"/>
+                      <a:round/>
+                      <a:headEnd type="none" w="med" len="med"/>
+                      <a:tailEnd type="none" w="med" len="med"/>
+                    </a:lnT>
+                    <a:lnB w="12700" cap="flat" cmpd="sng" algn="ctr">
+                      <a:solidFill>
+                        <a:schemeClr val="tx1"/>
+                      </a:solidFill>
+                      <a:prstDash val="solid"/>
+                      <a:round/>
+                      <a:headEnd type="none" w="med" len="med"/>
+                      <a:tailEnd type="none" w="med" len="med"/>
+                    </a:lnB>
+                    <a:noFill/>
+                  </a:tcPr>
+                </a:tc>
+                <a:extLst>
+                  <a:ext uri="{0D108BD9-81ED-4DB2-BD59-A6C34878D82A}">
+                    <a16:rowId xmlns:a16="http://schemas.microsoft.com/office/drawing/2014/main" val="2496144482"/>
+                  </a:ext>
+                </a:extLst>
+              </a:tr>
+              <a:tr h="370840">
+                <a:tc>
+                  <a:txBody>
+                    <a:bodyPr/>
+                    <a:lstStyle/>
+                    <a:p>
+                      <a:pPr marL="0" algn="ctr" defTabSz="914400" rtl="0" eaLnBrk="1" latinLnBrk="0" hangingPunct="1"/>
+                      <a:endParaRPr lang="en-GB" sz="1800" b="1" kern="1200" dirty="0">
+                        <a:solidFill>
+                          <a:schemeClr val="tx1"/>
+                        </a:solidFill>
+                        <a:latin typeface="+mn-lt"/>
+                        <a:ea typeface="+mn-ea"/>
+                        <a:cs typeface="+mn-cs"/>
+                      </a:endParaRPr>
+                    </a:p>
+                  </a:txBody>
+                  <a:tcPr>
+                    <a:lnL w="12700" cap="flat" cmpd="sng" algn="ctr">
+                      <a:solidFill>
+                        <a:schemeClr val="tx1"/>
+                      </a:solidFill>
+                      <a:prstDash val="solid"/>
+                      <a:round/>
+                      <a:headEnd type="none" w="med" len="med"/>
+                      <a:tailEnd type="none" w="med" len="med"/>
+                    </a:lnL>
+                    <a:lnR w="12700" cap="flat" cmpd="sng" algn="ctr">
+                      <a:solidFill>
+                        <a:schemeClr val="tx1"/>
+                      </a:solidFill>
+                      <a:prstDash val="solid"/>
+                      <a:round/>
+                      <a:headEnd type="none" w="med" len="med"/>
+                      <a:tailEnd type="none" w="med" len="med"/>
+                    </a:lnR>
+                    <a:lnT w="12700" cap="flat" cmpd="sng" algn="ctr">
+                      <a:solidFill>
+                        <a:schemeClr val="tx1"/>
+                      </a:solidFill>
+                      <a:prstDash val="solid"/>
+                      <a:round/>
+                      <a:headEnd type="none" w="med" len="med"/>
+                      <a:tailEnd type="none" w="med" len="med"/>
+                    </a:lnT>
+                    <a:lnB w="12700" cap="flat" cmpd="sng" algn="ctr">
+                      <a:solidFill>
+                        <a:schemeClr val="tx1"/>
+                      </a:solidFill>
+                      <a:prstDash val="solid"/>
+                      <a:round/>
+                      <a:headEnd type="none" w="med" len="med"/>
+                      <a:tailEnd type="none" w="med" len="med"/>
+                    </a:lnB>
+                    <a:noFill/>
+                  </a:tcPr>
+                </a:tc>
+                <a:tc>
+                  <a:txBody>
+                    <a:bodyPr/>
+                    <a:lstStyle/>
+                    <a:p>
+                      <a:pPr marL="0" algn="ctr" defTabSz="914400" rtl="0" eaLnBrk="1" latinLnBrk="0" hangingPunct="1"/>
+                      <a:r>
+                        <a:rPr lang="it-IT" sz="1800" b="1" kern="1200" dirty="0">
+                          <a:solidFill>
+                            <a:schemeClr val="tx1"/>
+                          </a:solidFill>
+                          <a:latin typeface="+mn-lt"/>
+                          <a:ea typeface="+mn-ea"/>
+                          <a:cs typeface="+mn-cs"/>
+                        </a:rPr>
+                        <a:t>B</a:t>
+                      </a:r>
+                      <a:endParaRPr lang="en-GB" sz="1800" b="1" kern="1200" dirty="0">
+                        <a:solidFill>
+                          <a:schemeClr val="tx1"/>
+                        </a:solidFill>
+                        <a:latin typeface="+mn-lt"/>
+                        <a:ea typeface="+mn-ea"/>
+                        <a:cs typeface="+mn-cs"/>
+                      </a:endParaRPr>
+                    </a:p>
+                  </a:txBody>
+                  <a:tcPr>
+                    <a:lnL w="12700" cap="flat" cmpd="sng" algn="ctr">
+                      <a:solidFill>
+                        <a:schemeClr val="tx1"/>
+                      </a:solidFill>
+                      <a:prstDash val="solid"/>
+                      <a:round/>
+                      <a:headEnd type="none" w="med" len="med"/>
+                      <a:tailEnd type="none" w="med" len="med"/>
+                    </a:lnL>
+                    <a:lnR w="12700" cap="flat" cmpd="sng" algn="ctr">
+                      <a:solidFill>
+                        <a:schemeClr val="tx1"/>
+                      </a:solidFill>
+                      <a:prstDash val="solid"/>
+                      <a:round/>
+                      <a:headEnd type="none" w="med" len="med"/>
+                      <a:tailEnd type="none" w="med" len="med"/>
+                    </a:lnR>
+                    <a:lnT w="12700" cap="flat" cmpd="sng" algn="ctr">
+                      <a:solidFill>
+                        <a:schemeClr val="tx1"/>
+                      </a:solidFill>
+                      <a:prstDash val="solid"/>
+                      <a:round/>
+                      <a:headEnd type="none" w="med" len="med"/>
+                      <a:tailEnd type="none" w="med" len="med"/>
+                    </a:lnT>
+                    <a:lnB w="12700" cap="flat" cmpd="sng" algn="ctr">
+                      <a:solidFill>
+                        <a:schemeClr val="tx1"/>
+                      </a:solidFill>
+                      <a:prstDash val="solid"/>
+                      <a:round/>
+                      <a:headEnd type="none" w="med" len="med"/>
+                      <a:tailEnd type="none" w="med" len="med"/>
+                    </a:lnB>
+                    <a:noFill/>
+                  </a:tcPr>
+                </a:tc>
+                <a:tc>
+                  <a:txBody>
+                    <a:bodyPr/>
+                    <a:lstStyle/>
+                    <a:p>
+                      <a:pPr marL="0" algn="ctr" defTabSz="914400" rtl="0" eaLnBrk="1" latinLnBrk="0" hangingPunct="1"/>
+                      <a:endParaRPr lang="en-GB" sz="1800" b="1" kern="1200" dirty="0">
+                        <a:solidFill>
+                          <a:schemeClr val="tx1"/>
+                        </a:solidFill>
+                        <a:latin typeface="+mn-lt"/>
+                        <a:ea typeface="+mn-ea"/>
+                        <a:cs typeface="+mn-cs"/>
+                      </a:endParaRPr>
+                    </a:p>
+                  </a:txBody>
+                  <a:tcPr>
+                    <a:lnL w="12700" cap="flat" cmpd="sng" algn="ctr">
+                      <a:solidFill>
+                        <a:schemeClr val="tx1"/>
+                      </a:solidFill>
+                      <a:prstDash val="solid"/>
+                      <a:round/>
+                      <a:headEnd type="none" w="med" len="med"/>
+                      <a:tailEnd type="none" w="med" len="med"/>
+                    </a:lnL>
+                    <a:lnR w="12700" cap="flat" cmpd="sng" algn="ctr">
+                      <a:solidFill>
+                        <a:schemeClr val="tx1"/>
+                      </a:solidFill>
+                      <a:prstDash val="solid"/>
+                      <a:round/>
+                      <a:headEnd type="none" w="med" len="med"/>
+                      <a:tailEnd type="none" w="med" len="med"/>
+                    </a:lnR>
+                    <a:lnT w="12700" cap="flat" cmpd="sng" algn="ctr">
+                      <a:solidFill>
+                        <a:schemeClr val="tx1"/>
+                      </a:solidFill>
+                      <a:prstDash val="solid"/>
+                      <a:round/>
+                      <a:headEnd type="none" w="med" len="med"/>
+                      <a:tailEnd type="none" w="med" len="med"/>
+                    </a:lnT>
+                    <a:lnB w="12700" cap="flat" cmpd="sng" algn="ctr">
+                      <a:solidFill>
+                        <a:schemeClr val="tx1"/>
+                      </a:solidFill>
+                      <a:prstDash val="solid"/>
+                      <a:round/>
+                      <a:headEnd type="none" w="med" len="med"/>
+                      <a:tailEnd type="none" w="med" len="med"/>
+                    </a:lnB>
+                    <a:noFill/>
+                  </a:tcPr>
+                </a:tc>
+                <a:extLst>
+                  <a:ext uri="{0D108BD9-81ED-4DB2-BD59-A6C34878D82A}">
+                    <a16:rowId xmlns:a16="http://schemas.microsoft.com/office/drawing/2014/main" val="527210598"/>
+                  </a:ext>
+                </a:extLst>
+              </a:tr>
+              <a:tr h="370840">
+                <a:tc>
+                  <a:txBody>
+                    <a:bodyPr/>
+                    <a:lstStyle/>
+                    <a:p>
+                      <a:pPr marL="0" algn="ctr" defTabSz="914400" rtl="0" eaLnBrk="1" latinLnBrk="0" hangingPunct="1"/>
+                      <a:endParaRPr lang="en-GB" sz="1800" b="1" kern="1200" dirty="0">
+                        <a:solidFill>
+                          <a:schemeClr val="tx1"/>
+                        </a:solidFill>
+                        <a:latin typeface="+mn-lt"/>
+                        <a:ea typeface="+mn-ea"/>
+                        <a:cs typeface="+mn-cs"/>
+                      </a:endParaRPr>
+                    </a:p>
+                  </a:txBody>
+                  <a:tcPr>
+                    <a:lnL w="12700" cap="flat" cmpd="sng" algn="ctr">
+                      <a:solidFill>
+                        <a:schemeClr val="tx1"/>
+                      </a:solidFill>
+                      <a:prstDash val="solid"/>
+                      <a:round/>
+                      <a:headEnd type="none" w="med" len="med"/>
+                      <a:tailEnd type="none" w="med" len="med"/>
+                    </a:lnL>
+                    <a:lnR w="12700" cap="flat" cmpd="sng" algn="ctr">
+                      <a:solidFill>
+                        <a:schemeClr val="tx1"/>
+                      </a:solidFill>
+                      <a:prstDash val="solid"/>
+                      <a:round/>
+                      <a:headEnd type="none" w="med" len="med"/>
+                      <a:tailEnd type="none" w="med" len="med"/>
+                    </a:lnR>
+                    <a:lnT w="12700" cap="flat" cmpd="sng" algn="ctr">
+                      <a:solidFill>
+                        <a:schemeClr val="tx1"/>
+                      </a:solidFill>
+                      <a:prstDash val="solid"/>
+                      <a:round/>
+                      <a:headEnd type="none" w="med" len="med"/>
+                      <a:tailEnd type="none" w="med" len="med"/>
+                    </a:lnT>
+                    <a:lnB w="12700" cap="flat" cmpd="sng" algn="ctr">
+                      <a:solidFill>
+                        <a:schemeClr val="tx1"/>
+                      </a:solidFill>
+                      <a:prstDash val="solid"/>
+                      <a:round/>
+                      <a:headEnd type="none" w="med" len="med"/>
+                      <a:tailEnd type="none" w="med" len="med"/>
+                    </a:lnB>
+                    <a:noFill/>
+                  </a:tcPr>
+                </a:tc>
+                <a:tc>
+                  <a:txBody>
+                    <a:bodyPr/>
+                    <a:lstStyle/>
+                    <a:p>
+                      <a:pPr marL="0" algn="ctr" defTabSz="914400" rtl="0" eaLnBrk="1" latinLnBrk="0" hangingPunct="1"/>
+                      <a:r>
+                        <a:rPr lang="it-IT" sz="1800" b="1" kern="1200" dirty="0">
+                          <a:solidFill>
+                            <a:schemeClr val="tx1"/>
+                          </a:solidFill>
+                          <a:latin typeface="+mn-lt"/>
+                          <a:ea typeface="+mn-ea"/>
+                          <a:cs typeface="+mn-cs"/>
+                        </a:rPr>
+                        <a:t>A</a:t>
+                      </a:r>
+                      <a:endParaRPr lang="en-GB" sz="1800" b="1" kern="1200" dirty="0">
+                        <a:solidFill>
+                          <a:schemeClr val="tx1"/>
+                        </a:solidFill>
+                        <a:latin typeface="+mn-lt"/>
+                        <a:ea typeface="+mn-ea"/>
+                        <a:cs typeface="+mn-cs"/>
+                      </a:endParaRPr>
+                    </a:p>
+                  </a:txBody>
+                  <a:tcPr>
+                    <a:lnL w="12700" cap="flat" cmpd="sng" algn="ctr">
+                      <a:solidFill>
+                        <a:schemeClr val="tx1"/>
+                      </a:solidFill>
+                      <a:prstDash val="solid"/>
+                      <a:round/>
+                      <a:headEnd type="none" w="med" len="med"/>
+                      <a:tailEnd type="none" w="med" len="med"/>
+                    </a:lnL>
+                    <a:lnR w="12700" cap="flat" cmpd="sng" algn="ctr">
+                      <a:solidFill>
+                        <a:schemeClr val="tx1"/>
+                      </a:solidFill>
+                      <a:prstDash val="solid"/>
+                      <a:round/>
+                      <a:headEnd type="none" w="med" len="med"/>
+                      <a:tailEnd type="none" w="med" len="med"/>
+                    </a:lnR>
+                    <a:lnT w="12700" cap="flat" cmpd="sng" algn="ctr">
+                      <a:solidFill>
+                        <a:schemeClr val="tx1"/>
+                      </a:solidFill>
+                      <a:prstDash val="solid"/>
+                      <a:round/>
+                      <a:headEnd type="none" w="med" len="med"/>
+                      <a:tailEnd type="none" w="med" len="med"/>
+                    </a:lnT>
+                    <a:lnB w="12700" cap="flat" cmpd="sng" algn="ctr">
+                      <a:solidFill>
+                        <a:schemeClr val="tx1"/>
+                      </a:solidFill>
+                      <a:prstDash val="solid"/>
+                      <a:round/>
+                      <a:headEnd type="none" w="med" len="med"/>
+                      <a:tailEnd type="none" w="med" len="med"/>
+                    </a:lnB>
+                    <a:noFill/>
+                  </a:tcPr>
+                </a:tc>
+                <a:tc>
+                  <a:txBody>
+                    <a:bodyPr/>
+                    <a:lstStyle/>
+                    <a:p>
+                      <a:pPr marL="0" algn="ctr" defTabSz="914400" rtl="0" eaLnBrk="1" latinLnBrk="0" hangingPunct="1"/>
+                      <a:endParaRPr lang="en-GB" sz="1800" b="1" kern="1200" dirty="0">
+                        <a:solidFill>
+                          <a:schemeClr val="tx1"/>
+                        </a:solidFill>
+                        <a:latin typeface="+mn-lt"/>
+                        <a:ea typeface="+mn-ea"/>
+                        <a:cs typeface="+mn-cs"/>
+                      </a:endParaRPr>
+                    </a:p>
+                  </a:txBody>
+                  <a:tcPr>
+                    <a:lnL w="12700" cap="flat" cmpd="sng" algn="ctr">
+                      <a:solidFill>
+                        <a:schemeClr val="tx1"/>
+                      </a:solidFill>
+                      <a:prstDash val="solid"/>
+                      <a:round/>
+                      <a:headEnd type="none" w="med" len="med"/>
+                      <a:tailEnd type="none" w="med" len="med"/>
+                    </a:lnL>
+                    <a:lnR w="12700" cap="flat" cmpd="sng" algn="ctr">
+                      <a:solidFill>
+                        <a:schemeClr val="tx1"/>
+                      </a:solidFill>
+                      <a:prstDash val="solid"/>
+                      <a:round/>
+                      <a:headEnd type="none" w="med" len="med"/>
+                      <a:tailEnd type="none" w="med" len="med"/>
+                    </a:lnR>
+                    <a:lnT w="12700" cap="flat" cmpd="sng" algn="ctr">
+                      <a:solidFill>
+                        <a:schemeClr val="tx1"/>
+                      </a:solidFill>
+                      <a:prstDash val="solid"/>
+                      <a:round/>
+                      <a:headEnd type="none" w="med" len="med"/>
+                      <a:tailEnd type="none" w="med" len="med"/>
+                    </a:lnT>
+                    <a:lnB w="12700" cap="flat" cmpd="sng" algn="ctr">
+                      <a:solidFill>
+                        <a:schemeClr val="tx1"/>
+                      </a:solidFill>
+                      <a:prstDash val="solid"/>
+                      <a:round/>
+                      <a:headEnd type="none" w="med" len="med"/>
+                      <a:tailEnd type="none" w="med" len="med"/>
+                    </a:lnB>
+                    <a:noFill/>
+                  </a:tcPr>
+                </a:tc>
+                <a:extLst>
+                  <a:ext uri="{0D108BD9-81ED-4DB2-BD59-A6C34878D82A}">
+                    <a16:rowId xmlns:a16="http://schemas.microsoft.com/office/drawing/2014/main" val="449597499"/>
+                  </a:ext>
+                </a:extLst>
+              </a:tr>
+              <a:tr h="370840">
+                <a:tc>
+                  <a:txBody>
+                    <a:bodyPr/>
+                    <a:lstStyle/>
+                    <a:p>
+                      <a:pPr marL="0" algn="ctr" defTabSz="914400" rtl="0" eaLnBrk="1" latinLnBrk="0" hangingPunct="1"/>
+                      <a:endParaRPr lang="en-GB" sz="1800" b="1" kern="1200" dirty="0">
+                        <a:solidFill>
+                          <a:schemeClr val="tx1"/>
+                        </a:solidFill>
+                        <a:latin typeface="+mn-lt"/>
+                        <a:ea typeface="+mn-ea"/>
+                        <a:cs typeface="+mn-cs"/>
+                      </a:endParaRPr>
+                    </a:p>
+                  </a:txBody>
+                  <a:tcPr>
+                    <a:lnL w="12700" cap="flat" cmpd="sng" algn="ctr">
+                      <a:solidFill>
+                        <a:schemeClr val="tx1"/>
+                      </a:solidFill>
+                      <a:prstDash val="solid"/>
+                      <a:round/>
+                      <a:headEnd type="none" w="med" len="med"/>
+                      <a:tailEnd type="none" w="med" len="med"/>
+                    </a:lnL>
+                    <a:lnR w="12700" cap="flat" cmpd="sng" algn="ctr">
+                      <a:solidFill>
+                        <a:schemeClr val="tx1"/>
+                      </a:solidFill>
+                      <a:prstDash val="solid"/>
+                      <a:round/>
+                      <a:headEnd type="none" w="med" len="med"/>
+                      <a:tailEnd type="none" w="med" len="med"/>
+                    </a:lnR>
+                    <a:lnT w="12700" cap="flat" cmpd="sng" algn="ctr">
+                      <a:solidFill>
+                        <a:schemeClr val="tx1"/>
+                      </a:solidFill>
+                      <a:prstDash val="solid"/>
+                      <a:round/>
+                      <a:headEnd type="none" w="med" len="med"/>
+                      <a:tailEnd type="none" w="med" len="med"/>
+                    </a:lnT>
+                    <a:lnB w="12700" cap="flat" cmpd="sng" algn="ctr">
+                      <a:solidFill>
+                        <a:schemeClr val="tx1"/>
+                      </a:solidFill>
+                      <a:prstDash val="solid"/>
+                      <a:round/>
+                      <a:headEnd type="none" w="med" len="med"/>
+                      <a:tailEnd type="none" w="med" len="med"/>
+                    </a:lnB>
+                    <a:noFill/>
+                  </a:tcPr>
+                </a:tc>
+                <a:tc>
+                  <a:txBody>
+                    <a:bodyPr/>
+                    <a:lstStyle/>
+                    <a:p>
+                      <a:pPr marL="0" algn="ctr" defTabSz="914400" rtl="0" eaLnBrk="1" latinLnBrk="0" hangingPunct="1"/>
+                      <a:r>
+                        <a:rPr lang="it-IT" sz="1800" b="1" kern="1200" dirty="0">
+                          <a:solidFill>
+                            <a:schemeClr val="tx1"/>
+                          </a:solidFill>
+                          <a:latin typeface="+mn-lt"/>
+                          <a:ea typeface="+mn-ea"/>
+                          <a:cs typeface="+mn-cs"/>
+                        </a:rPr>
+                        <a:t>VCC</a:t>
+                      </a:r>
+                      <a:endParaRPr lang="en-GB" sz="1800" b="1" kern="1200" dirty="0">
+                        <a:solidFill>
+                          <a:schemeClr val="tx1"/>
+                        </a:solidFill>
+                        <a:latin typeface="+mn-lt"/>
+                        <a:ea typeface="+mn-ea"/>
+                        <a:cs typeface="+mn-cs"/>
+                      </a:endParaRPr>
+                    </a:p>
+                  </a:txBody>
+                  <a:tcPr>
+                    <a:lnL w="12700" cap="flat" cmpd="sng" algn="ctr">
+                      <a:solidFill>
+                        <a:schemeClr val="tx1"/>
+                      </a:solidFill>
+                      <a:prstDash val="solid"/>
+                      <a:round/>
+                      <a:headEnd type="none" w="med" len="med"/>
+                      <a:tailEnd type="none" w="med" len="med"/>
+                    </a:lnL>
+                    <a:lnR w="12700" cap="flat" cmpd="sng" algn="ctr">
+                      <a:solidFill>
+                        <a:schemeClr val="tx1"/>
+                      </a:solidFill>
+                      <a:prstDash val="solid"/>
+                      <a:round/>
+                      <a:headEnd type="none" w="med" len="med"/>
+                      <a:tailEnd type="none" w="med" len="med"/>
+                    </a:lnR>
+                    <a:lnT w="12700" cap="flat" cmpd="sng" algn="ctr">
+                      <a:solidFill>
+                        <a:schemeClr val="tx1"/>
+                      </a:solidFill>
+                      <a:prstDash val="solid"/>
+                      <a:round/>
+                      <a:headEnd type="none" w="med" len="med"/>
+                      <a:tailEnd type="none" w="med" len="med"/>
+                    </a:lnT>
+                    <a:lnB w="12700" cap="flat" cmpd="sng" algn="ctr">
+                      <a:solidFill>
+                        <a:schemeClr val="tx1"/>
+                      </a:solidFill>
+                      <a:prstDash val="solid"/>
+                      <a:round/>
+                      <a:headEnd type="none" w="med" len="med"/>
+                      <a:tailEnd type="none" w="med" len="med"/>
+                    </a:lnB>
+                    <a:noFill/>
+                  </a:tcPr>
+                </a:tc>
+                <a:tc>
+                  <a:txBody>
+                    <a:bodyPr/>
+                    <a:lstStyle/>
+                    <a:p>
+                      <a:pPr marL="0" algn="ctr" defTabSz="914400" rtl="0" eaLnBrk="1" latinLnBrk="0" hangingPunct="1"/>
+                      <a:endParaRPr lang="en-GB" sz="1800" b="1" kern="1200" dirty="0">
+                        <a:solidFill>
+                          <a:schemeClr val="tx1"/>
+                        </a:solidFill>
+                        <a:latin typeface="+mn-lt"/>
+                        <a:ea typeface="+mn-ea"/>
+                        <a:cs typeface="+mn-cs"/>
+                      </a:endParaRPr>
+                    </a:p>
+                  </a:txBody>
+                  <a:tcPr>
+                    <a:lnL w="12700" cap="flat" cmpd="sng" algn="ctr">
+                      <a:solidFill>
+                        <a:schemeClr val="tx1"/>
+                      </a:solidFill>
+                      <a:prstDash val="solid"/>
+                      <a:round/>
+                      <a:headEnd type="none" w="med" len="med"/>
+                      <a:tailEnd type="none" w="med" len="med"/>
+                    </a:lnL>
+                    <a:lnR w="12700" cap="flat" cmpd="sng" algn="ctr">
+                      <a:solidFill>
+                        <a:schemeClr val="tx1"/>
+                      </a:solidFill>
+                      <a:prstDash val="solid"/>
+                      <a:round/>
+                      <a:headEnd type="none" w="med" len="med"/>
+                      <a:tailEnd type="none" w="med" len="med"/>
+                    </a:lnR>
+                    <a:lnT w="12700" cap="flat" cmpd="sng" algn="ctr">
+                      <a:solidFill>
+                        <a:schemeClr val="tx1"/>
+                      </a:solidFill>
+                      <a:prstDash val="solid"/>
+                      <a:round/>
+                      <a:headEnd type="none" w="med" len="med"/>
+                      <a:tailEnd type="none" w="med" len="med"/>
+                    </a:lnT>
+                    <a:lnB w="12700" cap="flat" cmpd="sng" algn="ctr">
+                      <a:solidFill>
+                        <a:schemeClr val="tx1"/>
+                      </a:solidFill>
+                      <a:prstDash val="solid"/>
+                      <a:round/>
+                      <a:headEnd type="none" w="med" len="med"/>
+                      <a:tailEnd type="none" w="med" len="med"/>
+                    </a:lnB>
+                    <a:noFill/>
+                  </a:tcPr>
+                </a:tc>
+                <a:extLst>
+                  <a:ext uri="{0D108BD9-81ED-4DB2-BD59-A6C34878D82A}">
+                    <a16:rowId xmlns:a16="http://schemas.microsoft.com/office/drawing/2014/main" val="1065075243"/>
+                  </a:ext>
+                </a:extLst>
+              </a:tr>
+              <a:tr h="370840">
+                <a:tc>
+                  <a:txBody>
+                    <a:bodyPr/>
+                    <a:lstStyle/>
+                    <a:p>
+                      <a:pPr marL="0" algn="ctr" defTabSz="914400" rtl="0" eaLnBrk="1" latinLnBrk="0" hangingPunct="1"/>
+                      <a:endParaRPr lang="en-GB" sz="1800" b="1" kern="1200" dirty="0">
+                        <a:solidFill>
+                          <a:schemeClr val="tx1"/>
+                        </a:solidFill>
+                        <a:latin typeface="+mn-lt"/>
+                        <a:ea typeface="+mn-ea"/>
+                        <a:cs typeface="+mn-cs"/>
+                      </a:endParaRPr>
+                    </a:p>
+                  </a:txBody>
+                  <a:tcPr>
+                    <a:lnL w="12700" cap="flat" cmpd="sng" algn="ctr">
+                      <a:solidFill>
+                        <a:schemeClr val="tx1"/>
+                      </a:solidFill>
+                      <a:prstDash val="solid"/>
+                      <a:round/>
+                      <a:headEnd type="none" w="med" len="med"/>
+                      <a:tailEnd type="none" w="med" len="med"/>
+                    </a:lnL>
+                    <a:lnR w="12700" cap="flat" cmpd="sng" algn="ctr">
+                      <a:solidFill>
+                        <a:schemeClr val="tx1"/>
+                      </a:solidFill>
+                      <a:prstDash val="solid"/>
+                      <a:round/>
+                      <a:headEnd type="none" w="med" len="med"/>
+                      <a:tailEnd type="none" w="med" len="med"/>
+                    </a:lnR>
+                    <a:lnT w="12700" cap="flat" cmpd="sng" algn="ctr">
+                      <a:solidFill>
+                        <a:schemeClr val="tx1"/>
+                      </a:solidFill>
+                      <a:prstDash val="solid"/>
+                      <a:round/>
+                      <a:headEnd type="none" w="med" len="med"/>
+                      <a:tailEnd type="none" w="med" len="med"/>
+                    </a:lnT>
+                    <a:lnB w="12700" cap="flat" cmpd="sng" algn="ctr">
+                      <a:solidFill>
+                        <a:schemeClr val="tx1"/>
+                      </a:solidFill>
+                      <a:prstDash val="solid"/>
+                      <a:round/>
+                      <a:headEnd type="none" w="med" len="med"/>
+                      <a:tailEnd type="none" w="med" len="med"/>
+                    </a:lnB>
+                    <a:noFill/>
+                  </a:tcPr>
+                </a:tc>
+                <a:tc>
+                  <a:txBody>
+                    <a:bodyPr/>
+                    <a:lstStyle/>
+                    <a:p>
+                      <a:pPr marL="0" algn="ctr" defTabSz="914400" rtl="0" eaLnBrk="1" latinLnBrk="0" hangingPunct="1"/>
+                      <a:r>
+                        <a:rPr lang="it-IT" sz="1800" b="1" kern="1200" dirty="0">
+                          <a:solidFill>
+                            <a:schemeClr val="tx1"/>
+                          </a:solidFill>
+                          <a:latin typeface="+mn-lt"/>
+                          <a:ea typeface="+mn-ea"/>
+                          <a:cs typeface="+mn-cs"/>
+                        </a:rPr>
+                        <a:t>GND</a:t>
+                      </a:r>
+                      <a:endParaRPr lang="en-GB" sz="1800" b="1" kern="1200" dirty="0">
+                        <a:solidFill>
+                          <a:schemeClr val="tx1"/>
+                        </a:solidFill>
+                        <a:latin typeface="+mn-lt"/>
+                        <a:ea typeface="+mn-ea"/>
+                        <a:cs typeface="+mn-cs"/>
+                      </a:endParaRPr>
+                    </a:p>
+                  </a:txBody>
+                  <a:tcPr>
+                    <a:lnL w="12700" cap="flat" cmpd="sng" algn="ctr">
+                      <a:solidFill>
+                        <a:schemeClr val="tx1"/>
+                      </a:solidFill>
+                      <a:prstDash val="solid"/>
+                      <a:round/>
+                      <a:headEnd type="none" w="med" len="med"/>
+                      <a:tailEnd type="none" w="med" len="med"/>
+                    </a:lnL>
+                    <a:lnR w="12700" cap="flat" cmpd="sng" algn="ctr">
+                      <a:solidFill>
+                        <a:schemeClr val="tx1"/>
+                      </a:solidFill>
+                      <a:prstDash val="solid"/>
+                      <a:round/>
+                      <a:headEnd type="none" w="med" len="med"/>
+                      <a:tailEnd type="none" w="med" len="med"/>
+                    </a:lnR>
+                    <a:lnT w="12700" cap="flat" cmpd="sng" algn="ctr">
+                      <a:solidFill>
+                        <a:schemeClr val="tx1"/>
+                      </a:solidFill>
+                      <a:prstDash val="solid"/>
+                      <a:round/>
+                      <a:headEnd type="none" w="med" len="med"/>
+                      <a:tailEnd type="none" w="med" len="med"/>
+                    </a:lnT>
+                    <a:lnB w="12700" cap="flat" cmpd="sng" algn="ctr">
+                      <a:solidFill>
+                        <a:schemeClr val="tx1"/>
+                      </a:solidFill>
+                      <a:prstDash val="solid"/>
+                      <a:round/>
+                      <a:headEnd type="none" w="med" len="med"/>
+                      <a:tailEnd type="none" w="med" len="med"/>
+                    </a:lnB>
+                    <a:noFill/>
+                  </a:tcPr>
+                </a:tc>
+                <a:tc>
+                  <a:txBody>
+                    <a:bodyPr/>
+                    <a:lstStyle/>
+                    <a:p>
+                      <a:pPr marL="0" algn="ctr" defTabSz="914400" rtl="0" eaLnBrk="1" latinLnBrk="0" hangingPunct="1"/>
+                      <a:endParaRPr lang="en-GB" sz="1800" b="1" kern="1200" dirty="0">
+                        <a:solidFill>
+                          <a:schemeClr val="tx1"/>
+                        </a:solidFill>
+                        <a:latin typeface="+mn-lt"/>
+                        <a:ea typeface="+mn-ea"/>
+                        <a:cs typeface="+mn-cs"/>
+                      </a:endParaRPr>
+                    </a:p>
+                  </a:txBody>
+                  <a:tcPr>
+                    <a:lnL w="12700" cap="flat" cmpd="sng" algn="ctr">
+                      <a:solidFill>
+                        <a:schemeClr val="tx1"/>
+                      </a:solidFill>
+                      <a:prstDash val="solid"/>
+                      <a:round/>
+                      <a:headEnd type="none" w="med" len="med"/>
+                      <a:tailEnd type="none" w="med" len="med"/>
+                    </a:lnL>
+                    <a:lnR w="12700" cap="flat" cmpd="sng" algn="ctr">
+                      <a:solidFill>
+                        <a:schemeClr val="tx1"/>
+                      </a:solidFill>
+                      <a:prstDash val="solid"/>
+                      <a:round/>
+                      <a:headEnd type="none" w="med" len="med"/>
+                      <a:tailEnd type="none" w="med" len="med"/>
+                    </a:lnR>
+                    <a:lnT w="12700" cap="flat" cmpd="sng" algn="ctr">
+                      <a:solidFill>
+                        <a:schemeClr val="tx1"/>
+                      </a:solidFill>
+                      <a:prstDash val="solid"/>
+                      <a:round/>
+                      <a:headEnd type="none" w="med" len="med"/>
+                      <a:tailEnd type="none" w="med" len="med"/>
+                    </a:lnT>
+                    <a:lnB w="12700" cap="flat" cmpd="sng" algn="ctr">
+                      <a:solidFill>
+                        <a:schemeClr val="tx1"/>
+                      </a:solidFill>
+                      <a:prstDash val="solid"/>
+                      <a:round/>
+                      <a:headEnd type="none" w="med" len="med"/>
+                      <a:tailEnd type="none" w="med" len="med"/>
+                    </a:lnB>
+                    <a:noFill/>
+                  </a:tcPr>
+                </a:tc>
+                <a:extLst>
+                  <a:ext uri="{0D108BD9-81ED-4DB2-BD59-A6C34878D82A}">
+                    <a16:rowId xmlns:a16="http://schemas.microsoft.com/office/drawing/2014/main" val="289679875"/>
+                  </a:ext>
+                </a:extLst>
+              </a:tr>
+            </a:tbl>
+          </a:graphicData>
+        </a:graphic>
+      </p:graphicFrame>
+      <p:sp>
+        <p:nvSpPr>
+          <p:cNvPr id="8" name="CasellaDiTesto 7">
+            <a:extLst>
+              <a:ext uri="{FF2B5EF4-FFF2-40B4-BE49-F238E27FC236}">
+                <a16:creationId xmlns:a16="http://schemas.microsoft.com/office/drawing/2014/main" id="{8D1531F3-7014-961C-72AE-3B58D80F81F7}"/>
+              </a:ext>
+            </a:extLst>
+          </p:cNvPr>
+          <p:cNvSpPr txBox="1"/>
+          <p:nvPr/>
+        </p:nvSpPr>
+        <p:spPr>
+          <a:xfrm>
+            <a:off x="5206448" y="2350814"/>
+            <a:ext cx="1779104" cy="369332"/>
+          </a:xfrm>
+          <a:prstGeom prst="rect">
+            <a:avLst/>
+          </a:prstGeom>
+          <a:noFill/>
+        </p:spPr>
+        <p:txBody>
+          <a:bodyPr wrap="square" rtlCol="0">
+            <a:spAutoFit/>
+          </a:bodyPr>
+          <a:lstStyle/>
+          <a:p>
+            <a:pPr algn="ctr"/>
+            <a:r>
+              <a:rPr lang="it-IT" dirty="0"/>
+              <a:t>MAX 485</a:t>
+            </a:r>
+            <a:endParaRPr lang="en-GB" dirty="0"/>
+          </a:p>
+        </p:txBody>
+      </p:sp>
+      <p:graphicFrame>
+        <p:nvGraphicFramePr>
+          <p:cNvPr id="9" name="Segnaposto contenuto 3">
+            <a:extLst>
+              <a:ext uri="{FF2B5EF4-FFF2-40B4-BE49-F238E27FC236}">
+                <a16:creationId xmlns:a16="http://schemas.microsoft.com/office/drawing/2014/main" id="{B47A0793-8996-9A65-C3C6-EE920DA0FFB9}"/>
+              </a:ext>
+            </a:extLst>
+          </p:cNvPr>
+          <p:cNvGraphicFramePr>
+            <a:graphicFrameLocks/>
+          </p:cNvGraphicFramePr>
+          <p:nvPr>
+            <p:extLst>
+              <p:ext uri="{D42A27DB-BD31-4B8C-83A1-F6EECF244321}">
+                <p14:modId xmlns:p14="http://schemas.microsoft.com/office/powerpoint/2010/main" val="4237700967"/>
+              </p:ext>
+            </p:extLst>
+          </p:nvPr>
+        </p:nvGraphicFramePr>
+        <p:xfrm>
+          <a:off x="9438860" y="2740824"/>
+          <a:ext cx="2325248" cy="3017520"/>
+        </p:xfrm>
+        <a:graphic>
+          <a:graphicData uri="http://schemas.openxmlformats.org/drawingml/2006/table">
+            <a:tbl>
+              <a:tblPr firstRow="1" bandRow="1">
+                <a:tableStyleId>{5C22544A-7EE6-4342-B048-85BDC9FD1C3A}</a:tableStyleId>
+              </a:tblPr>
+              <a:tblGrid>
+                <a:gridCol w="571966">
+                  <a:extLst>
+                    <a:ext uri="{9D8B030D-6E8A-4147-A177-3AD203B41FA5}">
+                      <a16:colId xmlns:a16="http://schemas.microsoft.com/office/drawing/2014/main" val="3363426028"/>
+                    </a:ext>
+                  </a:extLst>
+                </a:gridCol>
+                <a:gridCol w="467970">
+                  <a:extLst>
+                    <a:ext uri="{9D8B030D-6E8A-4147-A177-3AD203B41FA5}">
+                      <a16:colId xmlns:a16="http://schemas.microsoft.com/office/drawing/2014/main" val="674531334"/>
+                    </a:ext>
+                  </a:extLst>
+                </a:gridCol>
+                <a:gridCol w="1285312">
+                  <a:extLst>
+                    <a:ext uri="{9D8B030D-6E8A-4147-A177-3AD203B41FA5}">
+                      <a16:colId xmlns:a16="http://schemas.microsoft.com/office/drawing/2014/main" val="888482125"/>
+                    </a:ext>
+                  </a:extLst>
+                </a:gridCol>
+              </a:tblGrid>
+              <a:tr h="370840">
+                <a:tc>
+                  <a:txBody>
+                    <a:bodyPr/>
+                    <a:lstStyle/>
+                    <a:p>
+                      <a:pPr marL="0" algn="ctr" defTabSz="914400" rtl="0" eaLnBrk="1" latinLnBrk="0" hangingPunct="1"/>
+                      <a:endParaRPr lang="en-GB" sz="1800" b="1" kern="1200" dirty="0">
+                        <a:solidFill>
+                          <a:schemeClr val="tx1"/>
+                        </a:solidFill>
+                        <a:latin typeface="+mn-lt"/>
+                        <a:ea typeface="+mn-ea"/>
+                        <a:cs typeface="+mn-cs"/>
+                      </a:endParaRPr>
+                    </a:p>
+                  </a:txBody>
+                  <a:tcPr>
+                    <a:lnL w="12700" cap="flat" cmpd="sng" algn="ctr">
+                      <a:solidFill>
+                        <a:schemeClr val="tx1"/>
+                      </a:solidFill>
+                      <a:prstDash val="solid"/>
+                      <a:round/>
+                      <a:headEnd type="none" w="med" len="med"/>
+                      <a:tailEnd type="none" w="med" len="med"/>
+                    </a:lnL>
+                    <a:lnR w="12700" cap="flat" cmpd="sng" algn="ctr">
+                      <a:solidFill>
+                        <a:schemeClr val="tx1"/>
+                      </a:solidFill>
+                      <a:prstDash val="solid"/>
+                      <a:round/>
+                      <a:headEnd type="none" w="med" len="med"/>
+                      <a:tailEnd type="none" w="med" len="med"/>
+                    </a:lnR>
+                    <a:lnT w="12700" cap="flat" cmpd="sng" algn="ctr">
+                      <a:solidFill>
+                        <a:schemeClr val="tx1"/>
+                      </a:solidFill>
+                      <a:prstDash val="solid"/>
+                      <a:round/>
+                      <a:headEnd type="none" w="med" len="med"/>
+                      <a:tailEnd type="none" w="med" len="med"/>
+                    </a:lnT>
+                    <a:lnB w="12700" cap="flat" cmpd="sng" algn="ctr">
+                      <a:solidFill>
+                        <a:schemeClr val="tx1"/>
+                      </a:solidFill>
+                      <a:prstDash val="solid"/>
+                      <a:round/>
+                      <a:headEnd type="none" w="med" len="med"/>
+                      <a:tailEnd type="none" w="med" len="med"/>
+                    </a:lnB>
+                    <a:noFill/>
+                  </a:tcPr>
+                </a:tc>
+                <a:tc>
+                  <a:txBody>
+                    <a:bodyPr/>
+                    <a:lstStyle/>
+                    <a:p>
+                      <a:pPr marL="0" algn="ctr" defTabSz="914400" rtl="0" eaLnBrk="1" latinLnBrk="0" hangingPunct="1"/>
+                      <a:r>
+                        <a:rPr lang="it-IT" sz="1800" b="1" kern="1200" dirty="0">
+                          <a:solidFill>
+                            <a:schemeClr val="tx1"/>
+                          </a:solidFill>
+                          <a:latin typeface="+mn-lt"/>
+                          <a:ea typeface="+mn-ea"/>
+                          <a:cs typeface="+mn-cs"/>
+                        </a:rPr>
+                        <a:t>1</a:t>
+                      </a:r>
+                      <a:endParaRPr lang="en-GB" sz="1800" b="1" kern="1200" dirty="0">
+                        <a:solidFill>
+                          <a:schemeClr val="tx1"/>
+                        </a:solidFill>
+                        <a:latin typeface="+mn-lt"/>
+                        <a:ea typeface="+mn-ea"/>
+                        <a:cs typeface="+mn-cs"/>
+                      </a:endParaRPr>
+                    </a:p>
+                  </a:txBody>
+                  <a:tcPr>
+                    <a:lnL w="12700" cap="flat" cmpd="sng" algn="ctr">
+                      <a:solidFill>
+                        <a:schemeClr val="tx1"/>
+                      </a:solidFill>
+                      <a:prstDash val="solid"/>
+                      <a:round/>
+                      <a:headEnd type="none" w="med" len="med"/>
+                      <a:tailEnd type="none" w="med" len="med"/>
+                    </a:lnL>
+                    <a:lnR w="12700" cap="flat" cmpd="sng" algn="ctr">
+                      <a:solidFill>
+                        <a:schemeClr val="tx1"/>
+                      </a:solidFill>
+                      <a:prstDash val="solid"/>
+                      <a:round/>
+                      <a:headEnd type="none" w="med" len="med"/>
+                      <a:tailEnd type="none" w="med" len="med"/>
+                    </a:lnR>
+                    <a:lnT w="12700" cap="flat" cmpd="sng" algn="ctr">
+                      <a:solidFill>
+                        <a:schemeClr val="tx1"/>
+                      </a:solidFill>
+                      <a:prstDash val="solid"/>
+                      <a:round/>
+                      <a:headEnd type="none" w="med" len="med"/>
+                      <a:tailEnd type="none" w="med" len="med"/>
+                    </a:lnT>
+                    <a:lnB w="12700" cap="flat" cmpd="sng" algn="ctr">
+                      <a:solidFill>
+                        <a:schemeClr val="tx1"/>
+                      </a:solidFill>
+                      <a:prstDash val="solid"/>
+                      <a:round/>
+                      <a:headEnd type="none" w="med" len="med"/>
+                      <a:tailEnd type="none" w="med" len="med"/>
+                    </a:lnB>
+                    <a:noFill/>
+                  </a:tcPr>
+                </a:tc>
+                <a:tc>
+                  <a:txBody>
+                    <a:bodyPr/>
+                    <a:lstStyle/>
+                    <a:p>
+                      <a:pPr marL="0" algn="ctr" defTabSz="914400" rtl="0" eaLnBrk="1" latinLnBrk="0" hangingPunct="1"/>
+                      <a:r>
+                        <a:rPr lang="it-IT" sz="1000" b="1" kern="1200" dirty="0">
+                          <a:solidFill>
+                            <a:schemeClr val="tx1"/>
+                          </a:solidFill>
+                          <a:latin typeface="+mn-lt"/>
+                          <a:ea typeface="+mn-ea"/>
+                          <a:cs typeface="+mn-cs"/>
+                        </a:rPr>
+                        <a:t>Power Supply output (7.5V)</a:t>
+                      </a:r>
+                      <a:endParaRPr lang="en-GB" sz="1000" b="1" kern="1200" dirty="0">
+                        <a:solidFill>
+                          <a:schemeClr val="tx1"/>
+                        </a:solidFill>
+                        <a:latin typeface="+mn-lt"/>
+                        <a:ea typeface="+mn-ea"/>
+                        <a:cs typeface="+mn-cs"/>
+                      </a:endParaRPr>
+                    </a:p>
+                  </a:txBody>
+                  <a:tcPr>
+                    <a:lnL w="12700" cap="flat" cmpd="sng" algn="ctr">
+                      <a:solidFill>
+                        <a:schemeClr val="tx1"/>
+                      </a:solidFill>
+                      <a:prstDash val="solid"/>
+                      <a:round/>
+                      <a:headEnd type="none" w="med" len="med"/>
+                      <a:tailEnd type="none" w="med" len="med"/>
+                    </a:lnL>
+                    <a:lnR w="12700" cap="flat" cmpd="sng" algn="ctr">
+                      <a:solidFill>
+                        <a:schemeClr val="tx1"/>
+                      </a:solidFill>
+                      <a:prstDash val="solid"/>
+                      <a:round/>
+                      <a:headEnd type="none" w="med" len="med"/>
+                      <a:tailEnd type="none" w="med" len="med"/>
+                    </a:lnR>
+                    <a:lnT w="12700" cap="flat" cmpd="sng" algn="ctr">
+                      <a:solidFill>
+                        <a:schemeClr val="tx1"/>
+                      </a:solidFill>
+                      <a:prstDash val="solid"/>
+                      <a:round/>
+                      <a:headEnd type="none" w="med" len="med"/>
+                      <a:tailEnd type="none" w="med" len="med"/>
+                    </a:lnT>
+                    <a:lnB w="12700" cap="flat" cmpd="sng" algn="ctr">
+                      <a:solidFill>
+                        <a:schemeClr val="tx1"/>
+                      </a:solidFill>
+                      <a:prstDash val="solid"/>
+                      <a:round/>
+                      <a:headEnd type="none" w="med" len="med"/>
+                      <a:tailEnd type="none" w="med" len="med"/>
+                    </a:lnB>
+                    <a:noFill/>
+                  </a:tcPr>
+                </a:tc>
+                <a:extLst>
+                  <a:ext uri="{0D108BD9-81ED-4DB2-BD59-A6C34878D82A}">
+                    <a16:rowId xmlns:a16="http://schemas.microsoft.com/office/drawing/2014/main" val="3552436575"/>
+                  </a:ext>
+                </a:extLst>
+              </a:tr>
+              <a:tr h="370840">
+                <a:tc>
+                  <a:txBody>
+                    <a:bodyPr/>
+                    <a:lstStyle/>
+                    <a:p>
+                      <a:pPr marL="0" algn="ctr" defTabSz="914400" rtl="0" eaLnBrk="1" latinLnBrk="0" hangingPunct="1"/>
+                      <a:endParaRPr lang="en-GB" sz="1800" b="1" kern="1200">
+                        <a:solidFill>
+                          <a:schemeClr val="tx1"/>
+                        </a:solidFill>
+                        <a:latin typeface="+mn-lt"/>
+                        <a:ea typeface="+mn-ea"/>
+                        <a:cs typeface="+mn-cs"/>
+                      </a:endParaRPr>
+                    </a:p>
+                  </a:txBody>
+                  <a:tcPr>
+                    <a:lnL w="12700" cap="flat" cmpd="sng" algn="ctr">
+                      <a:solidFill>
+                        <a:schemeClr val="tx1"/>
+                      </a:solidFill>
+                      <a:prstDash val="solid"/>
+                      <a:round/>
+                      <a:headEnd type="none" w="med" len="med"/>
+                      <a:tailEnd type="none" w="med" len="med"/>
+                    </a:lnL>
+                    <a:lnR w="12700" cap="flat" cmpd="sng" algn="ctr">
+                      <a:solidFill>
+                        <a:schemeClr val="tx1"/>
+                      </a:solidFill>
+                      <a:prstDash val="solid"/>
+                      <a:round/>
+                      <a:headEnd type="none" w="med" len="med"/>
+                      <a:tailEnd type="none" w="med" len="med"/>
+                    </a:lnR>
+                    <a:lnT w="12700" cap="flat" cmpd="sng" algn="ctr">
+                      <a:solidFill>
+                        <a:schemeClr val="tx1"/>
+                      </a:solidFill>
+                      <a:prstDash val="solid"/>
+                      <a:round/>
+                      <a:headEnd type="none" w="med" len="med"/>
+                      <a:tailEnd type="none" w="med" len="med"/>
+                    </a:lnT>
+                    <a:lnB w="12700" cap="flat" cmpd="sng" algn="ctr">
+                      <a:solidFill>
+                        <a:schemeClr val="tx1"/>
+                      </a:solidFill>
+                      <a:prstDash val="solid"/>
+                      <a:round/>
+                      <a:headEnd type="none" w="med" len="med"/>
+                      <a:tailEnd type="none" w="med" len="med"/>
+                    </a:lnB>
+                    <a:noFill/>
+                  </a:tcPr>
+                </a:tc>
+                <a:tc>
+                  <a:txBody>
+                    <a:bodyPr/>
+                    <a:lstStyle/>
+                    <a:p>
+                      <a:pPr marL="0" algn="ctr" defTabSz="914400" rtl="0" eaLnBrk="1" latinLnBrk="0" hangingPunct="1"/>
+                      <a:r>
+                        <a:rPr lang="it-IT" sz="1800" b="1" kern="1200" dirty="0">
+                          <a:solidFill>
+                            <a:schemeClr val="tx1"/>
+                          </a:solidFill>
+                          <a:latin typeface="+mn-lt"/>
+                          <a:ea typeface="+mn-ea"/>
+                          <a:cs typeface="+mn-cs"/>
+                        </a:rPr>
+                        <a:t>2</a:t>
+                      </a:r>
+                      <a:endParaRPr lang="en-GB" sz="1800" b="1" kern="1200" dirty="0">
+                        <a:solidFill>
+                          <a:schemeClr val="tx1"/>
+                        </a:solidFill>
+                        <a:latin typeface="+mn-lt"/>
+                        <a:ea typeface="+mn-ea"/>
+                        <a:cs typeface="+mn-cs"/>
+                      </a:endParaRPr>
+                    </a:p>
+                  </a:txBody>
+                  <a:tcPr>
+                    <a:lnL w="12700" cap="flat" cmpd="sng" algn="ctr">
+                      <a:solidFill>
+                        <a:schemeClr val="tx1"/>
+                      </a:solidFill>
+                      <a:prstDash val="solid"/>
+                      <a:round/>
+                      <a:headEnd type="none" w="med" len="med"/>
+                      <a:tailEnd type="none" w="med" len="med"/>
+                    </a:lnL>
+                    <a:lnR w="12700" cap="flat" cmpd="sng" algn="ctr">
+                      <a:solidFill>
+                        <a:schemeClr val="tx1"/>
+                      </a:solidFill>
+                      <a:prstDash val="solid"/>
+                      <a:round/>
+                      <a:headEnd type="none" w="med" len="med"/>
+                      <a:tailEnd type="none" w="med" len="med"/>
+                    </a:lnR>
+                    <a:lnT w="12700" cap="flat" cmpd="sng" algn="ctr">
+                      <a:solidFill>
+                        <a:schemeClr val="tx1"/>
+                      </a:solidFill>
+                      <a:prstDash val="solid"/>
+                      <a:round/>
+                      <a:headEnd type="none" w="med" len="med"/>
+                      <a:tailEnd type="none" w="med" len="med"/>
+                    </a:lnT>
+                    <a:lnB w="12700" cap="flat" cmpd="sng" algn="ctr">
+                      <a:solidFill>
+                        <a:schemeClr val="tx1"/>
+                      </a:solidFill>
+                      <a:prstDash val="solid"/>
+                      <a:round/>
+                      <a:headEnd type="none" w="med" len="med"/>
+                      <a:tailEnd type="none" w="med" len="med"/>
+                    </a:lnB>
+                    <a:noFill/>
+                  </a:tcPr>
+                </a:tc>
+                <a:tc>
+                  <a:txBody>
+                    <a:bodyPr/>
+                    <a:lstStyle/>
+                    <a:p>
+                      <a:pPr marL="0" algn="ctr" defTabSz="914400" rtl="0" eaLnBrk="1" latinLnBrk="0" hangingPunct="1"/>
+                      <a:r>
+                        <a:rPr lang="en-GB" sz="1000" b="1" kern="1200" dirty="0">
+                          <a:solidFill>
+                            <a:schemeClr val="tx1"/>
+                          </a:solidFill>
+                          <a:latin typeface="+mn-lt"/>
+                          <a:ea typeface="+mn-ea"/>
+                          <a:cs typeface="+mn-cs"/>
+                        </a:rPr>
+                        <a:t>Power Supply output (7.5V)</a:t>
+                      </a:r>
+                    </a:p>
+                  </a:txBody>
+                  <a:tcPr>
+                    <a:lnL w="12700" cap="flat" cmpd="sng" algn="ctr">
+                      <a:solidFill>
+                        <a:schemeClr val="tx1"/>
+                      </a:solidFill>
+                      <a:prstDash val="solid"/>
+                      <a:round/>
+                      <a:headEnd type="none" w="med" len="med"/>
+                      <a:tailEnd type="none" w="med" len="med"/>
+                    </a:lnL>
+                    <a:lnR w="12700" cap="flat" cmpd="sng" algn="ctr">
+                      <a:solidFill>
+                        <a:schemeClr val="tx1"/>
+                      </a:solidFill>
+                      <a:prstDash val="solid"/>
+                      <a:round/>
+                      <a:headEnd type="none" w="med" len="med"/>
+                      <a:tailEnd type="none" w="med" len="med"/>
+                    </a:lnR>
+                    <a:lnT w="12700" cap="flat" cmpd="sng" algn="ctr">
+                      <a:solidFill>
+                        <a:schemeClr val="tx1"/>
+                      </a:solidFill>
+                      <a:prstDash val="solid"/>
+                      <a:round/>
+                      <a:headEnd type="none" w="med" len="med"/>
+                      <a:tailEnd type="none" w="med" len="med"/>
+                    </a:lnT>
+                    <a:lnB w="12700" cap="flat" cmpd="sng" algn="ctr">
+                      <a:solidFill>
+                        <a:schemeClr val="tx1"/>
+                      </a:solidFill>
+                      <a:prstDash val="solid"/>
+                      <a:round/>
+                      <a:headEnd type="none" w="med" len="med"/>
+                      <a:tailEnd type="none" w="med" len="med"/>
+                    </a:lnB>
+                    <a:noFill/>
+                  </a:tcPr>
+                </a:tc>
+                <a:extLst>
+                  <a:ext uri="{0D108BD9-81ED-4DB2-BD59-A6C34878D82A}">
+                    <a16:rowId xmlns:a16="http://schemas.microsoft.com/office/drawing/2014/main" val="2858923362"/>
+                  </a:ext>
+                </a:extLst>
+              </a:tr>
+              <a:tr h="370840">
+                <a:tc>
+                  <a:txBody>
+                    <a:bodyPr/>
+                    <a:lstStyle/>
+                    <a:p>
+                      <a:pPr marL="0" algn="ctr" defTabSz="914400" rtl="0" eaLnBrk="1" latinLnBrk="0" hangingPunct="1"/>
+                      <a:endParaRPr lang="en-GB" sz="1800" b="1" kern="1200">
+                        <a:solidFill>
+                          <a:schemeClr val="tx1"/>
+                        </a:solidFill>
+                        <a:latin typeface="+mn-lt"/>
+                        <a:ea typeface="+mn-ea"/>
+                        <a:cs typeface="+mn-cs"/>
+                      </a:endParaRPr>
+                    </a:p>
+                  </a:txBody>
+                  <a:tcPr>
+                    <a:lnL w="12700" cap="flat" cmpd="sng" algn="ctr">
+                      <a:solidFill>
+                        <a:schemeClr val="tx1"/>
+                      </a:solidFill>
+                      <a:prstDash val="solid"/>
+                      <a:round/>
+                      <a:headEnd type="none" w="med" len="med"/>
+                      <a:tailEnd type="none" w="med" len="med"/>
+                    </a:lnL>
+                    <a:lnR w="12700" cap="flat" cmpd="sng" algn="ctr">
+                      <a:solidFill>
+                        <a:schemeClr val="tx1"/>
+                      </a:solidFill>
+                      <a:prstDash val="solid"/>
+                      <a:round/>
+                      <a:headEnd type="none" w="med" len="med"/>
+                      <a:tailEnd type="none" w="med" len="med"/>
+                    </a:lnR>
+                    <a:lnT w="12700" cap="flat" cmpd="sng" algn="ctr">
+                      <a:solidFill>
+                        <a:schemeClr val="tx1"/>
+                      </a:solidFill>
+                      <a:prstDash val="solid"/>
+                      <a:round/>
+                      <a:headEnd type="none" w="med" len="med"/>
+                      <a:tailEnd type="none" w="med" len="med"/>
+                    </a:lnT>
+                    <a:lnB w="12700" cap="flat" cmpd="sng" algn="ctr">
+                      <a:solidFill>
+                        <a:schemeClr val="tx1"/>
+                      </a:solidFill>
+                      <a:prstDash val="solid"/>
+                      <a:round/>
+                      <a:headEnd type="none" w="med" len="med"/>
+                      <a:tailEnd type="none" w="med" len="med"/>
+                    </a:lnB>
+                    <a:noFill/>
+                  </a:tcPr>
+                </a:tc>
+                <a:tc>
+                  <a:txBody>
+                    <a:bodyPr/>
+                    <a:lstStyle/>
+                    <a:p>
+                      <a:pPr marL="0" algn="ctr" defTabSz="914400" rtl="0" eaLnBrk="1" latinLnBrk="0" hangingPunct="1"/>
+                      <a:r>
+                        <a:rPr lang="it-IT" sz="1800" b="1" kern="1200" dirty="0">
+                          <a:solidFill>
+                            <a:schemeClr val="tx1"/>
+                          </a:solidFill>
+                          <a:latin typeface="+mn-lt"/>
+                          <a:ea typeface="+mn-ea"/>
+                          <a:cs typeface="+mn-cs"/>
+                        </a:rPr>
+                        <a:t>3</a:t>
+                      </a:r>
+                      <a:endParaRPr lang="en-GB" sz="1800" b="1" kern="1200" dirty="0">
+                        <a:solidFill>
+                          <a:schemeClr val="tx1"/>
+                        </a:solidFill>
+                        <a:latin typeface="+mn-lt"/>
+                        <a:ea typeface="+mn-ea"/>
+                        <a:cs typeface="+mn-cs"/>
+                      </a:endParaRPr>
+                    </a:p>
+                  </a:txBody>
+                  <a:tcPr>
+                    <a:lnL w="12700" cap="flat" cmpd="sng" algn="ctr">
+                      <a:solidFill>
+                        <a:schemeClr val="tx1"/>
+                      </a:solidFill>
+                      <a:prstDash val="solid"/>
+                      <a:round/>
+                      <a:headEnd type="none" w="med" len="med"/>
+                      <a:tailEnd type="none" w="med" len="med"/>
+                    </a:lnL>
+                    <a:lnR w="12700" cap="flat" cmpd="sng" algn="ctr">
+                      <a:solidFill>
+                        <a:schemeClr val="tx1"/>
+                      </a:solidFill>
+                      <a:prstDash val="solid"/>
+                      <a:round/>
+                      <a:headEnd type="none" w="med" len="med"/>
+                      <a:tailEnd type="none" w="med" len="med"/>
+                    </a:lnR>
+                    <a:lnT w="12700" cap="flat" cmpd="sng" algn="ctr">
+                      <a:solidFill>
+                        <a:schemeClr val="tx1"/>
+                      </a:solidFill>
+                      <a:prstDash val="solid"/>
+                      <a:round/>
+                      <a:headEnd type="none" w="med" len="med"/>
+                      <a:tailEnd type="none" w="med" len="med"/>
+                    </a:lnT>
+                    <a:lnB w="12700" cap="flat" cmpd="sng" algn="ctr">
+                      <a:solidFill>
+                        <a:schemeClr val="tx1"/>
+                      </a:solidFill>
+                      <a:prstDash val="solid"/>
+                      <a:round/>
+                      <a:headEnd type="none" w="med" len="med"/>
+                      <a:tailEnd type="none" w="med" len="med"/>
+                    </a:lnB>
+                    <a:noFill/>
+                  </a:tcPr>
+                </a:tc>
+                <a:tc>
+                  <a:txBody>
+                    <a:bodyPr/>
+                    <a:lstStyle/>
+                    <a:p>
+                      <a:pPr marL="0" algn="ctr" defTabSz="914400" rtl="0" eaLnBrk="1" latinLnBrk="0" hangingPunct="1"/>
+                      <a:r>
+                        <a:rPr lang="it-IT" sz="1800" b="1" kern="1200" dirty="0">
+                          <a:solidFill>
+                            <a:schemeClr val="tx1"/>
+                          </a:solidFill>
+                          <a:latin typeface="+mn-lt"/>
+                          <a:ea typeface="+mn-ea"/>
+                          <a:cs typeface="+mn-cs"/>
+                        </a:rPr>
+                        <a:t>RS-485 B</a:t>
+                      </a:r>
+                      <a:endParaRPr lang="en-GB" sz="1800" b="1" kern="1200" dirty="0">
+                        <a:solidFill>
+                          <a:schemeClr val="tx1"/>
+                        </a:solidFill>
+                        <a:latin typeface="+mn-lt"/>
+                        <a:ea typeface="+mn-ea"/>
+                        <a:cs typeface="+mn-cs"/>
+                      </a:endParaRPr>
+                    </a:p>
+                  </a:txBody>
+                  <a:tcPr>
+                    <a:lnL w="12700" cap="flat" cmpd="sng" algn="ctr">
+                      <a:solidFill>
+                        <a:schemeClr val="tx1"/>
+                      </a:solidFill>
+                      <a:prstDash val="solid"/>
+                      <a:round/>
+                      <a:headEnd type="none" w="med" len="med"/>
+                      <a:tailEnd type="none" w="med" len="med"/>
+                    </a:lnL>
+                    <a:lnR w="12700" cap="flat" cmpd="sng" algn="ctr">
+                      <a:solidFill>
+                        <a:schemeClr val="tx1"/>
+                      </a:solidFill>
+                      <a:prstDash val="solid"/>
+                      <a:round/>
+                      <a:headEnd type="none" w="med" len="med"/>
+                      <a:tailEnd type="none" w="med" len="med"/>
+                    </a:lnR>
+                    <a:lnT w="12700" cap="flat" cmpd="sng" algn="ctr">
+                      <a:solidFill>
+                        <a:schemeClr val="tx1"/>
+                      </a:solidFill>
+                      <a:prstDash val="solid"/>
+                      <a:round/>
+                      <a:headEnd type="none" w="med" len="med"/>
+                      <a:tailEnd type="none" w="med" len="med"/>
+                    </a:lnT>
+                    <a:lnB w="12700" cap="flat" cmpd="sng" algn="ctr">
+                      <a:solidFill>
+                        <a:schemeClr val="tx1"/>
+                      </a:solidFill>
+                      <a:prstDash val="solid"/>
+                      <a:round/>
+                      <a:headEnd type="none" w="med" len="med"/>
+                      <a:tailEnd type="none" w="med" len="med"/>
+                    </a:lnB>
+                    <a:noFill/>
+                  </a:tcPr>
+                </a:tc>
+                <a:extLst>
+                  <a:ext uri="{0D108BD9-81ED-4DB2-BD59-A6C34878D82A}">
+                    <a16:rowId xmlns:a16="http://schemas.microsoft.com/office/drawing/2014/main" val="4111031725"/>
+                  </a:ext>
+                </a:extLst>
+              </a:tr>
+              <a:tr h="370840">
+                <a:tc>
+                  <a:txBody>
+                    <a:bodyPr/>
+                    <a:lstStyle/>
+                    <a:p>
+                      <a:pPr marL="0" algn="ctr" defTabSz="914400" rtl="0" eaLnBrk="1" latinLnBrk="0" hangingPunct="1"/>
+                      <a:endParaRPr lang="en-GB" sz="1800" b="1" kern="1200">
+                        <a:solidFill>
+                          <a:schemeClr val="tx1"/>
+                        </a:solidFill>
+                        <a:latin typeface="+mn-lt"/>
+                        <a:ea typeface="+mn-ea"/>
+                        <a:cs typeface="+mn-cs"/>
+                      </a:endParaRPr>
+                    </a:p>
+                  </a:txBody>
+                  <a:tcPr>
+                    <a:lnL w="12700" cap="flat" cmpd="sng" algn="ctr">
+                      <a:solidFill>
+                        <a:schemeClr val="tx1"/>
+                      </a:solidFill>
+                      <a:prstDash val="solid"/>
+                      <a:round/>
+                      <a:headEnd type="none" w="med" len="med"/>
+                      <a:tailEnd type="none" w="med" len="med"/>
+                    </a:lnL>
+                    <a:lnR w="12700" cap="flat" cmpd="sng" algn="ctr">
+                      <a:solidFill>
+                        <a:schemeClr val="tx1"/>
+                      </a:solidFill>
+                      <a:prstDash val="solid"/>
+                      <a:round/>
+                      <a:headEnd type="none" w="med" len="med"/>
+                      <a:tailEnd type="none" w="med" len="med"/>
+                    </a:lnR>
+                    <a:lnT w="12700" cap="flat" cmpd="sng" algn="ctr">
+                      <a:solidFill>
+                        <a:schemeClr val="tx1"/>
+                      </a:solidFill>
+                      <a:prstDash val="solid"/>
+                      <a:round/>
+                      <a:headEnd type="none" w="med" len="med"/>
+                      <a:tailEnd type="none" w="med" len="med"/>
+                    </a:lnT>
+                    <a:lnB w="12700" cap="flat" cmpd="sng" algn="ctr">
+                      <a:solidFill>
+                        <a:schemeClr val="tx1"/>
+                      </a:solidFill>
+                      <a:prstDash val="solid"/>
+                      <a:round/>
+                      <a:headEnd type="none" w="med" len="med"/>
+                      <a:tailEnd type="none" w="med" len="med"/>
+                    </a:lnB>
+                    <a:noFill/>
+                  </a:tcPr>
+                </a:tc>
+                <a:tc>
+                  <a:txBody>
+                    <a:bodyPr/>
+                    <a:lstStyle/>
+                    <a:p>
+                      <a:pPr marL="0" marR="0" lvl="0" indent="0" algn="ctr" defTabSz="914400" rtl="0" eaLnBrk="1" fontAlgn="auto" latinLnBrk="0" hangingPunct="1">
+                        <a:lnSpc>
+                          <a:spcPct val="100000"/>
+                        </a:lnSpc>
+                        <a:spcBef>
+                          <a:spcPts val="0"/>
+                        </a:spcBef>
+                        <a:spcAft>
+                          <a:spcPts val="0"/>
+                        </a:spcAft>
+                        <a:buClrTx/>
+                        <a:buSzTx/>
+                        <a:buFontTx/>
+                        <a:buNone/>
+                        <a:tabLst/>
+                        <a:defRPr/>
+                      </a:pPr>
+                      <a:r>
+                        <a:rPr lang="it-IT" sz="1800" b="1" kern="1200" dirty="0">
+                          <a:solidFill>
+                            <a:schemeClr val="tx1"/>
+                          </a:solidFill>
+                          <a:latin typeface="+mn-lt"/>
+                          <a:ea typeface="+mn-ea"/>
+                          <a:cs typeface="+mn-cs"/>
+                        </a:rPr>
+                        <a:t>4</a:t>
+                      </a:r>
+                      <a:endParaRPr lang="en-GB" sz="1800" b="1" kern="1200" dirty="0">
+                        <a:solidFill>
+                          <a:schemeClr val="tx1"/>
+                        </a:solidFill>
+                        <a:latin typeface="+mn-lt"/>
+                        <a:ea typeface="+mn-ea"/>
+                        <a:cs typeface="+mn-cs"/>
+                      </a:endParaRPr>
+                    </a:p>
+                  </a:txBody>
+                  <a:tcPr>
+                    <a:lnL w="12700" cap="flat" cmpd="sng" algn="ctr">
+                      <a:solidFill>
+                        <a:schemeClr val="tx1"/>
+                      </a:solidFill>
+                      <a:prstDash val="solid"/>
+                      <a:round/>
+                      <a:headEnd type="none" w="med" len="med"/>
+                      <a:tailEnd type="none" w="med" len="med"/>
+                    </a:lnL>
+                    <a:lnR w="12700" cap="flat" cmpd="sng" algn="ctr">
+                      <a:solidFill>
+                        <a:schemeClr val="tx1"/>
+                      </a:solidFill>
+                      <a:prstDash val="solid"/>
+                      <a:round/>
+                      <a:headEnd type="none" w="med" len="med"/>
+                      <a:tailEnd type="none" w="med" len="med"/>
+                    </a:lnR>
+                    <a:lnT w="12700" cap="flat" cmpd="sng" algn="ctr">
+                      <a:solidFill>
+                        <a:schemeClr val="tx1"/>
+                      </a:solidFill>
+                      <a:prstDash val="solid"/>
+                      <a:round/>
+                      <a:headEnd type="none" w="med" len="med"/>
+                      <a:tailEnd type="none" w="med" len="med"/>
+                    </a:lnT>
+                    <a:lnB w="12700" cap="flat" cmpd="sng" algn="ctr">
+                      <a:solidFill>
+                        <a:schemeClr val="tx1"/>
+                      </a:solidFill>
+                      <a:prstDash val="solid"/>
+                      <a:round/>
+                      <a:headEnd type="none" w="med" len="med"/>
+                      <a:tailEnd type="none" w="med" len="med"/>
+                    </a:lnB>
+                    <a:noFill/>
+                  </a:tcPr>
+                </a:tc>
+                <a:tc>
+                  <a:txBody>
+                    <a:bodyPr/>
+                    <a:lstStyle/>
+                    <a:p>
+                      <a:pPr marL="0" marR="0" lvl="0" indent="0" algn="ctr" defTabSz="914400" rtl="0" eaLnBrk="1" fontAlgn="auto" latinLnBrk="0" hangingPunct="1">
+                        <a:lnSpc>
+                          <a:spcPct val="100000"/>
+                        </a:lnSpc>
+                        <a:spcBef>
+                          <a:spcPts val="0"/>
+                        </a:spcBef>
+                        <a:spcAft>
+                          <a:spcPts val="0"/>
+                        </a:spcAft>
+                        <a:buClrTx/>
+                        <a:buSzTx/>
+                        <a:buFontTx/>
+                        <a:buNone/>
+                        <a:tabLst/>
+                        <a:defRPr/>
+                      </a:pPr>
+                      <a:r>
+                        <a:rPr lang="it-IT" sz="1800" b="1" kern="1200" dirty="0">
+                          <a:solidFill>
+                            <a:schemeClr val="tx1"/>
+                          </a:solidFill>
+                          <a:latin typeface="+mn-lt"/>
+                          <a:ea typeface="+mn-ea"/>
+                          <a:cs typeface="+mn-cs"/>
+                        </a:rPr>
+                        <a:t>RS-485 B</a:t>
+                      </a:r>
+                      <a:endParaRPr lang="en-GB" sz="1800" b="1" kern="1200" dirty="0">
+                        <a:solidFill>
+                          <a:schemeClr val="tx1"/>
+                        </a:solidFill>
+                        <a:latin typeface="+mn-lt"/>
+                        <a:ea typeface="+mn-ea"/>
+                        <a:cs typeface="+mn-cs"/>
+                      </a:endParaRPr>
+                    </a:p>
+                  </a:txBody>
+                  <a:tcPr>
+                    <a:lnL w="12700" cap="flat" cmpd="sng" algn="ctr">
+                      <a:solidFill>
+                        <a:schemeClr val="tx1"/>
+                      </a:solidFill>
+                      <a:prstDash val="solid"/>
+                      <a:round/>
+                      <a:headEnd type="none" w="med" len="med"/>
+                      <a:tailEnd type="none" w="med" len="med"/>
+                    </a:lnL>
+                    <a:lnR w="12700" cap="flat" cmpd="sng" algn="ctr">
+                      <a:solidFill>
+                        <a:schemeClr val="tx1"/>
+                      </a:solidFill>
+                      <a:prstDash val="solid"/>
+                      <a:round/>
+                      <a:headEnd type="none" w="med" len="med"/>
+                      <a:tailEnd type="none" w="med" len="med"/>
+                    </a:lnR>
+                    <a:lnT w="12700" cap="flat" cmpd="sng" algn="ctr">
+                      <a:solidFill>
+                        <a:schemeClr val="tx1"/>
+                      </a:solidFill>
+                      <a:prstDash val="solid"/>
+                      <a:round/>
+                      <a:headEnd type="none" w="med" len="med"/>
+                      <a:tailEnd type="none" w="med" len="med"/>
+                    </a:lnT>
+                    <a:lnB w="12700" cap="flat" cmpd="sng" algn="ctr">
+                      <a:solidFill>
+                        <a:schemeClr val="tx1"/>
+                      </a:solidFill>
+                      <a:prstDash val="solid"/>
+                      <a:round/>
+                      <a:headEnd type="none" w="med" len="med"/>
+                      <a:tailEnd type="none" w="med" len="med"/>
+                    </a:lnB>
+                    <a:noFill/>
+                  </a:tcPr>
+                </a:tc>
+                <a:extLst>
+                  <a:ext uri="{0D108BD9-81ED-4DB2-BD59-A6C34878D82A}">
+                    <a16:rowId xmlns:a16="http://schemas.microsoft.com/office/drawing/2014/main" val="3097860223"/>
+                  </a:ext>
+                </a:extLst>
+              </a:tr>
+              <a:tr h="370840">
+                <a:tc>
+                  <a:txBody>
+                    <a:bodyPr/>
+                    <a:lstStyle/>
+                    <a:p>
+                      <a:pPr marL="0" algn="ctr" defTabSz="914400" rtl="0" eaLnBrk="1" latinLnBrk="0" hangingPunct="1"/>
+                      <a:endParaRPr lang="en-GB" sz="1800" b="1" kern="1200">
+                        <a:solidFill>
+                          <a:schemeClr val="tx1"/>
+                        </a:solidFill>
+                        <a:latin typeface="+mn-lt"/>
+                        <a:ea typeface="+mn-ea"/>
+                        <a:cs typeface="+mn-cs"/>
+                      </a:endParaRPr>
+                    </a:p>
+                  </a:txBody>
+                  <a:tcPr>
+                    <a:lnL w="12700" cap="flat" cmpd="sng" algn="ctr">
+                      <a:solidFill>
+                        <a:schemeClr val="tx1"/>
+                      </a:solidFill>
+                      <a:prstDash val="solid"/>
+                      <a:round/>
+                      <a:headEnd type="none" w="med" len="med"/>
+                      <a:tailEnd type="none" w="med" len="med"/>
+                    </a:lnL>
+                    <a:lnR w="12700" cap="flat" cmpd="sng" algn="ctr">
+                      <a:solidFill>
+                        <a:schemeClr val="tx1"/>
+                      </a:solidFill>
+                      <a:prstDash val="solid"/>
+                      <a:round/>
+                      <a:headEnd type="none" w="med" len="med"/>
+                      <a:tailEnd type="none" w="med" len="med"/>
+                    </a:lnR>
+                    <a:lnT w="12700" cap="flat" cmpd="sng" algn="ctr">
+                      <a:solidFill>
+                        <a:schemeClr val="tx1"/>
+                      </a:solidFill>
+                      <a:prstDash val="solid"/>
+                      <a:round/>
+                      <a:headEnd type="none" w="med" len="med"/>
+                      <a:tailEnd type="none" w="med" len="med"/>
+                    </a:lnT>
+                    <a:lnB w="12700" cap="flat" cmpd="sng" algn="ctr">
+                      <a:solidFill>
+                        <a:schemeClr val="tx1"/>
+                      </a:solidFill>
+                      <a:prstDash val="solid"/>
+                      <a:round/>
+                      <a:headEnd type="none" w="med" len="med"/>
+                      <a:tailEnd type="none" w="med" len="med"/>
+                    </a:lnB>
+                    <a:noFill/>
+                  </a:tcPr>
+                </a:tc>
+                <a:tc>
+                  <a:txBody>
+                    <a:bodyPr/>
+                    <a:lstStyle/>
+                    <a:p>
+                      <a:pPr marL="0" marR="0" lvl="0" indent="0" algn="ctr" defTabSz="914400" rtl="0" eaLnBrk="1" fontAlgn="auto" latinLnBrk="0" hangingPunct="1">
+                        <a:lnSpc>
+                          <a:spcPct val="100000"/>
+                        </a:lnSpc>
+                        <a:spcBef>
+                          <a:spcPts val="0"/>
+                        </a:spcBef>
+                        <a:spcAft>
+                          <a:spcPts val="0"/>
+                        </a:spcAft>
+                        <a:buClrTx/>
+                        <a:buSzTx/>
+                        <a:buFontTx/>
+                        <a:buNone/>
+                        <a:tabLst/>
+                        <a:defRPr/>
+                      </a:pPr>
+                      <a:r>
+                        <a:rPr lang="it-IT" sz="1800" b="1" kern="1200" dirty="0">
+                          <a:solidFill>
+                            <a:schemeClr val="tx1"/>
+                          </a:solidFill>
+                          <a:latin typeface="+mn-lt"/>
+                          <a:ea typeface="+mn-ea"/>
+                          <a:cs typeface="+mn-cs"/>
+                        </a:rPr>
+                        <a:t>5</a:t>
+                      </a:r>
+                      <a:endParaRPr lang="en-GB" sz="1800" b="1" kern="1200" dirty="0">
+                        <a:solidFill>
+                          <a:schemeClr val="tx1"/>
+                        </a:solidFill>
+                        <a:latin typeface="+mn-lt"/>
+                        <a:ea typeface="+mn-ea"/>
+                        <a:cs typeface="+mn-cs"/>
+                      </a:endParaRPr>
+                    </a:p>
+                  </a:txBody>
+                  <a:tcPr>
+                    <a:lnL w="12700" cap="flat" cmpd="sng" algn="ctr">
+                      <a:solidFill>
+                        <a:schemeClr val="tx1"/>
+                      </a:solidFill>
+                      <a:prstDash val="solid"/>
+                      <a:round/>
+                      <a:headEnd type="none" w="med" len="med"/>
+                      <a:tailEnd type="none" w="med" len="med"/>
+                    </a:lnL>
+                    <a:lnR w="12700" cap="flat" cmpd="sng" algn="ctr">
+                      <a:solidFill>
+                        <a:schemeClr val="tx1"/>
+                      </a:solidFill>
+                      <a:prstDash val="solid"/>
+                      <a:round/>
+                      <a:headEnd type="none" w="med" len="med"/>
+                      <a:tailEnd type="none" w="med" len="med"/>
+                    </a:lnR>
+                    <a:lnT w="12700" cap="flat" cmpd="sng" algn="ctr">
+                      <a:solidFill>
+                        <a:schemeClr val="tx1"/>
+                      </a:solidFill>
+                      <a:prstDash val="solid"/>
+                      <a:round/>
+                      <a:headEnd type="none" w="med" len="med"/>
+                      <a:tailEnd type="none" w="med" len="med"/>
+                    </a:lnT>
+                    <a:lnB w="12700" cap="flat" cmpd="sng" algn="ctr">
+                      <a:solidFill>
+                        <a:schemeClr val="tx1"/>
+                      </a:solidFill>
+                      <a:prstDash val="solid"/>
+                      <a:round/>
+                      <a:headEnd type="none" w="med" len="med"/>
+                      <a:tailEnd type="none" w="med" len="med"/>
+                    </a:lnB>
+                    <a:noFill/>
+                  </a:tcPr>
+                </a:tc>
+                <a:tc>
+                  <a:txBody>
+                    <a:bodyPr/>
+                    <a:lstStyle/>
+                    <a:p>
+                      <a:pPr marL="0" marR="0" lvl="0" indent="0" algn="ctr" defTabSz="914400" rtl="0" eaLnBrk="1" fontAlgn="auto" latinLnBrk="0" hangingPunct="1">
+                        <a:lnSpc>
+                          <a:spcPct val="100000"/>
+                        </a:lnSpc>
+                        <a:spcBef>
+                          <a:spcPts val="0"/>
+                        </a:spcBef>
+                        <a:spcAft>
+                          <a:spcPts val="0"/>
+                        </a:spcAft>
+                        <a:buClrTx/>
+                        <a:buSzTx/>
+                        <a:buFontTx/>
+                        <a:buNone/>
+                        <a:tabLst/>
+                        <a:defRPr/>
+                      </a:pPr>
+                      <a:r>
+                        <a:rPr lang="it-IT" sz="1800" b="1" kern="1200" dirty="0">
+                          <a:solidFill>
+                            <a:schemeClr val="tx1"/>
+                          </a:solidFill>
+                          <a:latin typeface="+mn-lt"/>
+                          <a:ea typeface="+mn-ea"/>
+                          <a:cs typeface="+mn-cs"/>
+                        </a:rPr>
+                        <a:t>RS-485 A</a:t>
+                      </a:r>
+                      <a:endParaRPr lang="en-GB" sz="1800" b="1" kern="1200" dirty="0">
+                        <a:solidFill>
+                          <a:schemeClr val="tx1"/>
+                        </a:solidFill>
+                        <a:latin typeface="+mn-lt"/>
+                        <a:ea typeface="+mn-ea"/>
+                        <a:cs typeface="+mn-cs"/>
+                      </a:endParaRPr>
+                    </a:p>
+                  </a:txBody>
+                  <a:tcPr>
+                    <a:lnL w="12700" cap="flat" cmpd="sng" algn="ctr">
+                      <a:solidFill>
+                        <a:schemeClr val="tx1"/>
+                      </a:solidFill>
+                      <a:prstDash val="solid"/>
+                      <a:round/>
+                      <a:headEnd type="none" w="med" len="med"/>
+                      <a:tailEnd type="none" w="med" len="med"/>
+                    </a:lnL>
+                    <a:lnR w="12700" cap="flat" cmpd="sng" algn="ctr">
+                      <a:solidFill>
+                        <a:schemeClr val="tx1"/>
+                      </a:solidFill>
+                      <a:prstDash val="solid"/>
+                      <a:round/>
+                      <a:headEnd type="none" w="med" len="med"/>
+                      <a:tailEnd type="none" w="med" len="med"/>
+                    </a:lnR>
+                    <a:lnT w="12700" cap="flat" cmpd="sng" algn="ctr">
+                      <a:solidFill>
+                        <a:schemeClr val="tx1"/>
+                      </a:solidFill>
+                      <a:prstDash val="solid"/>
+                      <a:round/>
+                      <a:headEnd type="none" w="med" len="med"/>
+                      <a:tailEnd type="none" w="med" len="med"/>
+                    </a:lnT>
+                    <a:lnB w="12700" cap="flat" cmpd="sng" algn="ctr">
+                      <a:solidFill>
+                        <a:schemeClr val="tx1"/>
+                      </a:solidFill>
+                      <a:prstDash val="solid"/>
+                      <a:round/>
+                      <a:headEnd type="none" w="med" len="med"/>
+                      <a:tailEnd type="none" w="med" len="med"/>
+                    </a:lnB>
+                    <a:noFill/>
+                  </a:tcPr>
+                </a:tc>
+                <a:extLst>
+                  <a:ext uri="{0D108BD9-81ED-4DB2-BD59-A6C34878D82A}">
+                    <a16:rowId xmlns:a16="http://schemas.microsoft.com/office/drawing/2014/main" val="1186590504"/>
+                  </a:ext>
+                </a:extLst>
+              </a:tr>
+              <a:tr h="370840">
+                <a:tc>
+                  <a:txBody>
+                    <a:bodyPr/>
+                    <a:lstStyle/>
+                    <a:p>
+                      <a:pPr marL="0" algn="ctr" defTabSz="914400" rtl="0" eaLnBrk="1" latinLnBrk="0" hangingPunct="1"/>
+                      <a:endParaRPr lang="en-GB" sz="1800" b="1" kern="1200">
+                        <a:solidFill>
+                          <a:schemeClr val="tx1"/>
+                        </a:solidFill>
+                        <a:latin typeface="+mn-lt"/>
+                        <a:ea typeface="+mn-ea"/>
+                        <a:cs typeface="+mn-cs"/>
+                      </a:endParaRPr>
+                    </a:p>
+                  </a:txBody>
+                  <a:tcPr>
+                    <a:lnL w="12700" cap="flat" cmpd="sng" algn="ctr">
+                      <a:solidFill>
+                        <a:schemeClr val="tx1"/>
+                      </a:solidFill>
+                      <a:prstDash val="solid"/>
+                      <a:round/>
+                      <a:headEnd type="none" w="med" len="med"/>
+                      <a:tailEnd type="none" w="med" len="med"/>
+                    </a:lnL>
+                    <a:lnR w="12700" cap="flat" cmpd="sng" algn="ctr">
+                      <a:solidFill>
+                        <a:schemeClr val="tx1"/>
+                      </a:solidFill>
+                      <a:prstDash val="solid"/>
+                      <a:round/>
+                      <a:headEnd type="none" w="med" len="med"/>
+                      <a:tailEnd type="none" w="med" len="med"/>
+                    </a:lnR>
+                    <a:lnT w="12700" cap="flat" cmpd="sng" algn="ctr">
+                      <a:solidFill>
+                        <a:schemeClr val="tx1"/>
+                      </a:solidFill>
+                      <a:prstDash val="solid"/>
+                      <a:round/>
+                      <a:headEnd type="none" w="med" len="med"/>
+                      <a:tailEnd type="none" w="med" len="med"/>
+                    </a:lnT>
+                    <a:lnB w="12700" cap="flat" cmpd="sng" algn="ctr">
+                      <a:solidFill>
+                        <a:schemeClr val="tx1"/>
+                      </a:solidFill>
+                      <a:prstDash val="solid"/>
+                      <a:round/>
+                      <a:headEnd type="none" w="med" len="med"/>
+                      <a:tailEnd type="none" w="med" len="med"/>
+                    </a:lnB>
+                    <a:noFill/>
+                  </a:tcPr>
+                </a:tc>
+                <a:tc>
+                  <a:txBody>
+                    <a:bodyPr/>
+                    <a:lstStyle/>
+                    <a:p>
+                      <a:pPr marL="0" marR="0" lvl="0" indent="0" algn="ctr" defTabSz="914400" rtl="0" eaLnBrk="1" fontAlgn="auto" latinLnBrk="0" hangingPunct="1">
+                        <a:lnSpc>
+                          <a:spcPct val="100000"/>
+                        </a:lnSpc>
+                        <a:spcBef>
+                          <a:spcPts val="0"/>
+                        </a:spcBef>
+                        <a:spcAft>
+                          <a:spcPts val="0"/>
+                        </a:spcAft>
+                        <a:buClrTx/>
+                        <a:buSzTx/>
+                        <a:buFontTx/>
+                        <a:buNone/>
+                        <a:tabLst/>
+                        <a:defRPr/>
+                      </a:pPr>
+                      <a:r>
+                        <a:rPr lang="it-IT" sz="1800" b="1" kern="1200" dirty="0">
+                          <a:solidFill>
+                            <a:schemeClr val="tx1"/>
+                          </a:solidFill>
+                          <a:latin typeface="+mn-lt"/>
+                          <a:ea typeface="+mn-ea"/>
+                          <a:cs typeface="+mn-cs"/>
+                        </a:rPr>
+                        <a:t>6</a:t>
+                      </a:r>
+                      <a:endParaRPr lang="en-GB" sz="1800" b="1" kern="1200" dirty="0">
+                        <a:solidFill>
+                          <a:schemeClr val="tx1"/>
+                        </a:solidFill>
+                        <a:latin typeface="+mn-lt"/>
+                        <a:ea typeface="+mn-ea"/>
+                        <a:cs typeface="+mn-cs"/>
+                      </a:endParaRPr>
+                    </a:p>
+                  </a:txBody>
+                  <a:tcPr>
+                    <a:lnL w="12700" cap="flat" cmpd="sng" algn="ctr">
+                      <a:solidFill>
+                        <a:schemeClr val="tx1"/>
+                      </a:solidFill>
+                      <a:prstDash val="solid"/>
+                      <a:round/>
+                      <a:headEnd type="none" w="med" len="med"/>
+                      <a:tailEnd type="none" w="med" len="med"/>
+                    </a:lnL>
+                    <a:lnR w="12700" cap="flat" cmpd="sng" algn="ctr">
+                      <a:solidFill>
+                        <a:schemeClr val="tx1"/>
+                      </a:solidFill>
+                      <a:prstDash val="solid"/>
+                      <a:round/>
+                      <a:headEnd type="none" w="med" len="med"/>
+                      <a:tailEnd type="none" w="med" len="med"/>
+                    </a:lnR>
+                    <a:lnT w="12700" cap="flat" cmpd="sng" algn="ctr">
+                      <a:solidFill>
+                        <a:schemeClr val="tx1"/>
+                      </a:solidFill>
+                      <a:prstDash val="solid"/>
+                      <a:round/>
+                      <a:headEnd type="none" w="med" len="med"/>
+                      <a:tailEnd type="none" w="med" len="med"/>
+                    </a:lnT>
+                    <a:lnB w="12700" cap="flat" cmpd="sng" algn="ctr">
+                      <a:solidFill>
+                        <a:schemeClr val="tx1"/>
+                      </a:solidFill>
+                      <a:prstDash val="solid"/>
+                      <a:round/>
+                      <a:headEnd type="none" w="med" len="med"/>
+                      <a:tailEnd type="none" w="med" len="med"/>
+                    </a:lnB>
+                    <a:noFill/>
+                  </a:tcPr>
+                </a:tc>
+                <a:tc>
+                  <a:txBody>
+                    <a:bodyPr/>
+                    <a:lstStyle/>
+                    <a:p>
+                      <a:pPr marL="0" marR="0" lvl="0" indent="0" algn="ctr" defTabSz="914400" rtl="0" eaLnBrk="1" fontAlgn="auto" latinLnBrk="0" hangingPunct="1">
+                        <a:lnSpc>
+                          <a:spcPct val="100000"/>
+                        </a:lnSpc>
+                        <a:spcBef>
+                          <a:spcPts val="0"/>
+                        </a:spcBef>
+                        <a:spcAft>
+                          <a:spcPts val="0"/>
+                        </a:spcAft>
+                        <a:buClrTx/>
+                        <a:buSzTx/>
+                        <a:buFontTx/>
+                        <a:buNone/>
+                        <a:tabLst/>
+                        <a:defRPr/>
+                      </a:pPr>
+                      <a:r>
+                        <a:rPr lang="it-IT" sz="1800" b="1" kern="1200" dirty="0">
+                          <a:solidFill>
+                            <a:schemeClr val="tx1"/>
+                          </a:solidFill>
+                          <a:latin typeface="+mn-lt"/>
+                          <a:ea typeface="+mn-ea"/>
+                          <a:cs typeface="+mn-cs"/>
+                        </a:rPr>
+                        <a:t>RS-485 A</a:t>
+                      </a:r>
+                      <a:endParaRPr lang="en-GB" sz="1800" b="1" kern="1200" dirty="0">
+                        <a:solidFill>
+                          <a:schemeClr val="tx1"/>
+                        </a:solidFill>
+                        <a:latin typeface="+mn-lt"/>
+                        <a:ea typeface="+mn-ea"/>
+                        <a:cs typeface="+mn-cs"/>
+                      </a:endParaRPr>
+                    </a:p>
+                  </a:txBody>
+                  <a:tcPr>
+                    <a:lnL w="12700" cap="flat" cmpd="sng" algn="ctr">
+                      <a:solidFill>
+                        <a:schemeClr val="tx1"/>
+                      </a:solidFill>
+                      <a:prstDash val="solid"/>
+                      <a:round/>
+                      <a:headEnd type="none" w="med" len="med"/>
+                      <a:tailEnd type="none" w="med" len="med"/>
+                    </a:lnL>
+                    <a:lnR w="12700" cap="flat" cmpd="sng" algn="ctr">
+                      <a:solidFill>
+                        <a:schemeClr val="tx1"/>
+                      </a:solidFill>
+                      <a:prstDash val="solid"/>
+                      <a:round/>
+                      <a:headEnd type="none" w="med" len="med"/>
+                      <a:tailEnd type="none" w="med" len="med"/>
+                    </a:lnR>
+                    <a:lnT w="12700" cap="flat" cmpd="sng" algn="ctr">
+                      <a:solidFill>
+                        <a:schemeClr val="tx1"/>
+                      </a:solidFill>
+                      <a:prstDash val="solid"/>
+                      <a:round/>
+                      <a:headEnd type="none" w="med" len="med"/>
+                      <a:tailEnd type="none" w="med" len="med"/>
+                    </a:lnT>
+                    <a:lnB w="12700" cap="flat" cmpd="sng" algn="ctr">
+                      <a:solidFill>
+                        <a:schemeClr val="tx1"/>
+                      </a:solidFill>
+                      <a:prstDash val="solid"/>
+                      <a:round/>
+                      <a:headEnd type="none" w="med" len="med"/>
+                      <a:tailEnd type="none" w="med" len="med"/>
+                    </a:lnB>
+                    <a:noFill/>
+                  </a:tcPr>
+                </a:tc>
+                <a:extLst>
+                  <a:ext uri="{0D108BD9-81ED-4DB2-BD59-A6C34878D82A}">
+                    <a16:rowId xmlns:a16="http://schemas.microsoft.com/office/drawing/2014/main" val="1070387443"/>
+                  </a:ext>
+                </a:extLst>
+              </a:tr>
+              <a:tr h="370840">
+                <a:tc>
+                  <a:txBody>
+                    <a:bodyPr/>
+                    <a:lstStyle/>
+                    <a:p>
+                      <a:pPr marL="0" algn="ctr" defTabSz="914400" rtl="0" eaLnBrk="1" latinLnBrk="0" hangingPunct="1"/>
+                      <a:endParaRPr lang="en-GB" sz="1800" b="1" kern="1200">
+                        <a:solidFill>
+                          <a:schemeClr val="tx1"/>
+                        </a:solidFill>
+                        <a:latin typeface="+mn-lt"/>
+                        <a:ea typeface="+mn-ea"/>
+                        <a:cs typeface="+mn-cs"/>
+                      </a:endParaRPr>
+                    </a:p>
+                  </a:txBody>
+                  <a:tcPr>
+                    <a:lnL w="12700" cap="flat" cmpd="sng" algn="ctr">
+                      <a:solidFill>
+                        <a:schemeClr val="tx1"/>
+                      </a:solidFill>
+                      <a:prstDash val="solid"/>
+                      <a:round/>
+                      <a:headEnd type="none" w="med" len="med"/>
+                      <a:tailEnd type="none" w="med" len="med"/>
+                    </a:lnL>
+                    <a:lnR w="12700" cap="flat" cmpd="sng" algn="ctr">
+                      <a:solidFill>
+                        <a:schemeClr val="tx1"/>
+                      </a:solidFill>
+                      <a:prstDash val="solid"/>
+                      <a:round/>
+                      <a:headEnd type="none" w="med" len="med"/>
+                      <a:tailEnd type="none" w="med" len="med"/>
+                    </a:lnR>
+                    <a:lnT w="12700" cap="flat" cmpd="sng" algn="ctr">
+                      <a:solidFill>
+                        <a:schemeClr val="tx1"/>
+                      </a:solidFill>
+                      <a:prstDash val="solid"/>
+                      <a:round/>
+                      <a:headEnd type="none" w="med" len="med"/>
+                      <a:tailEnd type="none" w="med" len="med"/>
+                    </a:lnT>
+                    <a:lnB w="12700" cap="flat" cmpd="sng" algn="ctr">
+                      <a:solidFill>
+                        <a:schemeClr val="tx1"/>
+                      </a:solidFill>
+                      <a:prstDash val="solid"/>
+                      <a:round/>
+                      <a:headEnd type="none" w="med" len="med"/>
+                      <a:tailEnd type="none" w="med" len="med"/>
+                    </a:lnB>
+                    <a:noFill/>
+                  </a:tcPr>
+                </a:tc>
+                <a:tc>
+                  <a:txBody>
+                    <a:bodyPr/>
+                    <a:lstStyle/>
+                    <a:p>
+                      <a:pPr marL="0" algn="ctr" defTabSz="914400" rtl="0" eaLnBrk="1" latinLnBrk="0" hangingPunct="1"/>
+                      <a:r>
+                        <a:rPr lang="it-IT" sz="1800" b="1" kern="1200" dirty="0">
+                          <a:solidFill>
+                            <a:schemeClr val="tx1"/>
+                          </a:solidFill>
+                          <a:latin typeface="+mn-lt"/>
+                          <a:ea typeface="+mn-ea"/>
+                          <a:cs typeface="+mn-cs"/>
+                        </a:rPr>
+                        <a:t>7</a:t>
+                      </a:r>
+                      <a:endParaRPr lang="en-GB" sz="1800" b="1" kern="1200" dirty="0">
+                        <a:solidFill>
+                          <a:schemeClr val="tx1"/>
+                        </a:solidFill>
+                        <a:latin typeface="+mn-lt"/>
+                        <a:ea typeface="+mn-ea"/>
+                        <a:cs typeface="+mn-cs"/>
+                      </a:endParaRPr>
+                    </a:p>
+                  </a:txBody>
+                  <a:tcPr>
+                    <a:lnL w="12700" cap="flat" cmpd="sng" algn="ctr">
+                      <a:solidFill>
+                        <a:schemeClr val="tx1"/>
+                      </a:solidFill>
+                      <a:prstDash val="solid"/>
+                      <a:round/>
+                      <a:headEnd type="none" w="med" len="med"/>
+                      <a:tailEnd type="none" w="med" len="med"/>
+                    </a:lnL>
+                    <a:lnR w="12700" cap="flat" cmpd="sng" algn="ctr">
+                      <a:solidFill>
+                        <a:schemeClr val="tx1"/>
+                      </a:solidFill>
+                      <a:prstDash val="solid"/>
+                      <a:round/>
+                      <a:headEnd type="none" w="med" len="med"/>
+                      <a:tailEnd type="none" w="med" len="med"/>
+                    </a:lnR>
+                    <a:lnT w="12700" cap="flat" cmpd="sng" algn="ctr">
+                      <a:solidFill>
+                        <a:schemeClr val="tx1"/>
+                      </a:solidFill>
+                      <a:prstDash val="solid"/>
+                      <a:round/>
+                      <a:headEnd type="none" w="med" len="med"/>
+                      <a:tailEnd type="none" w="med" len="med"/>
+                    </a:lnT>
+                    <a:lnB w="12700" cap="flat" cmpd="sng" algn="ctr">
+                      <a:solidFill>
+                        <a:schemeClr val="tx1"/>
+                      </a:solidFill>
+                      <a:prstDash val="solid"/>
+                      <a:round/>
+                      <a:headEnd type="none" w="med" len="med"/>
+                      <a:tailEnd type="none" w="med" len="med"/>
+                    </a:lnB>
+                    <a:noFill/>
+                  </a:tcPr>
+                </a:tc>
+                <a:tc>
+                  <a:txBody>
+                    <a:bodyPr/>
+                    <a:lstStyle/>
+                    <a:p>
+                      <a:pPr marL="0" algn="ctr" defTabSz="914400" rtl="0" eaLnBrk="1" latinLnBrk="0" hangingPunct="1"/>
+                      <a:r>
+                        <a:rPr lang="it-IT" sz="1800" b="1" kern="1200" dirty="0">
+                          <a:solidFill>
+                            <a:schemeClr val="tx1"/>
+                          </a:solidFill>
+                          <a:latin typeface="+mn-lt"/>
+                          <a:ea typeface="+mn-ea"/>
+                          <a:cs typeface="+mn-cs"/>
+                        </a:rPr>
+                        <a:t>GND</a:t>
+                      </a:r>
+                      <a:endParaRPr lang="en-GB" sz="1800" b="1" kern="1200" dirty="0">
+                        <a:solidFill>
+                          <a:schemeClr val="tx1"/>
+                        </a:solidFill>
+                        <a:latin typeface="+mn-lt"/>
+                        <a:ea typeface="+mn-ea"/>
+                        <a:cs typeface="+mn-cs"/>
+                      </a:endParaRPr>
+                    </a:p>
+                  </a:txBody>
+                  <a:tcPr>
+                    <a:lnL w="12700" cap="flat" cmpd="sng" algn="ctr">
+                      <a:solidFill>
+                        <a:schemeClr val="tx1"/>
+                      </a:solidFill>
+                      <a:prstDash val="solid"/>
+                      <a:round/>
+                      <a:headEnd type="none" w="med" len="med"/>
+                      <a:tailEnd type="none" w="med" len="med"/>
+                    </a:lnL>
+                    <a:lnR w="12700" cap="flat" cmpd="sng" algn="ctr">
+                      <a:solidFill>
+                        <a:schemeClr val="tx1"/>
+                      </a:solidFill>
+                      <a:prstDash val="solid"/>
+                      <a:round/>
+                      <a:headEnd type="none" w="med" len="med"/>
+                      <a:tailEnd type="none" w="med" len="med"/>
+                    </a:lnR>
+                    <a:lnT w="12700" cap="flat" cmpd="sng" algn="ctr">
+                      <a:solidFill>
+                        <a:schemeClr val="tx1"/>
+                      </a:solidFill>
+                      <a:prstDash val="solid"/>
+                      <a:round/>
+                      <a:headEnd type="none" w="med" len="med"/>
+                      <a:tailEnd type="none" w="med" len="med"/>
+                    </a:lnT>
+                    <a:lnB w="12700" cap="flat" cmpd="sng" algn="ctr">
+                      <a:solidFill>
+                        <a:schemeClr val="tx1"/>
+                      </a:solidFill>
+                      <a:prstDash val="solid"/>
+                      <a:round/>
+                      <a:headEnd type="none" w="med" len="med"/>
+                      <a:tailEnd type="none" w="med" len="med"/>
+                    </a:lnB>
+                    <a:noFill/>
+                  </a:tcPr>
+                </a:tc>
+                <a:extLst>
+                  <a:ext uri="{0D108BD9-81ED-4DB2-BD59-A6C34878D82A}">
+                    <a16:rowId xmlns:a16="http://schemas.microsoft.com/office/drawing/2014/main" val="3787856502"/>
+                  </a:ext>
+                </a:extLst>
+              </a:tr>
+              <a:tr h="370840">
+                <a:tc>
+                  <a:txBody>
+                    <a:bodyPr/>
+                    <a:lstStyle/>
+                    <a:p>
+                      <a:pPr marL="0" algn="ctr" defTabSz="914400" rtl="0" eaLnBrk="1" latinLnBrk="0" hangingPunct="1"/>
+                      <a:endParaRPr lang="en-GB" sz="1800" b="1" kern="1200">
+                        <a:solidFill>
+                          <a:schemeClr val="tx1"/>
+                        </a:solidFill>
+                        <a:latin typeface="+mn-lt"/>
+                        <a:ea typeface="+mn-ea"/>
+                        <a:cs typeface="+mn-cs"/>
+                      </a:endParaRPr>
+                    </a:p>
+                  </a:txBody>
+                  <a:tcPr>
+                    <a:lnL w="12700" cap="flat" cmpd="sng" algn="ctr">
+                      <a:solidFill>
+                        <a:schemeClr val="tx1"/>
+                      </a:solidFill>
+                      <a:prstDash val="solid"/>
+                      <a:round/>
+                      <a:headEnd type="none" w="med" len="med"/>
+                      <a:tailEnd type="none" w="med" len="med"/>
+                    </a:lnL>
+                    <a:lnR w="12700" cap="flat" cmpd="sng" algn="ctr">
+                      <a:solidFill>
+                        <a:schemeClr val="tx1"/>
+                      </a:solidFill>
+                      <a:prstDash val="solid"/>
+                      <a:round/>
+                      <a:headEnd type="none" w="med" len="med"/>
+                      <a:tailEnd type="none" w="med" len="med"/>
+                    </a:lnR>
+                    <a:lnT w="12700" cap="flat" cmpd="sng" algn="ctr">
+                      <a:solidFill>
+                        <a:schemeClr val="tx1"/>
+                      </a:solidFill>
+                      <a:prstDash val="solid"/>
+                      <a:round/>
+                      <a:headEnd type="none" w="med" len="med"/>
+                      <a:tailEnd type="none" w="med" len="med"/>
+                    </a:lnT>
+                    <a:lnB w="12700" cap="flat" cmpd="sng" algn="ctr">
+                      <a:solidFill>
+                        <a:schemeClr val="tx1"/>
+                      </a:solidFill>
+                      <a:prstDash val="solid"/>
+                      <a:round/>
+                      <a:headEnd type="none" w="med" len="med"/>
+                      <a:tailEnd type="none" w="med" len="med"/>
+                    </a:lnB>
+                    <a:noFill/>
+                  </a:tcPr>
+                </a:tc>
+                <a:tc>
+                  <a:txBody>
+                    <a:bodyPr/>
+                    <a:lstStyle/>
+                    <a:p>
+                      <a:pPr marL="0" algn="ctr" defTabSz="914400" rtl="0" eaLnBrk="1" latinLnBrk="0" hangingPunct="1"/>
+                      <a:r>
+                        <a:rPr lang="it-IT" sz="1800" b="1" kern="1200" dirty="0">
+                          <a:solidFill>
+                            <a:schemeClr val="tx1"/>
+                          </a:solidFill>
+                          <a:latin typeface="+mn-lt"/>
+                          <a:ea typeface="+mn-ea"/>
+                          <a:cs typeface="+mn-cs"/>
+                        </a:rPr>
+                        <a:t>8</a:t>
+                      </a:r>
+                      <a:endParaRPr lang="en-GB" sz="1800" b="1" kern="1200" dirty="0">
+                        <a:solidFill>
+                          <a:schemeClr val="tx1"/>
+                        </a:solidFill>
+                        <a:latin typeface="+mn-lt"/>
+                        <a:ea typeface="+mn-ea"/>
+                        <a:cs typeface="+mn-cs"/>
+                      </a:endParaRPr>
+                    </a:p>
+                  </a:txBody>
+                  <a:tcPr>
+                    <a:lnL w="12700" cap="flat" cmpd="sng" algn="ctr">
+                      <a:solidFill>
+                        <a:schemeClr val="tx1"/>
+                      </a:solidFill>
+                      <a:prstDash val="solid"/>
+                      <a:round/>
+                      <a:headEnd type="none" w="med" len="med"/>
+                      <a:tailEnd type="none" w="med" len="med"/>
+                    </a:lnL>
+                    <a:lnR w="12700" cap="flat" cmpd="sng" algn="ctr">
+                      <a:solidFill>
+                        <a:schemeClr val="tx1"/>
+                      </a:solidFill>
+                      <a:prstDash val="solid"/>
+                      <a:round/>
+                      <a:headEnd type="none" w="med" len="med"/>
+                      <a:tailEnd type="none" w="med" len="med"/>
+                    </a:lnR>
+                    <a:lnT w="12700" cap="flat" cmpd="sng" algn="ctr">
+                      <a:solidFill>
+                        <a:schemeClr val="tx1"/>
+                      </a:solidFill>
+                      <a:prstDash val="solid"/>
+                      <a:round/>
+                      <a:headEnd type="none" w="med" len="med"/>
+                      <a:tailEnd type="none" w="med" len="med"/>
+                    </a:lnT>
+                    <a:lnB w="12700" cap="flat" cmpd="sng" algn="ctr">
+                      <a:solidFill>
+                        <a:schemeClr val="tx1"/>
+                      </a:solidFill>
+                      <a:prstDash val="solid"/>
+                      <a:round/>
+                      <a:headEnd type="none" w="med" len="med"/>
+                      <a:tailEnd type="none" w="med" len="med"/>
+                    </a:lnB>
+                    <a:noFill/>
+                  </a:tcPr>
+                </a:tc>
+                <a:tc>
+                  <a:txBody>
+                    <a:bodyPr/>
+                    <a:lstStyle/>
+                    <a:p>
+                      <a:pPr marL="0" algn="ctr" defTabSz="914400" rtl="0" eaLnBrk="1" latinLnBrk="0" hangingPunct="1"/>
+                      <a:r>
+                        <a:rPr lang="it-IT" sz="1800" b="1" kern="1200" dirty="0">
+                          <a:solidFill>
+                            <a:schemeClr val="tx1"/>
+                          </a:solidFill>
+                          <a:latin typeface="+mn-lt"/>
+                          <a:ea typeface="+mn-ea"/>
+                          <a:cs typeface="+mn-cs"/>
+                        </a:rPr>
+                        <a:t>GND</a:t>
+                      </a:r>
+                      <a:endParaRPr lang="en-GB" sz="1800" b="1" kern="1200" dirty="0">
+                        <a:solidFill>
+                          <a:schemeClr val="tx1"/>
+                        </a:solidFill>
+                        <a:latin typeface="+mn-lt"/>
+                        <a:ea typeface="+mn-ea"/>
+                        <a:cs typeface="+mn-cs"/>
+                      </a:endParaRPr>
+                    </a:p>
+                  </a:txBody>
+                  <a:tcPr>
+                    <a:lnL w="12700" cap="flat" cmpd="sng" algn="ctr">
+                      <a:solidFill>
+                        <a:schemeClr val="tx1"/>
+                      </a:solidFill>
+                      <a:prstDash val="solid"/>
+                      <a:round/>
+                      <a:headEnd type="none" w="med" len="med"/>
+                      <a:tailEnd type="none" w="med" len="med"/>
+                    </a:lnL>
+                    <a:lnR w="12700" cap="flat" cmpd="sng" algn="ctr">
+                      <a:solidFill>
+                        <a:schemeClr val="tx1"/>
+                      </a:solidFill>
+                      <a:prstDash val="solid"/>
+                      <a:round/>
+                      <a:headEnd type="none" w="med" len="med"/>
+                      <a:tailEnd type="none" w="med" len="med"/>
+                    </a:lnR>
+                    <a:lnT w="12700" cap="flat" cmpd="sng" algn="ctr">
+                      <a:solidFill>
+                        <a:schemeClr val="tx1"/>
+                      </a:solidFill>
+                      <a:prstDash val="solid"/>
+                      <a:round/>
+                      <a:headEnd type="none" w="med" len="med"/>
+                      <a:tailEnd type="none" w="med" len="med"/>
+                    </a:lnT>
+                    <a:lnB w="12700" cap="flat" cmpd="sng" algn="ctr">
+                      <a:solidFill>
+                        <a:schemeClr val="tx1"/>
+                      </a:solidFill>
+                      <a:prstDash val="solid"/>
+                      <a:round/>
+                      <a:headEnd type="none" w="med" len="med"/>
+                      <a:tailEnd type="none" w="med" len="med"/>
+                    </a:lnB>
+                    <a:noFill/>
+                  </a:tcPr>
+                </a:tc>
+                <a:extLst>
+                  <a:ext uri="{0D108BD9-81ED-4DB2-BD59-A6C34878D82A}">
+                    <a16:rowId xmlns:a16="http://schemas.microsoft.com/office/drawing/2014/main" val="3916069463"/>
+                  </a:ext>
+                </a:extLst>
+              </a:tr>
+            </a:tbl>
+          </a:graphicData>
+        </a:graphic>
+      </p:graphicFrame>
+      <p:sp>
+        <p:nvSpPr>
+          <p:cNvPr id="10" name="CasellaDiTesto 9">
+            <a:extLst>
+              <a:ext uri="{FF2B5EF4-FFF2-40B4-BE49-F238E27FC236}">
+                <a16:creationId xmlns:a16="http://schemas.microsoft.com/office/drawing/2014/main" id="{68AC0D9A-9C7A-85E0-ADAB-82B8DBB25715}"/>
+              </a:ext>
+            </a:extLst>
+          </p:cNvPr>
+          <p:cNvSpPr txBox="1"/>
+          <p:nvPr/>
+        </p:nvSpPr>
+        <p:spPr>
+          <a:xfrm>
+            <a:off x="9506778" y="2381304"/>
+            <a:ext cx="1779104" cy="369332"/>
+          </a:xfrm>
+          <a:prstGeom prst="rect">
+            <a:avLst/>
+          </a:prstGeom>
+          <a:noFill/>
+        </p:spPr>
+        <p:txBody>
+          <a:bodyPr wrap="square" rtlCol="0">
+            <a:spAutoFit/>
+          </a:bodyPr>
+          <a:lstStyle/>
+          <a:p>
+            <a:pPr algn="ctr"/>
+            <a:r>
+              <a:rPr lang="it-IT" dirty="0"/>
+              <a:t>Cable</a:t>
+            </a:r>
+            <a:endParaRPr lang="en-GB" dirty="0"/>
+          </a:p>
+        </p:txBody>
+      </p:sp>
+      <p:cxnSp>
+        <p:nvCxnSpPr>
+          <p:cNvPr id="12" name="Connettore a gomito 11">
+            <a:extLst>
+              <a:ext uri="{FF2B5EF4-FFF2-40B4-BE49-F238E27FC236}">
+                <a16:creationId xmlns:a16="http://schemas.microsoft.com/office/drawing/2014/main" id="{04E8B748-1026-1712-C5A9-CE3DE7286D31}"/>
+              </a:ext>
+            </a:extLst>
+          </p:cNvPr>
+          <p:cNvCxnSpPr>
+            <a:cxnSpLocks/>
+          </p:cNvCxnSpPr>
+          <p:nvPr/>
+        </p:nvCxnSpPr>
+        <p:spPr>
+          <a:xfrm flipV="1">
+            <a:off x="2519570" y="2916432"/>
+            <a:ext cx="2847560" cy="512568"/>
+          </a:xfrm>
+          <a:prstGeom prst="bentConnector3">
+            <a:avLst/>
+          </a:prstGeom>
+          <a:ln w="28575">
+            <a:solidFill>
+              <a:schemeClr val="tx1"/>
+            </a:solidFill>
+          </a:ln>
+        </p:spPr>
+        <p:style>
+          <a:lnRef idx="2">
+            <a:schemeClr val="accent1"/>
+          </a:lnRef>
+          <a:fillRef idx="0">
+            <a:schemeClr val="accent1"/>
+          </a:fillRef>
+          <a:effectRef idx="1">
+            <a:schemeClr val="accent1"/>
+          </a:effectRef>
+          <a:fontRef idx="minor">
+            <a:schemeClr val="tx1"/>
+          </a:fontRef>
+        </p:style>
+      </p:cxnSp>
+      <p:cxnSp>
+        <p:nvCxnSpPr>
+          <p:cNvPr id="14" name="Connettore diritto 13">
+            <a:extLst>
+              <a:ext uri="{FF2B5EF4-FFF2-40B4-BE49-F238E27FC236}">
+                <a16:creationId xmlns:a16="http://schemas.microsoft.com/office/drawing/2014/main" id="{51B1181A-18BB-80D0-ABDC-070972FCE237}"/>
+              </a:ext>
+            </a:extLst>
+          </p:cNvPr>
+          <p:cNvCxnSpPr/>
+          <p:nvPr/>
+        </p:nvCxnSpPr>
+        <p:spPr>
+          <a:xfrm flipH="1">
+            <a:off x="3945835" y="3285764"/>
+            <a:ext cx="1421295" cy="0"/>
+          </a:xfrm>
+          <a:prstGeom prst="line">
+            <a:avLst/>
+          </a:prstGeom>
+          <a:ln w="28575">
+            <a:solidFill>
+              <a:schemeClr val="tx1"/>
+            </a:solidFill>
+          </a:ln>
+        </p:spPr>
+        <p:style>
+          <a:lnRef idx="2">
+            <a:schemeClr val="accent1"/>
+          </a:lnRef>
+          <a:fillRef idx="0">
+            <a:schemeClr val="accent1"/>
+          </a:fillRef>
+          <a:effectRef idx="1">
+            <a:schemeClr val="accent1"/>
+          </a:effectRef>
+          <a:fontRef idx="minor">
+            <a:schemeClr val="tx1"/>
+          </a:fontRef>
+        </p:style>
+      </p:cxnSp>
+      <p:pic>
+        <p:nvPicPr>
+          <p:cNvPr id="17" name="Immagine 16">
+            <a:extLst>
+              <a:ext uri="{FF2B5EF4-FFF2-40B4-BE49-F238E27FC236}">
+                <a16:creationId xmlns:a16="http://schemas.microsoft.com/office/drawing/2014/main" id="{9461D687-C95A-DDD0-A77C-F2695089E05F}"/>
+              </a:ext>
+            </a:extLst>
+          </p:cNvPr>
+          <p:cNvPicPr>
+            <a:picLocks noChangeAspect="1"/>
+          </p:cNvPicPr>
+          <p:nvPr/>
+        </p:nvPicPr>
+        <p:blipFill>
+          <a:blip r:embed="rId2"/>
+          <a:srcRect l="55163" t="4465" r="3716" b="16890"/>
+          <a:stretch/>
+        </p:blipFill>
+        <p:spPr>
+          <a:xfrm>
+            <a:off x="9559364" y="217396"/>
+            <a:ext cx="1726518" cy="2064852"/>
+          </a:xfrm>
+          <a:prstGeom prst="rect">
+            <a:avLst/>
+          </a:prstGeom>
+        </p:spPr>
+      </p:pic>
+      <p:cxnSp>
+        <p:nvCxnSpPr>
+          <p:cNvPr id="19" name="Connettore a gomito 18">
+            <a:extLst>
+              <a:ext uri="{FF2B5EF4-FFF2-40B4-BE49-F238E27FC236}">
+                <a16:creationId xmlns:a16="http://schemas.microsoft.com/office/drawing/2014/main" id="{36E04355-C794-2B8B-AE7E-7E55114386D4}"/>
+              </a:ext>
+            </a:extLst>
+          </p:cNvPr>
+          <p:cNvCxnSpPr/>
+          <p:nvPr/>
+        </p:nvCxnSpPr>
+        <p:spPr>
+          <a:xfrm>
+            <a:off x="2519570" y="4572000"/>
+            <a:ext cx="2847560" cy="567964"/>
+          </a:xfrm>
+          <a:prstGeom prst="bentConnector3">
+            <a:avLst/>
+          </a:prstGeom>
+          <a:ln w="28575">
+            <a:solidFill>
+              <a:schemeClr val="tx1"/>
+            </a:solidFill>
+          </a:ln>
+        </p:spPr>
+        <p:style>
+          <a:lnRef idx="2">
+            <a:schemeClr val="accent1"/>
+          </a:lnRef>
+          <a:fillRef idx="0">
+            <a:schemeClr val="accent1"/>
+          </a:fillRef>
+          <a:effectRef idx="1">
+            <a:schemeClr val="accent1"/>
+          </a:effectRef>
+          <a:fontRef idx="minor">
+            <a:schemeClr val="tx1"/>
+          </a:fontRef>
+        </p:style>
+      </p:cxnSp>
+      <p:cxnSp>
+        <p:nvCxnSpPr>
+          <p:cNvPr id="21" name="Connettore a gomito 20">
+            <a:extLst>
+              <a:ext uri="{FF2B5EF4-FFF2-40B4-BE49-F238E27FC236}">
+                <a16:creationId xmlns:a16="http://schemas.microsoft.com/office/drawing/2014/main" id="{7D1A46BE-0007-48C4-CA83-763CE50CBFE0}"/>
+              </a:ext>
+            </a:extLst>
+          </p:cNvPr>
+          <p:cNvCxnSpPr/>
+          <p:nvPr/>
+        </p:nvCxnSpPr>
+        <p:spPr>
+          <a:xfrm flipV="1">
+            <a:off x="2519570" y="3667539"/>
+            <a:ext cx="2847560" cy="168965"/>
+          </a:xfrm>
+          <a:prstGeom prst="bentConnector3">
+            <a:avLst>
+              <a:gd name="adj1" fmla="val 44415"/>
+            </a:avLst>
+          </a:prstGeom>
+          <a:ln w="28575">
+            <a:solidFill>
+              <a:schemeClr val="tx1"/>
+            </a:solidFill>
+          </a:ln>
+        </p:spPr>
+        <p:style>
+          <a:lnRef idx="2">
+            <a:schemeClr val="accent1"/>
+          </a:lnRef>
+          <a:fillRef idx="0">
+            <a:schemeClr val="accent1"/>
+          </a:fillRef>
+          <a:effectRef idx="1">
+            <a:schemeClr val="accent1"/>
+          </a:effectRef>
+          <a:fontRef idx="minor">
+            <a:schemeClr val="tx1"/>
+          </a:fontRef>
+        </p:style>
+      </p:cxnSp>
+      <p:cxnSp>
+        <p:nvCxnSpPr>
+          <p:cNvPr id="23" name="Connettore a gomito 22">
+            <a:extLst>
+              <a:ext uri="{FF2B5EF4-FFF2-40B4-BE49-F238E27FC236}">
+                <a16:creationId xmlns:a16="http://schemas.microsoft.com/office/drawing/2014/main" id="{CDB5E3A7-DD3A-BF7C-7083-6A2825F6510A}"/>
+              </a:ext>
+            </a:extLst>
+          </p:cNvPr>
+          <p:cNvCxnSpPr/>
+          <p:nvPr/>
+        </p:nvCxnSpPr>
+        <p:spPr>
+          <a:xfrm flipV="1">
+            <a:off x="2519570" y="4004420"/>
+            <a:ext cx="2847560" cy="219764"/>
+          </a:xfrm>
+          <a:prstGeom prst="bentConnector3">
+            <a:avLst>
+              <a:gd name="adj1" fmla="val 54537"/>
+            </a:avLst>
+          </a:prstGeom>
+          <a:ln w="28575">
+            <a:solidFill>
+              <a:schemeClr val="tx1"/>
+            </a:solidFill>
+          </a:ln>
+        </p:spPr>
+        <p:style>
+          <a:lnRef idx="2">
+            <a:schemeClr val="accent1"/>
+          </a:lnRef>
+          <a:fillRef idx="0">
+            <a:schemeClr val="accent1"/>
+          </a:fillRef>
+          <a:effectRef idx="1">
+            <a:schemeClr val="accent1"/>
+          </a:effectRef>
+          <a:fontRef idx="minor">
+            <a:schemeClr val="tx1"/>
+          </a:fontRef>
+        </p:style>
+      </p:cxnSp>
+      <p:cxnSp>
+        <p:nvCxnSpPr>
+          <p:cNvPr id="25" name="Connettore a gomito 24">
+            <a:extLst>
+              <a:ext uri="{FF2B5EF4-FFF2-40B4-BE49-F238E27FC236}">
+                <a16:creationId xmlns:a16="http://schemas.microsoft.com/office/drawing/2014/main" id="{9D0FF731-A944-5854-7D38-949D43B61659}"/>
+              </a:ext>
+            </a:extLst>
+          </p:cNvPr>
+          <p:cNvCxnSpPr>
+            <a:cxnSpLocks/>
+          </p:cNvCxnSpPr>
+          <p:nvPr/>
+        </p:nvCxnSpPr>
+        <p:spPr>
+          <a:xfrm>
+            <a:off x="2519570" y="4908847"/>
+            <a:ext cx="2847560" cy="623089"/>
+          </a:xfrm>
+          <a:prstGeom prst="bentConnector3">
+            <a:avLst>
+              <a:gd name="adj1" fmla="val 41623"/>
+            </a:avLst>
+          </a:prstGeom>
+          <a:ln w="28575">
+            <a:solidFill>
+              <a:schemeClr val="tx1"/>
+            </a:solidFill>
+          </a:ln>
+        </p:spPr>
+        <p:style>
+          <a:lnRef idx="2">
+            <a:schemeClr val="accent1"/>
+          </a:lnRef>
+          <a:fillRef idx="0">
+            <a:schemeClr val="accent1"/>
+          </a:fillRef>
+          <a:effectRef idx="1">
+            <a:schemeClr val="accent1"/>
+          </a:effectRef>
+          <a:fontRef idx="minor">
+            <a:schemeClr val="tx1"/>
+          </a:fontRef>
+        </p:style>
+      </p:cxnSp>
+      <p:cxnSp>
+        <p:nvCxnSpPr>
+          <p:cNvPr id="30" name="Connettore a gomito 29">
+            <a:extLst>
+              <a:ext uri="{FF2B5EF4-FFF2-40B4-BE49-F238E27FC236}">
+                <a16:creationId xmlns:a16="http://schemas.microsoft.com/office/drawing/2014/main" id="{2984A0E0-99E4-1A23-67FB-11E8D4988CE5}"/>
+              </a:ext>
+            </a:extLst>
+          </p:cNvPr>
+          <p:cNvCxnSpPr>
+            <a:cxnSpLocks/>
+          </p:cNvCxnSpPr>
+          <p:nvPr/>
+        </p:nvCxnSpPr>
+        <p:spPr>
+          <a:xfrm flipV="1">
+            <a:off x="6821143" y="4021260"/>
+            <a:ext cx="2851287" cy="394475"/>
+          </a:xfrm>
+          <a:prstGeom prst="bentConnector3">
+            <a:avLst>
+              <a:gd name="adj1" fmla="val 44423"/>
+            </a:avLst>
+          </a:prstGeom>
+          <a:ln w="28575">
+            <a:solidFill>
+              <a:schemeClr val="tx1"/>
+            </a:solidFill>
+          </a:ln>
+        </p:spPr>
+        <p:style>
+          <a:lnRef idx="2">
+            <a:schemeClr val="accent1"/>
+          </a:lnRef>
+          <a:fillRef idx="0">
+            <a:schemeClr val="accent1"/>
+          </a:fillRef>
+          <a:effectRef idx="1">
+            <a:schemeClr val="accent1"/>
+          </a:effectRef>
+          <a:fontRef idx="minor">
+            <a:schemeClr val="tx1"/>
+          </a:fontRef>
+        </p:style>
+      </p:cxnSp>
+      <p:cxnSp>
+        <p:nvCxnSpPr>
+          <p:cNvPr id="32" name="Connettore a gomito 31">
+            <a:extLst>
+              <a:ext uri="{FF2B5EF4-FFF2-40B4-BE49-F238E27FC236}">
+                <a16:creationId xmlns:a16="http://schemas.microsoft.com/office/drawing/2014/main" id="{FC75D727-0D96-E8FB-9D15-3AB8F044D9D4}"/>
+              </a:ext>
+            </a:extLst>
+          </p:cNvPr>
+          <p:cNvCxnSpPr>
+            <a:cxnSpLocks/>
+          </p:cNvCxnSpPr>
+          <p:nvPr/>
+        </p:nvCxnSpPr>
+        <p:spPr>
+          <a:xfrm flipV="1">
+            <a:off x="6820522" y="4415735"/>
+            <a:ext cx="2851908" cy="359520"/>
+          </a:xfrm>
+          <a:prstGeom prst="bentConnector3">
+            <a:avLst>
+              <a:gd name="adj1" fmla="val 59061"/>
+            </a:avLst>
+          </a:prstGeom>
+          <a:ln w="28575">
+            <a:solidFill>
+              <a:schemeClr val="tx1"/>
+            </a:solidFill>
+          </a:ln>
+        </p:spPr>
+        <p:style>
+          <a:lnRef idx="2">
+            <a:schemeClr val="accent1"/>
+          </a:lnRef>
+          <a:fillRef idx="0">
+            <a:schemeClr val="accent1"/>
+          </a:fillRef>
+          <a:effectRef idx="1">
+            <a:schemeClr val="accent1"/>
+          </a:effectRef>
+          <a:fontRef idx="minor">
+            <a:schemeClr val="tx1"/>
+          </a:fontRef>
+        </p:style>
+      </p:cxnSp>
+      <p:cxnSp>
+        <p:nvCxnSpPr>
+          <p:cNvPr id="43" name="Connettore a gomito 42">
+            <a:extLst>
+              <a:ext uri="{FF2B5EF4-FFF2-40B4-BE49-F238E27FC236}">
+                <a16:creationId xmlns:a16="http://schemas.microsoft.com/office/drawing/2014/main" id="{017AA427-D430-59E3-1E9D-4C0D6CD0BC68}"/>
+              </a:ext>
+            </a:extLst>
+          </p:cNvPr>
+          <p:cNvCxnSpPr>
+            <a:cxnSpLocks/>
+          </p:cNvCxnSpPr>
+          <p:nvPr/>
+        </p:nvCxnSpPr>
+        <p:spPr>
+          <a:xfrm>
+            <a:off x="2519570" y="5029200"/>
+            <a:ext cx="7152860" cy="839583"/>
+          </a:xfrm>
+          <a:prstGeom prst="bentConnector3">
+            <a:avLst>
+              <a:gd name="adj1" fmla="val -23"/>
+            </a:avLst>
+          </a:prstGeom>
+          <a:ln w="28575">
+            <a:solidFill>
+              <a:schemeClr val="tx1"/>
+            </a:solidFill>
+          </a:ln>
+        </p:spPr>
+        <p:style>
+          <a:lnRef idx="2">
+            <a:schemeClr val="accent1"/>
+          </a:lnRef>
+          <a:fillRef idx="0">
+            <a:schemeClr val="accent1"/>
+          </a:fillRef>
+          <a:effectRef idx="1">
+            <a:schemeClr val="accent1"/>
+          </a:effectRef>
+          <a:fontRef idx="minor">
+            <a:schemeClr val="tx1"/>
+          </a:fontRef>
+        </p:style>
+      </p:cxnSp>
+      <p:cxnSp>
+        <p:nvCxnSpPr>
+          <p:cNvPr id="48" name="Connettore diritto 47">
+            <a:extLst>
+              <a:ext uri="{FF2B5EF4-FFF2-40B4-BE49-F238E27FC236}">
+                <a16:creationId xmlns:a16="http://schemas.microsoft.com/office/drawing/2014/main" id="{0D2429CC-1E9A-12F7-850A-52746D0D324B}"/>
+              </a:ext>
+            </a:extLst>
+          </p:cNvPr>
+          <p:cNvCxnSpPr/>
+          <p:nvPr/>
+        </p:nvCxnSpPr>
+        <p:spPr>
+          <a:xfrm flipV="1">
+            <a:off x="9672430" y="5504620"/>
+            <a:ext cx="0" cy="364163"/>
+          </a:xfrm>
+          <a:prstGeom prst="line">
+            <a:avLst/>
+          </a:prstGeom>
+          <a:ln w="28575">
+            <a:solidFill>
+              <a:schemeClr val="tx1"/>
+            </a:solidFill>
+          </a:ln>
+        </p:spPr>
+        <p:style>
+          <a:lnRef idx="2">
+            <a:schemeClr val="accent1"/>
+          </a:lnRef>
+          <a:fillRef idx="0">
+            <a:schemeClr val="accent1"/>
+          </a:fillRef>
+          <a:effectRef idx="1">
+            <a:schemeClr val="accent1"/>
+          </a:effectRef>
+          <a:fontRef idx="minor">
+            <a:schemeClr val="tx1"/>
+          </a:fontRef>
+        </p:style>
+      </p:cxnSp>
+    </p:spTree>
+    <p:extLst>
+      <p:ext uri="{BB962C8B-B14F-4D97-AF65-F5344CB8AC3E}">
+        <p14:creationId xmlns:p14="http://schemas.microsoft.com/office/powerpoint/2010/main" val="4259179272"/>
+      </p:ext>
+    </p:extLst>
+  </p:cSld>
+  <p:clrMapOvr>
+    <a:masterClrMapping/>
+  </p:clrMapOvr>
+</p:sld>
+</file>
+
 <file path=ppt/theme/theme1.xml><?xml version="1.0" encoding="utf-8"?>
 <a:theme xmlns:a="http://schemas.openxmlformats.org/drawingml/2006/main" name="Tema di Office">
   <a:themeElements>
